--- a/Presentation.pptx
+++ b/Presentation.pptx
@@ -5,18 +5,19 @@
     <p:sldMasterId id="2147483660" r:id="rId1"/>
   </p:sldMasterIdLst>
   <p:notesMasterIdLst>
-    <p:notesMasterId r:id="rId11"/>
+    <p:notesMasterId r:id="rId12"/>
   </p:notesMasterIdLst>
   <p:sldIdLst>
     <p:sldId id="256" r:id="rId2"/>
     <p:sldId id="257" r:id="rId3"/>
     <p:sldId id="258" r:id="rId4"/>
-    <p:sldId id="259" r:id="rId5"/>
-    <p:sldId id="260" r:id="rId6"/>
-    <p:sldId id="263" r:id="rId7"/>
-    <p:sldId id="261" r:id="rId8"/>
-    <p:sldId id="265" r:id="rId9"/>
-    <p:sldId id="262" r:id="rId10"/>
+    <p:sldId id="266" r:id="rId5"/>
+    <p:sldId id="259" r:id="rId6"/>
+    <p:sldId id="260" r:id="rId7"/>
+    <p:sldId id="263" r:id="rId8"/>
+    <p:sldId id="261" r:id="rId9"/>
+    <p:sldId id="265" r:id="rId10"/>
+    <p:sldId id="262" r:id="rId11"/>
   </p:sldIdLst>
   <p:sldSz cx="12192000" cy="6858000"/>
   <p:notesSz cx="6858000" cy="9144000"/>
@@ -3372,6 +3373,13 @@
         </dgm:presLayoutVars>
       </dgm:prSet>
       <dgm:spPr/>
+      <dgm:t>
+        <a:bodyPr/>
+        <a:lstStyle/>
+        <a:p>
+          <a:endParaRPr lang="pt-PT"/>
+        </a:p>
+      </dgm:t>
     </dgm:pt>
     <dgm:pt modelId="{315298FE-B74A-47F3-AEA6-910132CF7A54}" type="pres">
       <dgm:prSet presAssocID="{205ED472-4B9E-46F4-9928-0168EA146CE6}" presName="arrow" presStyleLbl="bgShp" presStyleIdx="0" presStyleCnt="1"/>
@@ -3392,6 +3400,13 @@
         </dgm:presLayoutVars>
       </dgm:prSet>
       <dgm:spPr/>
+      <dgm:t>
+        <a:bodyPr/>
+        <a:lstStyle/>
+        <a:p>
+          <a:endParaRPr lang="pt-PT"/>
+        </a:p>
+      </dgm:t>
     </dgm:pt>
     <dgm:pt modelId="{4C66ABAF-F858-45EE-8E27-100C5AF98003}" type="pres">
       <dgm:prSet presAssocID="{600BB5EE-883F-4C53-8131-388014E0EAB0}" presName="circleA" presStyleLbl="node1" presStyleIdx="0" presStyleCnt="6"/>
@@ -3416,6 +3431,13 @@
         </dgm:presLayoutVars>
       </dgm:prSet>
       <dgm:spPr/>
+      <dgm:t>
+        <a:bodyPr/>
+        <a:lstStyle/>
+        <a:p>
+          <a:endParaRPr lang="pt-PT"/>
+        </a:p>
+      </dgm:t>
     </dgm:pt>
     <dgm:pt modelId="{FE43E975-316B-4084-840D-949174118412}" type="pres">
       <dgm:prSet presAssocID="{678D5C55-5C64-4096-A3A9-345BFFEBABB1}" presName="circleB" presStyleLbl="node1" presStyleIdx="1" presStyleCnt="6"/>
@@ -3440,6 +3462,13 @@
         </dgm:presLayoutVars>
       </dgm:prSet>
       <dgm:spPr/>
+      <dgm:t>
+        <a:bodyPr/>
+        <a:lstStyle/>
+        <a:p>
+          <a:endParaRPr lang="pt-PT"/>
+        </a:p>
+      </dgm:t>
     </dgm:pt>
     <dgm:pt modelId="{8C673A7A-40E7-4A60-8859-BDEBADF6834B}" type="pres">
       <dgm:prSet presAssocID="{FD1E63D8-ECDE-48EB-82E6-2D1C4D5564E1}" presName="circleA" presStyleLbl="node1" presStyleIdx="2" presStyleCnt="6"/>
@@ -3464,6 +3493,13 @@
         </dgm:presLayoutVars>
       </dgm:prSet>
       <dgm:spPr/>
+      <dgm:t>
+        <a:bodyPr/>
+        <a:lstStyle/>
+        <a:p>
+          <a:endParaRPr lang="pt-PT"/>
+        </a:p>
+      </dgm:t>
     </dgm:pt>
     <dgm:pt modelId="{9FA6561B-5AA2-43D3-B692-DF6E0D3A217A}" type="pres">
       <dgm:prSet presAssocID="{0E4C52EE-BC78-49F6-87B5-2634629AD09B}" presName="circleB" presStyleLbl="node1" presStyleIdx="3" presStyleCnt="6"/>
@@ -3488,6 +3524,13 @@
         </dgm:presLayoutVars>
       </dgm:prSet>
       <dgm:spPr/>
+      <dgm:t>
+        <a:bodyPr/>
+        <a:lstStyle/>
+        <a:p>
+          <a:endParaRPr lang="pt-PT"/>
+        </a:p>
+      </dgm:t>
     </dgm:pt>
     <dgm:pt modelId="{9FB57AD7-680F-4B07-90BA-41549F6C528B}" type="pres">
       <dgm:prSet presAssocID="{9277689F-998B-443E-B6E2-1AC87C3586C0}" presName="circleA" presStyleLbl="node1" presStyleIdx="4" presStyleCnt="6"/>
@@ -3512,6 +3555,13 @@
         </dgm:presLayoutVars>
       </dgm:prSet>
       <dgm:spPr/>
+      <dgm:t>
+        <a:bodyPr/>
+        <a:lstStyle/>
+        <a:p>
+          <a:endParaRPr lang="pt-PT"/>
+        </a:p>
+      </dgm:t>
     </dgm:pt>
     <dgm:pt modelId="{2111E7A9-9D83-45F4-9D7D-50B677D07623}" type="pres">
       <dgm:prSet presAssocID="{FD99C300-FD48-4806-8C37-A44B53EAEF77}" presName="circleB" presStyleLbl="node1" presStyleIdx="5" presStyleCnt="6"/>
@@ -3523,19 +3573,19 @@
     </dgm:pt>
   </dgm:ptLst>
   <dgm:cxnLst>
+    <dgm:cxn modelId="{049CD290-C860-4B09-8334-D623A1E4ADCF}" srcId="{205ED472-4B9E-46F4-9928-0168EA146CE6}" destId="{600BB5EE-883F-4C53-8131-388014E0EAB0}" srcOrd="0" destOrd="0" parTransId="{2EDBE207-5D71-46AA-B59B-0DC0A891512E}" sibTransId="{DE32AB66-7855-4C7A-A6C4-1E634A008EA3}"/>
+    <dgm:cxn modelId="{1740A107-D0CB-47B3-9BC8-8F81ACB481C9}" type="presOf" srcId="{FD1E63D8-ECDE-48EB-82E6-2D1C4D5564E1}" destId="{1B7AA1BD-D48F-443B-BEA3-DCFC4D098774}" srcOrd="0" destOrd="0" presId="urn:microsoft.com/office/officeart/2005/8/layout/hProcess11"/>
+    <dgm:cxn modelId="{459BC65E-33F0-4445-ABF4-4E4F818FE432}" srcId="{205ED472-4B9E-46F4-9928-0168EA146CE6}" destId="{9277689F-998B-443E-B6E2-1AC87C3586C0}" srcOrd="4" destOrd="0" parTransId="{292C2292-3F39-4324-A3E6-C41F314BF3A3}" sibTransId="{17472591-5B4C-4158-84A2-8C7C4369677D}"/>
     <dgm:cxn modelId="{9D5CD475-4041-4378-A92D-5E60B206B41F}" type="presOf" srcId="{678D5C55-5C64-4096-A3A9-345BFFEBABB1}" destId="{FABD5C09-3D12-476A-845D-505E6F756FDC}" srcOrd="0" destOrd="0" presId="urn:microsoft.com/office/officeart/2005/8/layout/hProcess11"/>
+    <dgm:cxn modelId="{91D221D1-65E6-404A-86EE-20EF1DEE9025}" type="presOf" srcId="{9277689F-998B-443E-B6E2-1AC87C3586C0}" destId="{DDCEA94C-59AB-4BD2-BB88-308F19A9B2FC}" srcOrd="0" destOrd="0" presId="urn:microsoft.com/office/officeart/2005/8/layout/hProcess11"/>
     <dgm:cxn modelId="{C1686856-80DE-42AE-AF0B-10F82C8F221E}" type="presOf" srcId="{0E4C52EE-BC78-49F6-87B5-2634629AD09B}" destId="{E9F1D913-8779-4D6F-9709-9F78F5E4A7C3}" srcOrd="0" destOrd="0" presId="urn:microsoft.com/office/officeart/2005/8/layout/hProcess11"/>
-    <dgm:cxn modelId="{1740A107-D0CB-47B3-9BC8-8F81ACB481C9}" type="presOf" srcId="{FD1E63D8-ECDE-48EB-82E6-2D1C4D5564E1}" destId="{1B7AA1BD-D48F-443B-BEA3-DCFC4D098774}" srcOrd="0" destOrd="0" presId="urn:microsoft.com/office/officeart/2005/8/layout/hProcess11"/>
+    <dgm:cxn modelId="{614EB751-59D7-4A17-84B7-059B41596986}" type="presOf" srcId="{FD99C300-FD48-4806-8C37-A44B53EAEF77}" destId="{E09B0CBF-356A-4A15-889C-60A702475BE9}" srcOrd="0" destOrd="0" presId="urn:microsoft.com/office/officeart/2005/8/layout/hProcess11"/>
+    <dgm:cxn modelId="{E6C0FA56-E7DD-4C63-9114-FEB7E919573D}" srcId="{205ED472-4B9E-46F4-9928-0168EA146CE6}" destId="{FD1E63D8-ECDE-48EB-82E6-2D1C4D5564E1}" srcOrd="2" destOrd="0" parTransId="{D2655DB4-DF4D-4E61-9554-4B5EF5E2A5B0}" sibTransId="{17215846-26C8-43CC-AA17-AA8A81B0973F}"/>
     <dgm:cxn modelId="{0AE5CE04-6523-49BF-99D0-D3529695ACBB}" srcId="{205ED472-4B9E-46F4-9928-0168EA146CE6}" destId="{678D5C55-5C64-4096-A3A9-345BFFEBABB1}" srcOrd="1" destOrd="0" parTransId="{89834515-8B91-4CC4-BD09-B9A99BE23A99}" sibTransId="{7C9AD068-A016-4263-AFC5-218AE38A5A07}"/>
-    <dgm:cxn modelId="{614EB751-59D7-4A17-84B7-059B41596986}" type="presOf" srcId="{FD99C300-FD48-4806-8C37-A44B53EAEF77}" destId="{E09B0CBF-356A-4A15-889C-60A702475BE9}" srcOrd="0" destOrd="0" presId="urn:microsoft.com/office/officeart/2005/8/layout/hProcess11"/>
+    <dgm:cxn modelId="{EEF951C0-D15E-4112-ACFB-0CC39C8A3A30}" srcId="{205ED472-4B9E-46F4-9928-0168EA146CE6}" destId="{FD99C300-FD48-4806-8C37-A44B53EAEF77}" srcOrd="5" destOrd="0" parTransId="{4C126FE3-7E01-4534-85C9-6A492A535542}" sibTransId="{6F27E9B6-ED32-45A1-86DF-B969A10DC37E}"/>
+    <dgm:cxn modelId="{9ECED857-4619-49FE-B6DC-9B6A76B1578E}" srcId="{205ED472-4B9E-46F4-9928-0168EA146CE6}" destId="{0E4C52EE-BC78-49F6-87B5-2634629AD09B}" srcOrd="3" destOrd="0" parTransId="{1F516811-1A03-4065-88D0-C7383404DBFF}" sibTransId="{EB42C384-63B1-41E7-A8FB-DA2AF0D822C6}"/>
     <dgm:cxn modelId="{370EA4D6-15C9-4517-B1EF-A5473C979A3B}" type="presOf" srcId="{600BB5EE-883F-4C53-8131-388014E0EAB0}" destId="{83F47920-5A54-4922-A03D-50CD86510BF7}" srcOrd="0" destOrd="0" presId="urn:microsoft.com/office/officeart/2005/8/layout/hProcess11"/>
-    <dgm:cxn modelId="{9ECED857-4619-49FE-B6DC-9B6A76B1578E}" srcId="{205ED472-4B9E-46F4-9928-0168EA146CE6}" destId="{0E4C52EE-BC78-49F6-87B5-2634629AD09B}" srcOrd="3" destOrd="0" parTransId="{1F516811-1A03-4065-88D0-C7383404DBFF}" sibTransId="{EB42C384-63B1-41E7-A8FB-DA2AF0D822C6}"/>
-    <dgm:cxn modelId="{049CD290-C860-4B09-8334-D623A1E4ADCF}" srcId="{205ED472-4B9E-46F4-9928-0168EA146CE6}" destId="{600BB5EE-883F-4C53-8131-388014E0EAB0}" srcOrd="0" destOrd="0" parTransId="{2EDBE207-5D71-46AA-B59B-0DC0A891512E}" sibTransId="{DE32AB66-7855-4C7A-A6C4-1E634A008EA3}"/>
-    <dgm:cxn modelId="{91D221D1-65E6-404A-86EE-20EF1DEE9025}" type="presOf" srcId="{9277689F-998B-443E-B6E2-1AC87C3586C0}" destId="{DDCEA94C-59AB-4BD2-BB88-308F19A9B2FC}" srcOrd="0" destOrd="0" presId="urn:microsoft.com/office/officeart/2005/8/layout/hProcess11"/>
-    <dgm:cxn modelId="{EEF951C0-D15E-4112-ACFB-0CC39C8A3A30}" srcId="{205ED472-4B9E-46F4-9928-0168EA146CE6}" destId="{FD99C300-FD48-4806-8C37-A44B53EAEF77}" srcOrd="5" destOrd="0" parTransId="{4C126FE3-7E01-4534-85C9-6A492A535542}" sibTransId="{6F27E9B6-ED32-45A1-86DF-B969A10DC37E}"/>
     <dgm:cxn modelId="{F80E9EDB-C81A-4286-B84D-F06CD25FC19E}" type="presOf" srcId="{205ED472-4B9E-46F4-9928-0168EA146CE6}" destId="{A671F881-E918-4CAA-A0FF-A8648D58A624}" srcOrd="0" destOrd="0" presId="urn:microsoft.com/office/officeart/2005/8/layout/hProcess11"/>
-    <dgm:cxn modelId="{E6C0FA56-E7DD-4C63-9114-FEB7E919573D}" srcId="{205ED472-4B9E-46F4-9928-0168EA146CE6}" destId="{FD1E63D8-ECDE-48EB-82E6-2D1C4D5564E1}" srcOrd="2" destOrd="0" parTransId="{D2655DB4-DF4D-4E61-9554-4B5EF5E2A5B0}" sibTransId="{17215846-26C8-43CC-AA17-AA8A81B0973F}"/>
-    <dgm:cxn modelId="{459BC65E-33F0-4445-ABF4-4E4F818FE432}" srcId="{205ED472-4B9E-46F4-9928-0168EA146CE6}" destId="{9277689F-998B-443E-B6E2-1AC87C3586C0}" srcOrd="4" destOrd="0" parTransId="{292C2292-3F39-4324-A3E6-C41F314BF3A3}" sibTransId="{17472591-5B4C-4158-84A2-8C7C4369677D}"/>
     <dgm:cxn modelId="{BBD5F5B5-416B-42AB-AA78-7DB07CCEFF89}" type="presParOf" srcId="{A671F881-E918-4CAA-A0FF-A8648D58A624}" destId="{315298FE-B74A-47F3-AEA6-910132CF7A54}" srcOrd="0" destOrd="0" presId="urn:microsoft.com/office/officeart/2005/8/layout/hProcess11"/>
     <dgm:cxn modelId="{C7C705D5-7BA7-4E22-805C-FB232BBA3E1D}" type="presParOf" srcId="{A671F881-E918-4CAA-A0FF-A8648D58A624}" destId="{D2113E89-6361-4451-96F1-E679C11E11A3}" srcOrd="1" destOrd="0" presId="urn:microsoft.com/office/officeart/2005/8/layout/hProcess11"/>
     <dgm:cxn modelId="{6ACDF441-C647-44C8-8DD1-60CE53846BDE}" type="presParOf" srcId="{D2113E89-6361-4451-96F1-E679C11E11A3}" destId="{60C2376A-0296-428B-A851-7C215B7E246C}" srcOrd="0" destOrd="0" presId="urn:microsoft.com/office/officeart/2005/8/layout/hProcess11"/>
@@ -3825,6 +3875,13 @@
         </dgm:presLayoutVars>
       </dgm:prSet>
       <dgm:spPr/>
+      <dgm:t>
+        <a:bodyPr/>
+        <a:lstStyle/>
+        <a:p>
+          <a:endParaRPr lang="pt-PT"/>
+        </a:p>
+      </dgm:t>
     </dgm:pt>
     <dgm:pt modelId="{FA1A4678-BC35-41FB-B60A-17E0CF3D90C1}" type="pres">
       <dgm:prSet presAssocID="{3F925AD2-D06C-46FB-925A-2B8716007833}" presName="vertOne" presStyleCnt="0"/>
@@ -3864,6 +3921,13 @@
         </dgm:presLayoutVars>
       </dgm:prSet>
       <dgm:spPr/>
+      <dgm:t>
+        <a:bodyPr/>
+        <a:lstStyle/>
+        <a:p>
+          <a:endParaRPr lang="pt-PT"/>
+        </a:p>
+      </dgm:t>
     </dgm:pt>
     <dgm:pt modelId="{49CF1837-781A-4E83-8033-19CC1FBC38F6}" type="pres">
       <dgm:prSet presAssocID="{E7A288EB-54D6-4C19-A189-BE5447D324BD}" presName="horzTwo" presStyleCnt="0"/>
@@ -3884,6 +3948,13 @@
         </dgm:presLayoutVars>
       </dgm:prSet>
       <dgm:spPr/>
+      <dgm:t>
+        <a:bodyPr/>
+        <a:lstStyle/>
+        <a:p>
+          <a:endParaRPr lang="pt-PT"/>
+        </a:p>
+      </dgm:t>
     </dgm:pt>
     <dgm:pt modelId="{D0D0BD17-9D1A-4D71-9ADD-142853DEBEBE}" type="pres">
       <dgm:prSet presAssocID="{C8A49A4D-CB34-41A5-87E3-E649F82894EB}" presName="horzTwo" presStyleCnt="0"/>
@@ -3904,6 +3975,13 @@
         </dgm:presLayoutVars>
       </dgm:prSet>
       <dgm:spPr/>
+      <dgm:t>
+        <a:bodyPr/>
+        <a:lstStyle/>
+        <a:p>
+          <a:endParaRPr lang="pt-PT"/>
+        </a:p>
+      </dgm:t>
     </dgm:pt>
     <dgm:pt modelId="{22130143-EB49-4FD5-BCAC-EEB3C19A3A45}" type="pres">
       <dgm:prSet presAssocID="{EC5715FF-4DFF-4497-BE06-CC7D77668626}" presName="horzTwo" presStyleCnt="0"/>
@@ -3965,19 +4043,19 @@
     </dgm:pt>
   </dgm:ptLst>
   <dgm:cxnLst>
+    <dgm:cxn modelId="{D3C3D3D4-43F8-4D0B-8004-978088BC83B2}" srcId="{3F925AD2-D06C-46FB-925A-2B8716007833}" destId="{E7A288EB-54D6-4C19-A189-BE5447D324BD}" srcOrd="0" destOrd="0" parTransId="{ABD0D8E9-1AB5-4DE7-8149-CE79986C1605}" sibTransId="{7A1BEEEE-9879-4355-80A9-A0D89EEF088E}"/>
+    <dgm:cxn modelId="{E6DCAEC1-126A-4DFB-BEAC-33763F37D582}" srcId="{3F925AD2-D06C-46FB-925A-2B8716007833}" destId="{C8A49A4D-CB34-41A5-87E3-E649F82894EB}" srcOrd="1" destOrd="0" parTransId="{4755AD62-F04A-4CC4-B877-4D207FB75858}" sibTransId="{9597DA34-2F1D-4C25-B09C-C4921CAB2939}"/>
+    <dgm:cxn modelId="{8BADE8C8-D3A2-4C24-8F7D-61DF83AAAD8C}" srcId="{3F925AD2-D06C-46FB-925A-2B8716007833}" destId="{DB9880F8-26F1-41D5-90A4-18E741CF6BB3}" srcOrd="3" destOrd="0" parTransId="{D55C0204-2932-4572-B8AF-A261A9F29735}" sibTransId="{EDA4F623-0C53-4541-8D32-B84A1D0B4286}"/>
+    <dgm:cxn modelId="{C9C52E90-591B-4072-8728-0BAE1121AFF8}" srcId="{3F925AD2-D06C-46FB-925A-2B8716007833}" destId="{5D085172-B69F-42E3-A7FD-3222F332B2FB}" srcOrd="4" destOrd="0" parTransId="{E12569EE-FED0-40F7-AA58-7E8A71BB882E}" sibTransId="{3A4A46F9-7604-4259-AE56-425B62E51FCF}"/>
+    <dgm:cxn modelId="{39BF37EE-BAA2-4177-B7BF-D54B707BCBFC}" type="presOf" srcId="{5D085172-B69F-42E3-A7FD-3222F332B2FB}" destId="{F24B9A76-D5A5-44B7-9F4B-014713B4A264}" srcOrd="0" destOrd="0" presId="urn:microsoft.com/office/officeart/2005/8/layout/hierarchy4"/>
     <dgm:cxn modelId="{49156B21-846E-4216-A2E2-0359F8F719A6}" type="presOf" srcId="{D9BB622F-CC9A-4F5C-94F8-AE0D371151D7}" destId="{446AF573-31F5-4ACB-B3C2-548911674503}" srcOrd="0" destOrd="0" presId="urn:microsoft.com/office/officeart/2005/8/layout/hierarchy4"/>
-    <dgm:cxn modelId="{E6DCAEC1-126A-4DFB-BEAC-33763F37D582}" srcId="{3F925AD2-D06C-46FB-925A-2B8716007833}" destId="{C8A49A4D-CB34-41A5-87E3-E649F82894EB}" srcOrd="1" destOrd="0" parTransId="{4755AD62-F04A-4CC4-B877-4D207FB75858}" sibTransId="{9597DA34-2F1D-4C25-B09C-C4921CAB2939}"/>
-    <dgm:cxn modelId="{39BF37EE-BAA2-4177-B7BF-D54B707BCBFC}" type="presOf" srcId="{5D085172-B69F-42E3-A7FD-3222F332B2FB}" destId="{F24B9A76-D5A5-44B7-9F4B-014713B4A264}" srcOrd="0" destOrd="0" presId="urn:microsoft.com/office/officeart/2005/8/layout/hierarchy4"/>
-    <dgm:cxn modelId="{C9C52E90-591B-4072-8728-0BAE1121AFF8}" srcId="{3F925AD2-D06C-46FB-925A-2B8716007833}" destId="{5D085172-B69F-42E3-A7FD-3222F332B2FB}" srcOrd="4" destOrd="0" parTransId="{E12569EE-FED0-40F7-AA58-7E8A71BB882E}" sibTransId="{3A4A46F9-7604-4259-AE56-425B62E51FCF}"/>
+    <dgm:cxn modelId="{3DBA9BE9-530E-485E-B1AD-C969FE4CB4F4}" type="presOf" srcId="{C8A49A4D-CB34-41A5-87E3-E649F82894EB}" destId="{1868729B-6CFD-4ECA-8373-DB22F6E6D7FF}" srcOrd="0" destOrd="0" presId="urn:microsoft.com/office/officeart/2005/8/layout/hierarchy4"/>
+    <dgm:cxn modelId="{E701585D-EFB9-4188-BECC-528032208C04}" srcId="{D9BB622F-CC9A-4F5C-94F8-AE0D371151D7}" destId="{3F925AD2-D06C-46FB-925A-2B8716007833}" srcOrd="0" destOrd="0" parTransId="{67FEA1D4-1DB0-4B3E-8912-8164271CC1A3}" sibTransId="{8EE04643-8DCE-4A91-9C23-E338F1328F0F}"/>
+    <dgm:cxn modelId="{D72E3006-116D-454F-9BB9-8F41EB7E9298}" type="presOf" srcId="{DB9880F8-26F1-41D5-90A4-18E741CF6BB3}" destId="{88334B2C-10D6-4A33-80E8-E0E3EB2C8933}" srcOrd="0" destOrd="0" presId="urn:microsoft.com/office/officeart/2005/8/layout/hierarchy4"/>
+    <dgm:cxn modelId="{B845593C-5B8E-430B-AC73-721BA9998265}" type="presOf" srcId="{EC5715FF-4DFF-4497-BE06-CC7D77668626}" destId="{4DBFE2A2-901B-4E18-90D7-6E4B8AF5F085}" srcOrd="0" destOrd="0" presId="urn:microsoft.com/office/officeart/2005/8/layout/hierarchy4"/>
     <dgm:cxn modelId="{249D43A9-B9C9-4526-92C8-414F73E9E56D}" type="presOf" srcId="{3F925AD2-D06C-46FB-925A-2B8716007833}" destId="{5A3AFD58-2539-4031-B60B-B96BEEB831DD}" srcOrd="0" destOrd="0" presId="urn:microsoft.com/office/officeart/2005/8/layout/hierarchy4"/>
-    <dgm:cxn modelId="{3DBA9BE9-530E-485E-B1AD-C969FE4CB4F4}" type="presOf" srcId="{C8A49A4D-CB34-41A5-87E3-E649F82894EB}" destId="{1868729B-6CFD-4ECA-8373-DB22F6E6D7FF}" srcOrd="0" destOrd="0" presId="urn:microsoft.com/office/officeart/2005/8/layout/hierarchy4"/>
-    <dgm:cxn modelId="{D3C3D3D4-43F8-4D0B-8004-978088BC83B2}" srcId="{3F925AD2-D06C-46FB-925A-2B8716007833}" destId="{E7A288EB-54D6-4C19-A189-BE5447D324BD}" srcOrd="0" destOrd="0" parTransId="{ABD0D8E9-1AB5-4DE7-8149-CE79986C1605}" sibTransId="{7A1BEEEE-9879-4355-80A9-A0D89EEF088E}"/>
-    <dgm:cxn modelId="{D72E3006-116D-454F-9BB9-8F41EB7E9298}" type="presOf" srcId="{DB9880F8-26F1-41D5-90A4-18E741CF6BB3}" destId="{88334B2C-10D6-4A33-80E8-E0E3EB2C8933}" srcOrd="0" destOrd="0" presId="urn:microsoft.com/office/officeart/2005/8/layout/hierarchy4"/>
     <dgm:cxn modelId="{B80021ED-271C-4D6F-B2A2-883CB166F968}" srcId="{3F925AD2-D06C-46FB-925A-2B8716007833}" destId="{EC5715FF-4DFF-4497-BE06-CC7D77668626}" srcOrd="2" destOrd="0" parTransId="{162C1946-879B-4700-8737-71547539F9F8}" sibTransId="{B7273230-0F3C-4EBA-ABEA-BE4B7AD53507}"/>
-    <dgm:cxn modelId="{B845593C-5B8E-430B-AC73-721BA9998265}" type="presOf" srcId="{EC5715FF-4DFF-4497-BE06-CC7D77668626}" destId="{4DBFE2A2-901B-4E18-90D7-6E4B8AF5F085}" srcOrd="0" destOrd="0" presId="urn:microsoft.com/office/officeart/2005/8/layout/hierarchy4"/>
     <dgm:cxn modelId="{DF8700F4-FA6C-4993-8414-46CC0AFA86C9}" type="presOf" srcId="{E7A288EB-54D6-4C19-A189-BE5447D324BD}" destId="{2EF93761-50DF-490F-B18A-5200165E7A86}" srcOrd="0" destOrd="0" presId="urn:microsoft.com/office/officeart/2005/8/layout/hierarchy4"/>
-    <dgm:cxn modelId="{8BADE8C8-D3A2-4C24-8F7D-61DF83AAAD8C}" srcId="{3F925AD2-D06C-46FB-925A-2B8716007833}" destId="{DB9880F8-26F1-41D5-90A4-18E741CF6BB3}" srcOrd="3" destOrd="0" parTransId="{D55C0204-2932-4572-B8AF-A261A9F29735}" sibTransId="{EDA4F623-0C53-4541-8D32-B84A1D0B4286}"/>
-    <dgm:cxn modelId="{E701585D-EFB9-4188-BECC-528032208C04}" srcId="{D9BB622F-CC9A-4F5C-94F8-AE0D371151D7}" destId="{3F925AD2-D06C-46FB-925A-2B8716007833}" srcOrd="0" destOrd="0" parTransId="{67FEA1D4-1DB0-4B3E-8912-8164271CC1A3}" sibTransId="{8EE04643-8DCE-4A91-9C23-E338F1328F0F}"/>
     <dgm:cxn modelId="{FBDF08C0-3C9F-4850-98A2-312614EB8C3B}" type="presParOf" srcId="{446AF573-31F5-4ACB-B3C2-548911674503}" destId="{FA1A4678-BC35-41FB-B60A-17E0CF3D90C1}" srcOrd="0" destOrd="0" presId="urn:microsoft.com/office/officeart/2005/8/layout/hierarchy4"/>
     <dgm:cxn modelId="{5C07F845-C1E5-43A4-8902-A187543E6716}" type="presParOf" srcId="{FA1A4678-BC35-41FB-B60A-17E0CF3D90C1}" destId="{5A3AFD58-2539-4031-B60B-B96BEEB831DD}" srcOrd="0" destOrd="0" presId="urn:microsoft.com/office/officeart/2005/8/layout/hierarchy4"/>
     <dgm:cxn modelId="{A990AC62-E76C-46B9-8913-1D381C2801F1}" type="presParOf" srcId="{FA1A4678-BC35-41FB-B60A-17E0CF3D90C1}" destId="{616F738F-8B96-4903-84AC-EDA5418B87ED}" srcOrd="1" destOrd="0" presId="urn:microsoft.com/office/officeart/2005/8/layout/hierarchy4"/>
@@ -4300,7 +4378,15 @@
         <a:p>
           <a:r>
             <a:rPr lang="en-US" dirty="0" smtClean="0"/>
-            <a:t>Surround object with boundary box</a:t>
+            <a:t>Surround object with </a:t>
+          </a:r>
+          <a:r>
+            <a:rPr lang="en-US" dirty="0" smtClean="0"/>
+            <a:t>bounding </a:t>
+          </a:r>
+          <a:r>
+            <a:rPr lang="en-US" dirty="0" smtClean="0"/>
+            <a:t>box</a:t>
           </a:r>
           <a:endParaRPr lang="en-US" dirty="0"/>
         </a:p>
@@ -4448,7 +4534,11 @@
         <a:p>
           <a:r>
             <a:rPr lang="en-US" dirty="0" smtClean="0"/>
-            <a:t>Boundary box size</a:t>
+            <a:t>Bounding </a:t>
+          </a:r>
+          <a:r>
+            <a:rPr lang="en-US" dirty="0" smtClean="0"/>
+            <a:t>box size</a:t>
           </a:r>
           <a:endParaRPr lang="en-US" dirty="0"/>
         </a:p>
@@ -4522,7 +4612,11 @@
         <a:p>
           <a:r>
             <a:rPr lang="en-US" dirty="0" smtClean="0"/>
-            <a:t>Boundary box + Centroid </a:t>
+            <a:t>Bounding </a:t>
+          </a:r>
+          <a:r>
+            <a:rPr lang="en-US" dirty="0" smtClean="0"/>
+            <a:t>box + Centroid </a:t>
           </a:r>
           <a:endParaRPr lang="en-US" dirty="0"/>
         </a:p>
@@ -4598,6 +4692,13 @@
         </dgm:presLayoutVars>
       </dgm:prSet>
       <dgm:spPr/>
+      <dgm:t>
+        <a:bodyPr/>
+        <a:lstStyle/>
+        <a:p>
+          <a:endParaRPr lang="pt-PT"/>
+        </a:p>
+      </dgm:t>
     </dgm:pt>
     <dgm:pt modelId="{C13BE302-36CF-4713-8AD1-278ECD58417C}" type="pres">
       <dgm:prSet presAssocID="{9A630943-E447-4EE1-9465-A6F86DF0FF87}" presName="arc1" presStyleLbl="node1" presStyleIdx="0" presStyleCnt="4"/>
@@ -4656,6 +4757,13 @@
     <dgm:pt modelId="{27AA64AE-C9B3-4734-BFF3-70526F8E5E9D}" type="pres">
       <dgm:prSet presAssocID="{EB16144D-AE2C-4833-8B82-539A9E59CE07}" presName="circ1" presStyleLbl="vennNode1" presStyleIdx="0" presStyleCnt="12"/>
       <dgm:spPr/>
+      <dgm:t>
+        <a:bodyPr/>
+        <a:lstStyle/>
+        <a:p>
+          <a:endParaRPr lang="pt-PT"/>
+        </a:p>
+      </dgm:t>
     </dgm:pt>
     <dgm:pt modelId="{3B4FDB10-9EE3-4810-B65D-74395470B532}" type="pres">
       <dgm:prSet presAssocID="{EB16144D-AE2C-4833-8B82-539A9E59CE07}" presName="circ1Tx" presStyleLbl="revTx" presStyleIdx="1" presStyleCnt="3">
@@ -4665,6 +4773,13 @@
         </dgm:presLayoutVars>
       </dgm:prSet>
       <dgm:spPr/>
+      <dgm:t>
+        <a:bodyPr/>
+        <a:lstStyle/>
+        <a:p>
+          <a:endParaRPr lang="pt-PT"/>
+        </a:p>
+      </dgm:t>
     </dgm:pt>
     <dgm:pt modelId="{14D67D8C-FF9F-4F15-9029-F0D40526E090}" type="pres">
       <dgm:prSet presAssocID="{02AFD568-0603-47E7-9CC1-146E62A9B3B6}" presName="circ2" presStyleLbl="vennNode1" presStyleIdx="1" presStyleCnt="12"/>
@@ -4732,6 +4847,13 @@
         </dgm:presLayoutVars>
       </dgm:prSet>
       <dgm:spPr/>
+      <dgm:t>
+        <a:bodyPr/>
+        <a:lstStyle/>
+        <a:p>
+          <a:endParaRPr lang="pt-PT"/>
+        </a:p>
+      </dgm:t>
     </dgm:pt>
     <dgm:pt modelId="{1F87DBE4-4C11-4C14-AD84-9DD8C29B527D}" type="pres">
       <dgm:prSet presAssocID="{F25ADDF8-1B0C-49C3-9549-15930628DFC7}" presName="ellipse1" presStyleLbl="vennNode1" presStyleIdx="4" presStyleCnt="12"/>
@@ -4749,6 +4871,13 @@
         </dgm:presLayoutVars>
       </dgm:prSet>
       <dgm:spPr/>
+      <dgm:t>
+        <a:bodyPr/>
+        <a:lstStyle/>
+        <a:p>
+          <a:endParaRPr lang="pt-PT"/>
+        </a:p>
+      </dgm:t>
     </dgm:pt>
     <dgm:pt modelId="{9ACA0A56-B40C-4347-9D3A-68796C6997F6}" type="pres">
       <dgm:prSet presAssocID="{86E16261-0F04-4737-B6EE-1956DB1A599C}" presName="ellipse3" presStyleLbl="vennNode1" presStyleIdx="7" presStyleCnt="12"/>
@@ -4762,6 +4891,13 @@
         </dgm:presLayoutVars>
       </dgm:prSet>
       <dgm:spPr/>
+      <dgm:t>
+        <a:bodyPr/>
+        <a:lstStyle/>
+        <a:p>
+          <a:endParaRPr lang="pt-PT"/>
+        </a:p>
+      </dgm:t>
     </dgm:pt>
     <dgm:pt modelId="{6D1E759F-CCE8-414F-A971-9C3D1DB27397}" type="pres">
       <dgm:prSet presAssocID="{C9E6DC6A-04C2-47F9-BE77-9BE5D66E8A02}" presName="childText1_4" presStyleLbl="vennNode1" presStyleIdx="9" presStyleCnt="12">
@@ -4771,6 +4907,13 @@
         </dgm:presLayoutVars>
       </dgm:prSet>
       <dgm:spPr/>
+      <dgm:t>
+        <a:bodyPr/>
+        <a:lstStyle/>
+        <a:p>
+          <a:endParaRPr lang="pt-PT"/>
+        </a:p>
+      </dgm:t>
     </dgm:pt>
     <dgm:pt modelId="{F535B863-175A-4ED8-87F1-B60B9AC9D2A4}" type="pres">
       <dgm:prSet presAssocID="{C9E6DC6A-04C2-47F9-BE77-9BE5D66E8A02}" presName="ellipse4" presStyleLbl="vennNode1" presStyleIdx="10" presStyleCnt="12"/>
@@ -4805,43 +4948,50 @@
         </dgm:presLayoutVars>
       </dgm:prSet>
       <dgm:spPr/>
+      <dgm:t>
+        <a:bodyPr/>
+        <a:lstStyle/>
+        <a:p>
+          <a:endParaRPr lang="pt-PT"/>
+        </a:p>
+      </dgm:t>
     </dgm:pt>
   </dgm:ptLst>
   <dgm:cxnLst>
-    <dgm:cxn modelId="{36304474-0ECC-44D3-A0C3-6CDD3801B6BA}" srcId="{BF199EE9-A761-48AD-9419-E8EDE348FAE2}" destId="{57E3EFF3-DD6B-4065-A413-33A852871777}" srcOrd="0" destOrd="0" parTransId="{C1158863-E185-4F9D-9224-CFCFDBFFBF14}" sibTransId="{B8912349-1096-4084-8AE2-A635CDC27E6C}"/>
+    <dgm:cxn modelId="{E42454EE-682D-4C4F-B143-91115ED62B96}" srcId="{399DB417-B40D-4F90-B275-A838C798508D}" destId="{C9E6DC6A-04C2-47F9-BE77-9BE5D66E8A02}" srcOrd="3" destOrd="0" parTransId="{DD521FF2-6A69-4A61-9374-C341D8919207}" sibTransId="{81444FB1-5C04-4145-B9E4-6D9F2EC6756B}"/>
+    <dgm:cxn modelId="{EC55E6EC-F030-40EE-BF9B-CC883AF033B6}" srcId="{BF199EE9-A761-48AD-9419-E8EDE348FAE2}" destId="{CF046E1E-E455-4CE3-9858-2C87232CA9D0}" srcOrd="2" destOrd="0" parTransId="{9D8B2105-16CD-49F3-B99A-1F06730CF2B3}" sibTransId="{7F97AC8F-8648-45BB-8EC2-DF4565596005}"/>
+    <dgm:cxn modelId="{4AF42EA9-21C8-4F99-BEA8-F05E2F0F5B37}" type="presOf" srcId="{EF7C18B0-6B9D-4159-87F7-F8E597C1F53F}" destId="{4B0382BE-1C81-4988-AD62-79ECE17A9B43}" srcOrd="0" destOrd="0" presId="urn:microsoft.com/office/officeart/2009/3/layout/PhasedProcess"/>
+    <dgm:cxn modelId="{226FF365-F6F3-47A3-A023-6C93DACC8DA8}" type="presOf" srcId="{86E16261-0F04-4737-B6EE-1956DB1A599C}" destId="{91C87F30-47A6-4AFF-A3CC-3D031A58E372}" srcOrd="0" destOrd="0" presId="urn:microsoft.com/office/officeart/2009/3/layout/PhasedProcess"/>
+    <dgm:cxn modelId="{AA0A3958-FEEE-4273-89CB-97C9D933A98D}" type="presOf" srcId="{399DB417-B40D-4F90-B275-A838C798508D}" destId="{968F9FD3-3F3B-485C-8F34-633671DDD733}" srcOrd="0" destOrd="0" presId="urn:microsoft.com/office/officeart/2009/3/layout/PhasedProcess"/>
+    <dgm:cxn modelId="{EF789DBE-E574-4253-901B-774A8247E293}" type="presOf" srcId="{E2433F02-7DDF-4E91-BA46-5511C7AB8D54}" destId="{75FCB88B-79EC-4689-B6D8-8EECE1B9E93C}" srcOrd="0" destOrd="0" presId="urn:microsoft.com/office/officeart/2009/3/layout/PhasedProcess"/>
+    <dgm:cxn modelId="{305C73A7-7737-460C-95F1-04C3014515C4}" type="presOf" srcId="{BF199EE9-A761-48AD-9419-E8EDE348FAE2}" destId="{B4185ECA-3C2D-4268-B871-67C0081ACB7E}" srcOrd="0" destOrd="0" presId="urn:microsoft.com/office/officeart/2009/3/layout/PhasedProcess"/>
+    <dgm:cxn modelId="{53E83373-7AD8-4D9E-82A5-C42F2AD5E9BD}" srcId="{377F1FC9-9B57-4D28-9B1A-9B156AEE9F46}" destId="{BF199EE9-A761-48AD-9419-E8EDE348FAE2}" srcOrd="0" destOrd="0" parTransId="{6D71E92E-F7A5-4D67-8FDF-378D18E92C9F}" sibTransId="{C5A773C7-C717-4D3E-8DBC-934936A88740}"/>
+    <dgm:cxn modelId="{6C11DCD3-389D-454F-83A0-628B150514CC}" type="presOf" srcId="{EB16144D-AE2C-4833-8B82-539A9E59CE07}" destId="{27AA64AE-C9B3-4734-BFF3-70526F8E5E9D}" srcOrd="0" destOrd="0" presId="urn:microsoft.com/office/officeart/2009/3/layout/PhasedProcess"/>
+    <dgm:cxn modelId="{90EABEFE-D490-4E14-B361-082E37F3563D}" type="presOf" srcId="{CC5920CB-C71D-4AA2-BC6D-CFFD2C7CEE46}" destId="{B4185ECA-3C2D-4268-B871-67C0081ACB7E}" srcOrd="0" destOrd="2" presId="urn:microsoft.com/office/officeart/2009/3/layout/PhasedProcess"/>
+    <dgm:cxn modelId="{67D6A476-8BB6-4F3B-8BE4-A968E3628863}" srcId="{C2211C5A-DFE7-453C-981B-7FF3DAB1259A}" destId="{EB16144D-AE2C-4833-8B82-539A9E59CE07}" srcOrd="0" destOrd="0" parTransId="{AAE52505-BD6F-4B45-AF00-01EF5D01C50E}" sibTransId="{CAFBF387-0E49-4F7B-84F4-112F88E22F37}"/>
+    <dgm:cxn modelId="{7C7F1DD5-FD99-41A9-BB80-F218B7375063}" type="presOf" srcId="{CF046E1E-E455-4CE3-9858-2C87232CA9D0}" destId="{B4185ECA-3C2D-4268-B871-67C0081ACB7E}" srcOrd="0" destOrd="3" presId="urn:microsoft.com/office/officeart/2009/3/layout/PhasedProcess"/>
+    <dgm:cxn modelId="{B55AFA52-98FF-4A7B-8472-764670B748B4}" srcId="{9A630943-E447-4EE1-9465-A6F86DF0FF87}" destId="{399DB417-B40D-4F90-B275-A838C798508D}" srcOrd="0" destOrd="0" parTransId="{A5D2D90A-6342-442E-BFCC-C800B5FC8F2D}" sibTransId="{55BB6C30-D59E-4FF8-A235-F6FED2E2A310}"/>
+    <dgm:cxn modelId="{A3379E92-EAC3-419B-A277-476737999E73}" srcId="{399DB417-B40D-4F90-B275-A838C798508D}" destId="{E2433F02-7DDF-4E91-BA46-5511C7AB8D54}" srcOrd="2" destOrd="0" parTransId="{20EB686D-DA7C-4C09-B54E-0AA9A260CE8A}" sibTransId="{344AD4C5-A3E7-4E35-9843-4B339D82DC5E}"/>
+    <dgm:cxn modelId="{3E9F789D-EDCD-4651-B018-6D9DEFBA7802}" srcId="{9A630943-E447-4EE1-9465-A6F86DF0FF87}" destId="{C2211C5A-DFE7-453C-981B-7FF3DAB1259A}" srcOrd="1" destOrd="0" parTransId="{A66FEEA6-2112-4F03-8BC7-34BF21145099}" sibTransId="{6C9228FE-EEF8-4BB8-A613-CAE3B955822A}"/>
+    <dgm:cxn modelId="{7300017F-A856-4334-9DCB-DC510BD435BB}" type="presOf" srcId="{C2211C5A-DFE7-453C-981B-7FF3DAB1259A}" destId="{2C01EC55-4304-450B-8E30-F710C0690228}" srcOrd="0" destOrd="0" presId="urn:microsoft.com/office/officeart/2009/3/layout/PhasedProcess"/>
     <dgm:cxn modelId="{09078369-0C69-402F-B158-5C7732B44108}" type="presOf" srcId="{377F1FC9-9B57-4D28-9B1A-9B156AEE9F46}" destId="{73B75FC2-7ADD-40E1-89CD-79257D2CD296}" srcOrd="0" destOrd="0" presId="urn:microsoft.com/office/officeart/2009/3/layout/PhasedProcess"/>
     <dgm:cxn modelId="{0D152643-63C6-40F9-A2FB-2D19852C64D6}" srcId="{399DB417-B40D-4F90-B275-A838C798508D}" destId="{86E16261-0F04-4737-B6EE-1956DB1A599C}" srcOrd="1" destOrd="0" parTransId="{20868712-E825-40D2-8FBB-98A00425785A}" sibTransId="{EE6ED1A7-3EC4-4D4E-8892-DB34BACD25B9}"/>
+    <dgm:cxn modelId="{E239CF09-A32D-47ED-ACDB-E8B48B3C9EC8}" type="presOf" srcId="{EB16144D-AE2C-4833-8B82-539A9E59CE07}" destId="{3B4FDB10-9EE3-4810-B65D-74395470B532}" srcOrd="1" destOrd="0" presId="urn:microsoft.com/office/officeart/2009/3/layout/PhasedProcess"/>
+    <dgm:cxn modelId="{FA6CBB25-0F8D-4161-998C-FDACFE788A41}" type="presOf" srcId="{C9E6DC6A-04C2-47F9-BE77-9BE5D66E8A02}" destId="{6D1E759F-CCE8-414F-A971-9C3D1DB27397}" srcOrd="0" destOrd="0" presId="urn:microsoft.com/office/officeart/2009/3/layout/PhasedProcess"/>
+    <dgm:cxn modelId="{D28EB1CB-DDDF-441C-835A-816762411FF5}" type="presOf" srcId="{02AFD568-0603-47E7-9CC1-146E62A9B3B6}" destId="{79BF506B-1FB4-4C2C-816C-82A65D3F529A}" srcOrd="1" destOrd="0" presId="urn:microsoft.com/office/officeart/2009/3/layout/PhasedProcess"/>
+    <dgm:cxn modelId="{A0895EE4-FCFB-4902-966A-B8B6A0C43D51}" type="presOf" srcId="{57E3EFF3-DD6B-4065-A413-33A852871777}" destId="{B4185ECA-3C2D-4268-B871-67C0081ACB7E}" srcOrd="0" destOrd="1" presId="urn:microsoft.com/office/officeart/2009/3/layout/PhasedProcess"/>
+    <dgm:cxn modelId="{C9CFBC40-3178-40B6-87E6-AA6CF4F315FC}" srcId="{C2211C5A-DFE7-453C-981B-7FF3DAB1259A}" destId="{02AFD568-0603-47E7-9CC1-146E62A9B3B6}" srcOrd="1" destOrd="0" parTransId="{7296B33A-F1A6-49F7-9CF4-9C4FF241DD2B}" sibTransId="{60E3AA78-B134-4ABA-9964-3DE02FC58B83}"/>
+    <dgm:cxn modelId="{2AE28442-40E1-466A-A376-D26876E50D3D}" srcId="{399DB417-B40D-4F90-B275-A838C798508D}" destId="{F25ADDF8-1B0C-49C3-9549-15930628DFC7}" srcOrd="0" destOrd="0" parTransId="{F0E633F6-5025-4B82-860D-905BBF1C7DF0}" sibTransId="{E00E23A4-4816-429C-85CB-D04ED30D079D}"/>
+    <dgm:cxn modelId="{0F1BDECE-2141-4583-8652-AE151BF3CF36}" type="presOf" srcId="{9A630943-E447-4EE1-9465-A6F86DF0FF87}" destId="{9C95A5F1-052C-434F-AB59-CABEB66F2A8C}" srcOrd="0" destOrd="0" presId="urn:microsoft.com/office/officeart/2009/3/layout/PhasedProcess"/>
     <dgm:cxn modelId="{D36A46B3-2117-472B-98BC-B2651092B063}" type="presOf" srcId="{126F9EDE-5562-4CD5-A2B7-5EC93C4C43EF}" destId="{B4185ECA-3C2D-4268-B871-67C0081ACB7E}" srcOrd="0" destOrd="4" presId="urn:microsoft.com/office/officeart/2009/3/layout/PhasedProcess"/>
-    <dgm:cxn modelId="{AA0A3958-FEEE-4273-89CB-97C9D933A98D}" type="presOf" srcId="{399DB417-B40D-4F90-B275-A838C798508D}" destId="{968F9FD3-3F3B-485C-8F34-633671DDD733}" srcOrd="0" destOrd="0" presId="urn:microsoft.com/office/officeart/2009/3/layout/PhasedProcess"/>
-    <dgm:cxn modelId="{A3379E92-EAC3-419B-A277-476737999E73}" srcId="{399DB417-B40D-4F90-B275-A838C798508D}" destId="{E2433F02-7DDF-4E91-BA46-5511C7AB8D54}" srcOrd="2" destOrd="0" parTransId="{20EB686D-DA7C-4C09-B54E-0AA9A260CE8A}" sibTransId="{344AD4C5-A3E7-4E35-9843-4B339D82DC5E}"/>
-    <dgm:cxn modelId="{4AF42EA9-21C8-4F99-BEA8-F05E2F0F5B37}" type="presOf" srcId="{EF7C18B0-6B9D-4159-87F7-F8E597C1F53F}" destId="{4B0382BE-1C81-4988-AD62-79ECE17A9B43}" srcOrd="0" destOrd="0" presId="urn:microsoft.com/office/officeart/2009/3/layout/PhasedProcess"/>
-    <dgm:cxn modelId="{C9CFBC40-3178-40B6-87E6-AA6CF4F315FC}" srcId="{C2211C5A-DFE7-453C-981B-7FF3DAB1259A}" destId="{02AFD568-0603-47E7-9CC1-146E62A9B3B6}" srcOrd="1" destOrd="0" parTransId="{7296B33A-F1A6-49F7-9CF4-9C4FF241DD2B}" sibTransId="{60E3AA78-B134-4ABA-9964-3DE02FC58B83}"/>
-    <dgm:cxn modelId="{EC55E6EC-F030-40EE-BF9B-CC883AF033B6}" srcId="{BF199EE9-A761-48AD-9419-E8EDE348FAE2}" destId="{CF046E1E-E455-4CE3-9858-2C87232CA9D0}" srcOrd="2" destOrd="0" parTransId="{9D8B2105-16CD-49F3-B99A-1F06730CF2B3}" sibTransId="{7F97AC8F-8648-45BB-8EC2-DF4565596005}"/>
+    <dgm:cxn modelId="{C8CF8BAE-534D-4441-871B-489887E1CDE1}" srcId="{BF199EE9-A761-48AD-9419-E8EDE348FAE2}" destId="{CC5920CB-C71D-4AA2-BC6D-CFFD2C7CEE46}" srcOrd="1" destOrd="0" parTransId="{5578A162-4585-449A-8B4C-2681E9FCDA39}" sibTransId="{C747616D-ADDE-427E-A752-9636E9DFE1AA}"/>
+    <dgm:cxn modelId="{4D68808D-8F61-48FE-9422-86FE896C54A6}" srcId="{9A630943-E447-4EE1-9465-A6F86DF0FF87}" destId="{377F1FC9-9B57-4D28-9B1A-9B156AEE9F46}" srcOrd="2" destOrd="0" parTransId="{444C27C1-B30E-4038-95BA-6C83914A73D9}" sibTransId="{F9855687-937A-484C-9A25-17C0B2AA7237}"/>
+    <dgm:cxn modelId="{59909FC3-4E20-472B-BB2A-6676C41BFF36}" srcId="{BF199EE9-A761-48AD-9419-E8EDE348FAE2}" destId="{126F9EDE-5562-4CD5-A2B7-5EC93C4C43EF}" srcOrd="3" destOrd="0" parTransId="{2CBE6DE2-7A05-4B81-92F2-3A5B090019C9}" sibTransId="{5D2CAC80-61A9-4E0C-81CB-0B08C065329E}"/>
+    <dgm:cxn modelId="{1755C31A-1D73-42AD-AD98-08EE7248F4B1}" type="presOf" srcId="{02AFD568-0603-47E7-9CC1-146E62A9B3B6}" destId="{14D67D8C-FF9F-4F15-9029-F0D40526E090}" srcOrd="0" destOrd="0" presId="urn:microsoft.com/office/officeart/2009/3/layout/PhasedProcess"/>
     <dgm:cxn modelId="{AB9012E1-5939-4C44-8EBF-7CC99BDFA64D}" type="presOf" srcId="{F25ADDF8-1B0C-49C3-9549-15930628DFC7}" destId="{45BFEF11-570E-446E-A8D7-5D07F27D08B7}" srcOrd="0" destOrd="0" presId="urn:microsoft.com/office/officeart/2009/3/layout/PhasedProcess"/>
-    <dgm:cxn modelId="{C8CF8BAE-534D-4441-871B-489887E1CDE1}" srcId="{BF199EE9-A761-48AD-9419-E8EDE348FAE2}" destId="{CC5920CB-C71D-4AA2-BC6D-CFFD2C7CEE46}" srcOrd="1" destOrd="0" parTransId="{5578A162-4585-449A-8B4C-2681E9FCDA39}" sibTransId="{C747616D-ADDE-427E-A752-9636E9DFE1AA}"/>
-    <dgm:cxn modelId="{D28EB1CB-DDDF-441C-835A-816762411FF5}" type="presOf" srcId="{02AFD568-0603-47E7-9CC1-146E62A9B3B6}" destId="{79BF506B-1FB4-4C2C-816C-82A65D3F529A}" srcOrd="1" destOrd="0" presId="urn:microsoft.com/office/officeart/2009/3/layout/PhasedProcess"/>
-    <dgm:cxn modelId="{FA6CBB25-0F8D-4161-998C-FDACFE788A41}" type="presOf" srcId="{C9E6DC6A-04C2-47F9-BE77-9BE5D66E8A02}" destId="{6D1E759F-CCE8-414F-A971-9C3D1DB27397}" srcOrd="0" destOrd="0" presId="urn:microsoft.com/office/officeart/2009/3/layout/PhasedProcess"/>
-    <dgm:cxn modelId="{A0895EE4-FCFB-4902-966A-B8B6A0C43D51}" type="presOf" srcId="{57E3EFF3-DD6B-4065-A413-33A852871777}" destId="{B4185ECA-3C2D-4268-B871-67C0081ACB7E}" srcOrd="0" destOrd="1" presId="urn:microsoft.com/office/officeart/2009/3/layout/PhasedProcess"/>
-    <dgm:cxn modelId="{0F1BDECE-2141-4583-8652-AE151BF3CF36}" type="presOf" srcId="{9A630943-E447-4EE1-9465-A6F86DF0FF87}" destId="{9C95A5F1-052C-434F-AB59-CABEB66F2A8C}" srcOrd="0" destOrd="0" presId="urn:microsoft.com/office/officeart/2009/3/layout/PhasedProcess"/>
-    <dgm:cxn modelId="{E42454EE-682D-4C4F-B143-91115ED62B96}" srcId="{399DB417-B40D-4F90-B275-A838C798508D}" destId="{C9E6DC6A-04C2-47F9-BE77-9BE5D66E8A02}" srcOrd="3" destOrd="0" parTransId="{DD521FF2-6A69-4A61-9374-C341D8919207}" sibTransId="{81444FB1-5C04-4145-B9E4-6D9F2EC6756B}"/>
-    <dgm:cxn modelId="{59909FC3-4E20-472B-BB2A-6676C41BFF36}" srcId="{BF199EE9-A761-48AD-9419-E8EDE348FAE2}" destId="{126F9EDE-5562-4CD5-A2B7-5EC93C4C43EF}" srcOrd="3" destOrd="0" parTransId="{2CBE6DE2-7A05-4B81-92F2-3A5B090019C9}" sibTransId="{5D2CAC80-61A9-4E0C-81CB-0B08C065329E}"/>
-    <dgm:cxn modelId="{3E9F789D-EDCD-4651-B018-6D9DEFBA7802}" srcId="{9A630943-E447-4EE1-9465-A6F86DF0FF87}" destId="{C2211C5A-DFE7-453C-981B-7FF3DAB1259A}" srcOrd="1" destOrd="0" parTransId="{A66FEEA6-2112-4F03-8BC7-34BF21145099}" sibTransId="{6C9228FE-EEF8-4BB8-A613-CAE3B955822A}"/>
-    <dgm:cxn modelId="{53E83373-7AD8-4D9E-82A5-C42F2AD5E9BD}" srcId="{377F1FC9-9B57-4D28-9B1A-9B156AEE9F46}" destId="{BF199EE9-A761-48AD-9419-E8EDE348FAE2}" srcOrd="0" destOrd="0" parTransId="{6D71E92E-F7A5-4D67-8FDF-378D18E92C9F}" sibTransId="{C5A773C7-C717-4D3E-8DBC-934936A88740}"/>
-    <dgm:cxn modelId="{EF789DBE-E574-4253-901B-774A8247E293}" type="presOf" srcId="{E2433F02-7DDF-4E91-BA46-5511C7AB8D54}" destId="{75FCB88B-79EC-4689-B6D8-8EECE1B9E93C}" srcOrd="0" destOrd="0" presId="urn:microsoft.com/office/officeart/2009/3/layout/PhasedProcess"/>
-    <dgm:cxn modelId="{226FF365-F6F3-47A3-A023-6C93DACC8DA8}" type="presOf" srcId="{86E16261-0F04-4737-B6EE-1956DB1A599C}" destId="{91C87F30-47A6-4AFF-A3CC-3D031A58E372}" srcOrd="0" destOrd="0" presId="urn:microsoft.com/office/officeart/2009/3/layout/PhasedProcess"/>
     <dgm:cxn modelId="{F7AFE92C-12AF-4FED-9F83-DBA20702E288}" srcId="{C2211C5A-DFE7-453C-981B-7FF3DAB1259A}" destId="{EF7C18B0-6B9D-4159-87F7-F8E597C1F53F}" srcOrd="2" destOrd="0" parTransId="{6B8B83E0-9130-4E0A-91EC-997C8FDD5F4A}" sibTransId="{B3BA5914-D735-47FE-9BE4-E9D1F4E694B4}"/>
-    <dgm:cxn modelId="{305C73A7-7737-460C-95F1-04C3014515C4}" type="presOf" srcId="{BF199EE9-A761-48AD-9419-E8EDE348FAE2}" destId="{B4185ECA-3C2D-4268-B871-67C0081ACB7E}" srcOrd="0" destOrd="0" presId="urn:microsoft.com/office/officeart/2009/3/layout/PhasedProcess"/>
-    <dgm:cxn modelId="{B55AFA52-98FF-4A7B-8472-764670B748B4}" srcId="{9A630943-E447-4EE1-9465-A6F86DF0FF87}" destId="{399DB417-B40D-4F90-B275-A838C798508D}" srcOrd="0" destOrd="0" parTransId="{A5D2D90A-6342-442E-BFCC-C800B5FC8F2D}" sibTransId="{55BB6C30-D59E-4FF8-A235-F6FED2E2A310}"/>
-    <dgm:cxn modelId="{7300017F-A856-4334-9DCB-DC510BD435BB}" type="presOf" srcId="{C2211C5A-DFE7-453C-981B-7FF3DAB1259A}" destId="{2C01EC55-4304-450B-8E30-F710C0690228}" srcOrd="0" destOrd="0" presId="urn:microsoft.com/office/officeart/2009/3/layout/PhasedProcess"/>
-    <dgm:cxn modelId="{90EABEFE-D490-4E14-B361-082E37F3563D}" type="presOf" srcId="{CC5920CB-C71D-4AA2-BC6D-CFFD2C7CEE46}" destId="{B4185ECA-3C2D-4268-B871-67C0081ACB7E}" srcOrd="0" destOrd="2" presId="urn:microsoft.com/office/officeart/2009/3/layout/PhasedProcess"/>
-    <dgm:cxn modelId="{4D68808D-8F61-48FE-9422-86FE896C54A6}" srcId="{9A630943-E447-4EE1-9465-A6F86DF0FF87}" destId="{377F1FC9-9B57-4D28-9B1A-9B156AEE9F46}" srcOrd="2" destOrd="0" parTransId="{444C27C1-B30E-4038-95BA-6C83914A73D9}" sibTransId="{F9855687-937A-484C-9A25-17C0B2AA7237}"/>
-    <dgm:cxn modelId="{E239CF09-A32D-47ED-ACDB-E8B48B3C9EC8}" type="presOf" srcId="{EB16144D-AE2C-4833-8B82-539A9E59CE07}" destId="{3B4FDB10-9EE3-4810-B65D-74395470B532}" srcOrd="1" destOrd="0" presId="urn:microsoft.com/office/officeart/2009/3/layout/PhasedProcess"/>
     <dgm:cxn modelId="{1F8380B6-2608-40B4-B667-87E6D1D442F4}" type="presOf" srcId="{EF7C18B0-6B9D-4159-87F7-F8E597C1F53F}" destId="{7C2CF0DE-080A-4305-AD45-70D4293C2E36}" srcOrd="1" destOrd="0" presId="urn:microsoft.com/office/officeart/2009/3/layout/PhasedProcess"/>
-    <dgm:cxn modelId="{67D6A476-8BB6-4F3B-8BE4-A968E3628863}" srcId="{C2211C5A-DFE7-453C-981B-7FF3DAB1259A}" destId="{EB16144D-AE2C-4833-8B82-539A9E59CE07}" srcOrd="0" destOrd="0" parTransId="{AAE52505-BD6F-4B45-AF00-01EF5D01C50E}" sibTransId="{CAFBF387-0E49-4F7B-84F4-112F88E22F37}"/>
-    <dgm:cxn modelId="{7C7F1DD5-FD99-41A9-BB80-F218B7375063}" type="presOf" srcId="{CF046E1E-E455-4CE3-9858-2C87232CA9D0}" destId="{B4185ECA-3C2D-4268-B871-67C0081ACB7E}" srcOrd="0" destOrd="3" presId="urn:microsoft.com/office/officeart/2009/3/layout/PhasedProcess"/>
-    <dgm:cxn modelId="{6C11DCD3-389D-454F-83A0-628B150514CC}" type="presOf" srcId="{EB16144D-AE2C-4833-8B82-539A9E59CE07}" destId="{27AA64AE-C9B3-4734-BFF3-70526F8E5E9D}" srcOrd="0" destOrd="0" presId="urn:microsoft.com/office/officeart/2009/3/layout/PhasedProcess"/>
-    <dgm:cxn modelId="{2AE28442-40E1-466A-A376-D26876E50D3D}" srcId="{399DB417-B40D-4F90-B275-A838C798508D}" destId="{F25ADDF8-1B0C-49C3-9549-15930628DFC7}" srcOrd="0" destOrd="0" parTransId="{F0E633F6-5025-4B82-860D-905BBF1C7DF0}" sibTransId="{E00E23A4-4816-429C-85CB-D04ED30D079D}"/>
-    <dgm:cxn modelId="{1755C31A-1D73-42AD-AD98-08EE7248F4B1}" type="presOf" srcId="{02AFD568-0603-47E7-9CC1-146E62A9B3B6}" destId="{14D67D8C-FF9F-4F15-9029-F0D40526E090}" srcOrd="0" destOrd="0" presId="urn:microsoft.com/office/officeart/2009/3/layout/PhasedProcess"/>
+    <dgm:cxn modelId="{36304474-0ECC-44D3-A0C3-6CDD3801B6BA}" srcId="{BF199EE9-A761-48AD-9419-E8EDE348FAE2}" destId="{57E3EFF3-DD6B-4065-A413-33A852871777}" srcOrd="0" destOrd="0" parTransId="{C1158863-E185-4F9D-9224-CFCFDBFFBF14}" sibTransId="{B8912349-1096-4084-8AE2-A635CDC27E6C}"/>
     <dgm:cxn modelId="{22C54429-F329-421F-9BFD-39EC88EB87E3}" type="presParOf" srcId="{9C95A5F1-052C-434F-AB59-CABEB66F2A8C}" destId="{C13BE302-36CF-4713-8AD1-278ECD58417C}" srcOrd="0" destOrd="0" presId="urn:microsoft.com/office/officeart/2009/3/layout/PhasedProcess"/>
     <dgm:cxn modelId="{42D60227-EF77-4930-A125-077D83A35C2D}" type="presParOf" srcId="{9C95A5F1-052C-434F-AB59-CABEB66F2A8C}" destId="{16196BC5-64A0-4A08-BE75-95DAD8136072}" srcOrd="1" destOrd="0" presId="urn:microsoft.com/office/officeart/2009/3/layout/PhasedProcess"/>
     <dgm:cxn modelId="{1056EFA0-F74E-4457-A4A8-16A5998BF454}" type="presParOf" srcId="{9C95A5F1-052C-434F-AB59-CABEB66F2A8C}" destId="{2C01EC55-4304-450B-8E30-F710C0690228}" srcOrd="2" destOrd="0" presId="urn:microsoft.com/office/officeart/2009/3/layout/PhasedProcess"/>
@@ -5163,6 +5313,13 @@
         </dgm:presLayoutVars>
       </dgm:prSet>
       <dgm:spPr/>
+      <dgm:t>
+        <a:bodyPr/>
+        <a:lstStyle/>
+        <a:p>
+          <a:endParaRPr lang="pt-PT"/>
+        </a:p>
+      </dgm:t>
     </dgm:pt>
     <dgm:pt modelId="{2E3DA16C-72AA-4E92-B50D-B4B66A7B664B}" type="pres">
       <dgm:prSet presAssocID="{5526DF3B-22D8-4CC0-A1E0-67E8D0884B4A}" presName="hierRoot1" presStyleCnt="0">
@@ -5183,10 +5340,24 @@
         </dgm:presLayoutVars>
       </dgm:prSet>
       <dgm:spPr/>
+      <dgm:t>
+        <a:bodyPr/>
+        <a:lstStyle/>
+        <a:p>
+          <a:endParaRPr lang="pt-PT"/>
+        </a:p>
+      </dgm:t>
     </dgm:pt>
     <dgm:pt modelId="{06F4AB47-25B8-487B-BA45-E60F233B7D3E}" type="pres">
       <dgm:prSet presAssocID="{5526DF3B-22D8-4CC0-A1E0-67E8D0884B4A}" presName="rootConnector1" presStyleLbl="node1" presStyleIdx="0" presStyleCnt="0"/>
       <dgm:spPr/>
+      <dgm:t>
+        <a:bodyPr/>
+        <a:lstStyle/>
+        <a:p>
+          <a:endParaRPr lang="pt-PT"/>
+        </a:p>
+      </dgm:t>
     </dgm:pt>
     <dgm:pt modelId="{FD30F081-1221-4418-8519-F45133439E3E}" type="pres">
       <dgm:prSet presAssocID="{5526DF3B-22D8-4CC0-A1E0-67E8D0884B4A}" presName="hierChild2" presStyleCnt="0"/>
@@ -5195,6 +5366,13 @@
     <dgm:pt modelId="{CEE2E07C-F10D-4D16-BBCD-E193D302BAE0}" type="pres">
       <dgm:prSet presAssocID="{D244B4B1-CB14-4CDB-BFCA-D1EE4808893D}" presName="Name64" presStyleLbl="parChTrans1D2" presStyleIdx="0" presStyleCnt="2"/>
       <dgm:spPr/>
+      <dgm:t>
+        <a:bodyPr/>
+        <a:lstStyle/>
+        <a:p>
+          <a:endParaRPr lang="pt-PT"/>
+        </a:p>
+      </dgm:t>
     </dgm:pt>
     <dgm:pt modelId="{63CD17D1-3BF4-4503-8363-16980BA5121F}" type="pres">
       <dgm:prSet presAssocID="{DAEBB4CF-B141-4870-B7F1-759D71C960AE}" presName="hierRoot2" presStyleCnt="0">
@@ -5215,10 +5393,24 @@
         </dgm:presLayoutVars>
       </dgm:prSet>
       <dgm:spPr/>
+      <dgm:t>
+        <a:bodyPr/>
+        <a:lstStyle/>
+        <a:p>
+          <a:endParaRPr lang="pt-PT"/>
+        </a:p>
+      </dgm:t>
     </dgm:pt>
     <dgm:pt modelId="{FAA830C5-30A3-4BFD-B7AB-2AAEECA32416}" type="pres">
       <dgm:prSet presAssocID="{DAEBB4CF-B141-4870-B7F1-759D71C960AE}" presName="rootConnector" presStyleLbl="node2" presStyleIdx="0" presStyleCnt="2"/>
       <dgm:spPr/>
+      <dgm:t>
+        <a:bodyPr/>
+        <a:lstStyle/>
+        <a:p>
+          <a:endParaRPr lang="pt-PT"/>
+        </a:p>
+      </dgm:t>
     </dgm:pt>
     <dgm:pt modelId="{76C9C85E-B69C-4D37-9078-EB7D35977661}" type="pres">
       <dgm:prSet presAssocID="{DAEBB4CF-B141-4870-B7F1-759D71C960AE}" presName="hierChild4" presStyleCnt="0"/>
@@ -5227,6 +5419,13 @@
     <dgm:pt modelId="{851348CB-0D8F-47BA-B3F4-0D70748BF958}" type="pres">
       <dgm:prSet presAssocID="{AA5A9FFB-6E2F-4E52-AADA-895532E72811}" presName="Name64" presStyleLbl="parChTrans1D3" presStyleIdx="0" presStyleCnt="4"/>
       <dgm:spPr/>
+      <dgm:t>
+        <a:bodyPr/>
+        <a:lstStyle/>
+        <a:p>
+          <a:endParaRPr lang="pt-PT"/>
+        </a:p>
+      </dgm:t>
     </dgm:pt>
     <dgm:pt modelId="{1E684A2C-F864-481F-95C4-3E6422324D40}" type="pres">
       <dgm:prSet presAssocID="{C9F24A69-0A80-4640-A858-E26E9190609F}" presName="hierRoot2" presStyleCnt="0">
@@ -5247,10 +5446,24 @@
         </dgm:presLayoutVars>
       </dgm:prSet>
       <dgm:spPr/>
+      <dgm:t>
+        <a:bodyPr/>
+        <a:lstStyle/>
+        <a:p>
+          <a:endParaRPr lang="pt-PT"/>
+        </a:p>
+      </dgm:t>
     </dgm:pt>
     <dgm:pt modelId="{7947C696-A68D-404B-84CA-F521E5FD41F1}" type="pres">
       <dgm:prSet presAssocID="{C9F24A69-0A80-4640-A858-E26E9190609F}" presName="rootConnector" presStyleLbl="node3" presStyleIdx="0" presStyleCnt="4"/>
       <dgm:spPr/>
+      <dgm:t>
+        <a:bodyPr/>
+        <a:lstStyle/>
+        <a:p>
+          <a:endParaRPr lang="pt-PT"/>
+        </a:p>
+      </dgm:t>
     </dgm:pt>
     <dgm:pt modelId="{AB56581D-5C13-488F-80E8-B8CBC3C60F73}" type="pres">
       <dgm:prSet presAssocID="{C9F24A69-0A80-4640-A858-E26E9190609F}" presName="hierChild4" presStyleCnt="0"/>
@@ -5263,6 +5476,13 @@
     <dgm:pt modelId="{2E3DE6F0-BFB8-4BFC-BBAB-4236A77EC2B6}" type="pres">
       <dgm:prSet presAssocID="{6FBB3230-EB9C-4826-9032-70132782085B}" presName="Name64" presStyleLbl="parChTrans1D3" presStyleIdx="1" presStyleCnt="4"/>
       <dgm:spPr/>
+      <dgm:t>
+        <a:bodyPr/>
+        <a:lstStyle/>
+        <a:p>
+          <a:endParaRPr lang="pt-PT"/>
+        </a:p>
+      </dgm:t>
     </dgm:pt>
     <dgm:pt modelId="{AD9065EB-FA7C-4F0D-9E85-8D9BFB93932C}" type="pres">
       <dgm:prSet presAssocID="{FECF6E54-B730-4E68-BE11-EFD405D103DF}" presName="hierRoot2" presStyleCnt="0">
@@ -5283,10 +5503,24 @@
         </dgm:presLayoutVars>
       </dgm:prSet>
       <dgm:spPr/>
+      <dgm:t>
+        <a:bodyPr/>
+        <a:lstStyle/>
+        <a:p>
+          <a:endParaRPr lang="pt-PT"/>
+        </a:p>
+      </dgm:t>
     </dgm:pt>
     <dgm:pt modelId="{6C8EFB79-8021-4D85-8391-157B3588AD64}" type="pres">
       <dgm:prSet presAssocID="{FECF6E54-B730-4E68-BE11-EFD405D103DF}" presName="rootConnector" presStyleLbl="node3" presStyleIdx="1" presStyleCnt="4"/>
       <dgm:spPr/>
+      <dgm:t>
+        <a:bodyPr/>
+        <a:lstStyle/>
+        <a:p>
+          <a:endParaRPr lang="pt-PT"/>
+        </a:p>
+      </dgm:t>
     </dgm:pt>
     <dgm:pt modelId="{47286CB9-5E81-4144-A436-B08F89FFC637}" type="pres">
       <dgm:prSet presAssocID="{FECF6E54-B730-4E68-BE11-EFD405D103DF}" presName="hierChild4" presStyleCnt="0"/>
@@ -5303,6 +5537,13 @@
     <dgm:pt modelId="{9A33FB0E-E821-4B87-9B8C-A584C69A1337}" type="pres">
       <dgm:prSet presAssocID="{7B2FC1AA-7067-4771-8F0B-E1278F09BDF5}" presName="Name64" presStyleLbl="parChTrans1D2" presStyleIdx="1" presStyleCnt="2"/>
       <dgm:spPr/>
+      <dgm:t>
+        <a:bodyPr/>
+        <a:lstStyle/>
+        <a:p>
+          <a:endParaRPr lang="pt-PT"/>
+        </a:p>
+      </dgm:t>
     </dgm:pt>
     <dgm:pt modelId="{54C7165D-8617-4FA8-9A4F-3060B634443E}" type="pres">
       <dgm:prSet presAssocID="{951E8D4C-374C-4D3A-B23B-A08DEB27F671}" presName="hierRoot2" presStyleCnt="0">
@@ -5323,10 +5564,24 @@
         </dgm:presLayoutVars>
       </dgm:prSet>
       <dgm:spPr/>
+      <dgm:t>
+        <a:bodyPr/>
+        <a:lstStyle/>
+        <a:p>
+          <a:endParaRPr lang="pt-PT"/>
+        </a:p>
+      </dgm:t>
     </dgm:pt>
     <dgm:pt modelId="{FE6BC48C-DD89-43F3-904E-B6C57F6661B9}" type="pres">
       <dgm:prSet presAssocID="{951E8D4C-374C-4D3A-B23B-A08DEB27F671}" presName="rootConnector" presStyleLbl="node2" presStyleIdx="1" presStyleCnt="2"/>
       <dgm:spPr/>
+      <dgm:t>
+        <a:bodyPr/>
+        <a:lstStyle/>
+        <a:p>
+          <a:endParaRPr lang="pt-PT"/>
+        </a:p>
+      </dgm:t>
     </dgm:pt>
     <dgm:pt modelId="{8D791F9A-2691-41A4-AC30-EAC252EEC02E}" type="pres">
       <dgm:prSet presAssocID="{951E8D4C-374C-4D3A-B23B-A08DEB27F671}" presName="hierChild4" presStyleCnt="0"/>
@@ -5335,6 +5590,13 @@
     <dgm:pt modelId="{A6645998-D470-41F4-968E-9C98A760F423}" type="pres">
       <dgm:prSet presAssocID="{DCAB659A-AF79-4659-BC5A-4D5AFB9A9F04}" presName="Name64" presStyleLbl="parChTrans1D3" presStyleIdx="2" presStyleCnt="4"/>
       <dgm:spPr/>
+      <dgm:t>
+        <a:bodyPr/>
+        <a:lstStyle/>
+        <a:p>
+          <a:endParaRPr lang="pt-PT"/>
+        </a:p>
+      </dgm:t>
     </dgm:pt>
     <dgm:pt modelId="{EB4CF982-2924-4826-B8E9-EA1D2C1B7163}" type="pres">
       <dgm:prSet presAssocID="{D8B259FC-5ED7-400E-92C4-357E068BE955}" presName="hierRoot2" presStyleCnt="0">
@@ -5355,10 +5617,24 @@
         </dgm:presLayoutVars>
       </dgm:prSet>
       <dgm:spPr/>
+      <dgm:t>
+        <a:bodyPr/>
+        <a:lstStyle/>
+        <a:p>
+          <a:endParaRPr lang="pt-PT"/>
+        </a:p>
+      </dgm:t>
     </dgm:pt>
     <dgm:pt modelId="{5E2A09CF-3884-4E2C-984A-257D35ACA59B}" type="pres">
       <dgm:prSet presAssocID="{D8B259FC-5ED7-400E-92C4-357E068BE955}" presName="rootConnector" presStyleLbl="node3" presStyleIdx="2" presStyleCnt="4"/>
       <dgm:spPr/>
+      <dgm:t>
+        <a:bodyPr/>
+        <a:lstStyle/>
+        <a:p>
+          <a:endParaRPr lang="pt-PT"/>
+        </a:p>
+      </dgm:t>
     </dgm:pt>
     <dgm:pt modelId="{534CABE5-07A4-485F-8FA4-172D3DCFDDC7}" type="pres">
       <dgm:prSet presAssocID="{D8B259FC-5ED7-400E-92C4-357E068BE955}" presName="hierChild4" presStyleCnt="0"/>
@@ -5371,6 +5647,13 @@
     <dgm:pt modelId="{EB723C69-88E5-46AD-A4F4-DCEE8193D463}" type="pres">
       <dgm:prSet presAssocID="{508E41AB-62ED-439B-ABC8-9F35ED4FD6A4}" presName="Name64" presStyleLbl="parChTrans1D3" presStyleIdx="3" presStyleCnt="4"/>
       <dgm:spPr/>
+      <dgm:t>
+        <a:bodyPr/>
+        <a:lstStyle/>
+        <a:p>
+          <a:endParaRPr lang="pt-PT"/>
+        </a:p>
+      </dgm:t>
     </dgm:pt>
     <dgm:pt modelId="{EC84BD0D-13CF-44E9-AB72-E3545EF7AFB9}" type="pres">
       <dgm:prSet presAssocID="{E8F6284E-2812-4B52-B43A-34C7889A46B1}" presName="hierRoot2" presStyleCnt="0">
@@ -5391,10 +5674,24 @@
         </dgm:presLayoutVars>
       </dgm:prSet>
       <dgm:spPr/>
+      <dgm:t>
+        <a:bodyPr/>
+        <a:lstStyle/>
+        <a:p>
+          <a:endParaRPr lang="pt-PT"/>
+        </a:p>
+      </dgm:t>
     </dgm:pt>
     <dgm:pt modelId="{1ECBEA0C-4A73-4B8B-96CB-1B2AE498EE2D}" type="pres">
       <dgm:prSet presAssocID="{E8F6284E-2812-4B52-B43A-34C7889A46B1}" presName="rootConnector" presStyleLbl="node3" presStyleIdx="3" presStyleCnt="4"/>
       <dgm:spPr/>
+      <dgm:t>
+        <a:bodyPr/>
+        <a:lstStyle/>
+        <a:p>
+          <a:endParaRPr lang="pt-PT"/>
+        </a:p>
+      </dgm:t>
     </dgm:pt>
     <dgm:pt modelId="{E85C3517-8B96-4133-9CC0-941C89F8FD3F}" type="pres">
       <dgm:prSet presAssocID="{E8F6284E-2812-4B52-B43A-34C7889A46B1}" presName="hierChild4" presStyleCnt="0"/>
@@ -5414,34 +5711,34 @@
     </dgm:pt>
   </dgm:ptLst>
   <dgm:cxnLst>
+    <dgm:cxn modelId="{864B662C-D01F-46B1-874A-4EE247B696AE}" type="presOf" srcId="{C8C4A79F-7937-4353-AED8-98FBBA1BD119}" destId="{17722E15-5CCD-4AE0-83DF-8BFAAAF99845}" srcOrd="0" destOrd="0" presId="urn:microsoft.com/office/officeart/2009/3/layout/HorizontalOrganizationChart"/>
+    <dgm:cxn modelId="{A71FADFF-47BF-4E07-8AC6-EB4708BAC508}" type="presOf" srcId="{951E8D4C-374C-4D3A-B23B-A08DEB27F671}" destId="{B34D5C3C-C2C9-4477-A76B-E13DC2AAB898}" srcOrd="0" destOrd="0" presId="urn:microsoft.com/office/officeart/2009/3/layout/HorizontalOrganizationChart"/>
+    <dgm:cxn modelId="{04BC85C6-3289-47A9-9615-3422FA562A29}" type="presOf" srcId="{E8F6284E-2812-4B52-B43A-34C7889A46B1}" destId="{C2FFC5F3-1D97-4B96-97ED-3F92DB49C3BE}" srcOrd="0" destOrd="0" presId="urn:microsoft.com/office/officeart/2009/3/layout/HorizontalOrganizationChart"/>
+    <dgm:cxn modelId="{DEA5D002-33A9-4252-A245-0CF5CE860D87}" type="presOf" srcId="{FECF6E54-B730-4E68-BE11-EFD405D103DF}" destId="{6C8EFB79-8021-4D85-8391-157B3588AD64}" srcOrd="1" destOrd="0" presId="urn:microsoft.com/office/officeart/2009/3/layout/HorizontalOrganizationChart"/>
+    <dgm:cxn modelId="{B34AAF61-392A-45BE-992E-4C5C645BD269}" type="presOf" srcId="{5526DF3B-22D8-4CC0-A1E0-67E8D0884B4A}" destId="{06F4AB47-25B8-487B-BA45-E60F233B7D3E}" srcOrd="1" destOrd="0" presId="urn:microsoft.com/office/officeart/2009/3/layout/HorizontalOrganizationChart"/>
+    <dgm:cxn modelId="{0E8F4F04-B35D-470D-9077-38DC9B14D36D}" type="presOf" srcId="{C9F24A69-0A80-4640-A858-E26E9190609F}" destId="{7947C696-A68D-404B-84CA-F521E5FD41F1}" srcOrd="1" destOrd="0" presId="urn:microsoft.com/office/officeart/2009/3/layout/HorizontalOrganizationChart"/>
+    <dgm:cxn modelId="{927A7F7E-ACE6-4435-8FDF-648222B59463}" type="presOf" srcId="{FECF6E54-B730-4E68-BE11-EFD405D103DF}" destId="{AB60FF66-02CF-4330-ACFA-B56EDB155041}" srcOrd="0" destOrd="0" presId="urn:microsoft.com/office/officeart/2009/3/layout/HorizontalOrganizationChart"/>
+    <dgm:cxn modelId="{D21C73F2-5C7F-428F-A1AF-80C3D2C10EEB}" srcId="{951E8D4C-374C-4D3A-B23B-A08DEB27F671}" destId="{D8B259FC-5ED7-400E-92C4-357E068BE955}" srcOrd="0" destOrd="0" parTransId="{DCAB659A-AF79-4659-BC5A-4D5AFB9A9F04}" sibTransId="{04950579-3CF3-426A-95FA-D381A9E51382}"/>
+    <dgm:cxn modelId="{CE0674ED-ED00-443B-A53B-1F93C5628063}" type="presOf" srcId="{AA5A9FFB-6E2F-4E52-AADA-895532E72811}" destId="{851348CB-0D8F-47BA-B3F4-0D70748BF958}" srcOrd="0" destOrd="0" presId="urn:microsoft.com/office/officeart/2009/3/layout/HorizontalOrganizationChart"/>
+    <dgm:cxn modelId="{AAAE1689-FE7E-4F79-8BC2-B321CBF57576}" srcId="{5526DF3B-22D8-4CC0-A1E0-67E8D0884B4A}" destId="{951E8D4C-374C-4D3A-B23B-A08DEB27F671}" srcOrd="1" destOrd="0" parTransId="{7B2FC1AA-7067-4771-8F0B-E1278F09BDF5}" sibTransId="{B8193084-B8B8-4BBE-BF23-F15EF0E06C39}"/>
+    <dgm:cxn modelId="{F89DC8AC-8F13-4721-9992-6811BBAD32C0}" srcId="{C8C4A79F-7937-4353-AED8-98FBBA1BD119}" destId="{5526DF3B-22D8-4CC0-A1E0-67E8D0884B4A}" srcOrd="0" destOrd="0" parTransId="{A90FB3B1-4061-4C08-B309-AB1EB56F7421}" sibTransId="{E95FBAE6-205B-4B03-AF30-229805CA0F82}"/>
+    <dgm:cxn modelId="{8A902EAD-A60E-41ED-9B95-1B6072D786E3}" srcId="{DAEBB4CF-B141-4870-B7F1-759D71C960AE}" destId="{C9F24A69-0A80-4640-A858-E26E9190609F}" srcOrd="0" destOrd="0" parTransId="{AA5A9FFB-6E2F-4E52-AADA-895532E72811}" sibTransId="{92C47EDA-190D-49D4-90F6-2A08042F5290}"/>
+    <dgm:cxn modelId="{A4945B27-06D6-4EAA-A09E-81781A833F0B}" srcId="{951E8D4C-374C-4D3A-B23B-A08DEB27F671}" destId="{E8F6284E-2812-4B52-B43A-34C7889A46B1}" srcOrd="1" destOrd="0" parTransId="{508E41AB-62ED-439B-ABC8-9F35ED4FD6A4}" sibTransId="{362214E3-7958-4BA4-B04C-2564B9D6ED30}"/>
+    <dgm:cxn modelId="{F433F517-749F-4B7D-BCE4-518C41605058}" type="presOf" srcId="{DAEBB4CF-B141-4870-B7F1-759D71C960AE}" destId="{FAA830C5-30A3-4BFD-B7AB-2AAEECA32416}" srcOrd="1" destOrd="0" presId="urn:microsoft.com/office/officeart/2009/3/layout/HorizontalOrganizationChart"/>
+    <dgm:cxn modelId="{5090594A-1386-4FEF-BFEA-E29FA0ACEA75}" type="presOf" srcId="{D8B259FC-5ED7-400E-92C4-357E068BE955}" destId="{5E2A09CF-3884-4E2C-984A-257D35ACA59B}" srcOrd="1" destOrd="0" presId="urn:microsoft.com/office/officeart/2009/3/layout/HorizontalOrganizationChart"/>
+    <dgm:cxn modelId="{8CE4B7F6-76ED-4815-85A6-8218BF0F94C7}" type="presOf" srcId="{508E41AB-62ED-439B-ABC8-9F35ED4FD6A4}" destId="{EB723C69-88E5-46AD-A4F4-DCEE8193D463}" srcOrd="0" destOrd="0" presId="urn:microsoft.com/office/officeart/2009/3/layout/HorizontalOrganizationChart"/>
+    <dgm:cxn modelId="{1DB37044-641A-422B-AFFD-4A9619C75F5E}" type="presOf" srcId="{DCAB659A-AF79-4659-BC5A-4D5AFB9A9F04}" destId="{A6645998-D470-41F4-968E-9C98A760F423}" srcOrd="0" destOrd="0" presId="urn:microsoft.com/office/officeart/2009/3/layout/HorizontalOrganizationChart"/>
+    <dgm:cxn modelId="{61AFC874-D4EE-413A-A1AE-A9EA878445AE}" type="presOf" srcId="{6FBB3230-EB9C-4826-9032-70132782085B}" destId="{2E3DE6F0-BFB8-4BFC-BBAB-4236A77EC2B6}" srcOrd="0" destOrd="0" presId="urn:microsoft.com/office/officeart/2009/3/layout/HorizontalOrganizationChart"/>
+    <dgm:cxn modelId="{FC24CB52-879E-4747-B19E-35ECD70EF574}" type="presOf" srcId="{7B2FC1AA-7067-4771-8F0B-E1278F09BDF5}" destId="{9A33FB0E-E821-4B87-9B8C-A584C69A1337}" srcOrd="0" destOrd="0" presId="urn:microsoft.com/office/officeart/2009/3/layout/HorizontalOrganizationChart"/>
+    <dgm:cxn modelId="{80C4A20B-3D5A-4EFF-A2B3-58C80CB632CE}" srcId="{DAEBB4CF-B141-4870-B7F1-759D71C960AE}" destId="{FECF6E54-B730-4E68-BE11-EFD405D103DF}" srcOrd="1" destOrd="0" parTransId="{6FBB3230-EB9C-4826-9032-70132782085B}" sibTransId="{46450B5A-BD87-4248-9D7A-943580F2E3F7}"/>
+    <dgm:cxn modelId="{D6774E13-CCB0-4C15-835E-6E44C63CA729}" type="presOf" srcId="{C9F24A69-0A80-4640-A858-E26E9190609F}" destId="{C1E2E6EF-A5C1-462F-80BA-2CEB50BA4F02}" srcOrd="0" destOrd="0" presId="urn:microsoft.com/office/officeart/2009/3/layout/HorizontalOrganizationChart"/>
     <dgm:cxn modelId="{D978F9FE-C4AD-4AA5-88B0-040718338C71}" srcId="{5526DF3B-22D8-4CC0-A1E0-67E8D0884B4A}" destId="{DAEBB4CF-B141-4870-B7F1-759D71C960AE}" srcOrd="0" destOrd="0" parTransId="{D244B4B1-CB14-4CDB-BFCA-D1EE4808893D}" sibTransId="{12934242-E23B-48FE-82C9-28504F932096}"/>
-    <dgm:cxn modelId="{61AFC874-D4EE-413A-A1AE-A9EA878445AE}" type="presOf" srcId="{6FBB3230-EB9C-4826-9032-70132782085B}" destId="{2E3DE6F0-BFB8-4BFC-BBAB-4236A77EC2B6}" srcOrd="0" destOrd="0" presId="urn:microsoft.com/office/officeart/2009/3/layout/HorizontalOrganizationChart"/>
+    <dgm:cxn modelId="{486533D5-06D8-47F3-8A7E-0702D40064E0}" type="presOf" srcId="{E8F6284E-2812-4B52-B43A-34C7889A46B1}" destId="{1ECBEA0C-4A73-4B8B-96CB-1B2AE498EE2D}" srcOrd="1" destOrd="0" presId="urn:microsoft.com/office/officeart/2009/3/layout/HorizontalOrganizationChart"/>
+    <dgm:cxn modelId="{74BBE3E8-B6B3-43D1-B17D-BC1AD20C83A1}" type="presOf" srcId="{DAEBB4CF-B141-4870-B7F1-759D71C960AE}" destId="{0D04F21D-1D03-473E-9272-9B5047E75836}" srcOrd="0" destOrd="0" presId="urn:microsoft.com/office/officeart/2009/3/layout/HorizontalOrganizationChart"/>
     <dgm:cxn modelId="{4DAF4BBA-8EE1-46F2-ABD6-83E09CAFE1E6}" type="presOf" srcId="{D244B4B1-CB14-4CDB-BFCA-D1EE4808893D}" destId="{CEE2E07C-F10D-4D16-BBCD-E193D302BAE0}" srcOrd="0" destOrd="0" presId="urn:microsoft.com/office/officeart/2009/3/layout/HorizontalOrganizationChart"/>
-    <dgm:cxn modelId="{AAAE1689-FE7E-4F79-8BC2-B321CBF57576}" srcId="{5526DF3B-22D8-4CC0-A1E0-67E8D0884B4A}" destId="{951E8D4C-374C-4D3A-B23B-A08DEB27F671}" srcOrd="1" destOrd="0" parTransId="{7B2FC1AA-7067-4771-8F0B-E1278F09BDF5}" sibTransId="{B8193084-B8B8-4BBE-BF23-F15EF0E06C39}"/>
-    <dgm:cxn modelId="{CE0674ED-ED00-443B-A53B-1F93C5628063}" type="presOf" srcId="{AA5A9FFB-6E2F-4E52-AADA-895532E72811}" destId="{851348CB-0D8F-47BA-B3F4-0D70748BF958}" srcOrd="0" destOrd="0" presId="urn:microsoft.com/office/officeart/2009/3/layout/HorizontalOrganizationChart"/>
-    <dgm:cxn modelId="{04BC85C6-3289-47A9-9615-3422FA562A29}" type="presOf" srcId="{E8F6284E-2812-4B52-B43A-34C7889A46B1}" destId="{C2FFC5F3-1D97-4B96-97ED-3F92DB49C3BE}" srcOrd="0" destOrd="0" presId="urn:microsoft.com/office/officeart/2009/3/layout/HorizontalOrganizationChart"/>
+    <dgm:cxn modelId="{1E92CA24-E686-4338-BA54-75496DDE7314}" type="presOf" srcId="{5526DF3B-22D8-4CC0-A1E0-67E8D0884B4A}" destId="{A9A15B89-A28B-4C89-9B0B-43C5C086BA8D}" srcOrd="0" destOrd="0" presId="urn:microsoft.com/office/officeart/2009/3/layout/HorizontalOrganizationChart"/>
+    <dgm:cxn modelId="{169651ED-58B3-4212-9BD9-B522D1967A97}" type="presOf" srcId="{951E8D4C-374C-4D3A-B23B-A08DEB27F671}" destId="{FE6BC48C-DD89-43F3-904E-B6C57F6661B9}" srcOrd="1" destOrd="0" presId="urn:microsoft.com/office/officeart/2009/3/layout/HorizontalOrganizationChart"/>
     <dgm:cxn modelId="{63466D9C-E774-4B36-B0E4-90AB8138F125}" type="presOf" srcId="{D8B259FC-5ED7-400E-92C4-357E068BE955}" destId="{0933EE56-C707-4E00-BAB9-2538CDBA50BF}" srcOrd="0" destOrd="0" presId="urn:microsoft.com/office/officeart/2009/3/layout/HorizontalOrganizationChart"/>
-    <dgm:cxn modelId="{8A902EAD-A60E-41ED-9B95-1B6072D786E3}" srcId="{DAEBB4CF-B141-4870-B7F1-759D71C960AE}" destId="{C9F24A69-0A80-4640-A858-E26E9190609F}" srcOrd="0" destOrd="0" parTransId="{AA5A9FFB-6E2F-4E52-AADA-895532E72811}" sibTransId="{92C47EDA-190D-49D4-90F6-2A08042F5290}"/>
-    <dgm:cxn modelId="{0E8F4F04-B35D-470D-9077-38DC9B14D36D}" type="presOf" srcId="{C9F24A69-0A80-4640-A858-E26E9190609F}" destId="{7947C696-A68D-404B-84CA-F521E5FD41F1}" srcOrd="1" destOrd="0" presId="urn:microsoft.com/office/officeart/2009/3/layout/HorizontalOrganizationChart"/>
-    <dgm:cxn modelId="{169651ED-58B3-4212-9BD9-B522D1967A97}" type="presOf" srcId="{951E8D4C-374C-4D3A-B23B-A08DEB27F671}" destId="{FE6BC48C-DD89-43F3-904E-B6C57F6661B9}" srcOrd="1" destOrd="0" presId="urn:microsoft.com/office/officeart/2009/3/layout/HorizontalOrganizationChart"/>
-    <dgm:cxn modelId="{5090594A-1386-4FEF-BFEA-E29FA0ACEA75}" type="presOf" srcId="{D8B259FC-5ED7-400E-92C4-357E068BE955}" destId="{5E2A09CF-3884-4E2C-984A-257D35ACA59B}" srcOrd="1" destOrd="0" presId="urn:microsoft.com/office/officeart/2009/3/layout/HorizontalOrganizationChart"/>
-    <dgm:cxn modelId="{F433F517-749F-4B7D-BCE4-518C41605058}" type="presOf" srcId="{DAEBB4CF-B141-4870-B7F1-759D71C960AE}" destId="{FAA830C5-30A3-4BFD-B7AB-2AAEECA32416}" srcOrd="1" destOrd="0" presId="urn:microsoft.com/office/officeart/2009/3/layout/HorizontalOrganizationChart"/>
-    <dgm:cxn modelId="{864B662C-D01F-46B1-874A-4EE247B696AE}" type="presOf" srcId="{C8C4A79F-7937-4353-AED8-98FBBA1BD119}" destId="{17722E15-5CCD-4AE0-83DF-8BFAAAF99845}" srcOrd="0" destOrd="0" presId="urn:microsoft.com/office/officeart/2009/3/layout/HorizontalOrganizationChart"/>
-    <dgm:cxn modelId="{DEA5D002-33A9-4252-A245-0CF5CE860D87}" type="presOf" srcId="{FECF6E54-B730-4E68-BE11-EFD405D103DF}" destId="{6C8EFB79-8021-4D85-8391-157B3588AD64}" srcOrd="1" destOrd="0" presId="urn:microsoft.com/office/officeart/2009/3/layout/HorizontalOrganizationChart"/>
-    <dgm:cxn modelId="{8CE4B7F6-76ED-4815-85A6-8218BF0F94C7}" type="presOf" srcId="{508E41AB-62ED-439B-ABC8-9F35ED4FD6A4}" destId="{EB723C69-88E5-46AD-A4F4-DCEE8193D463}" srcOrd="0" destOrd="0" presId="urn:microsoft.com/office/officeart/2009/3/layout/HorizontalOrganizationChart"/>
-    <dgm:cxn modelId="{D21C73F2-5C7F-428F-A1AF-80C3D2C10EEB}" srcId="{951E8D4C-374C-4D3A-B23B-A08DEB27F671}" destId="{D8B259FC-5ED7-400E-92C4-357E068BE955}" srcOrd="0" destOrd="0" parTransId="{DCAB659A-AF79-4659-BC5A-4D5AFB9A9F04}" sibTransId="{04950579-3CF3-426A-95FA-D381A9E51382}"/>
-    <dgm:cxn modelId="{B34AAF61-392A-45BE-992E-4C5C645BD269}" type="presOf" srcId="{5526DF3B-22D8-4CC0-A1E0-67E8D0884B4A}" destId="{06F4AB47-25B8-487B-BA45-E60F233B7D3E}" srcOrd="1" destOrd="0" presId="urn:microsoft.com/office/officeart/2009/3/layout/HorizontalOrganizationChart"/>
-    <dgm:cxn modelId="{1DB37044-641A-422B-AFFD-4A9619C75F5E}" type="presOf" srcId="{DCAB659A-AF79-4659-BC5A-4D5AFB9A9F04}" destId="{A6645998-D470-41F4-968E-9C98A760F423}" srcOrd="0" destOrd="0" presId="urn:microsoft.com/office/officeart/2009/3/layout/HorizontalOrganizationChart"/>
-    <dgm:cxn modelId="{486533D5-06D8-47F3-8A7E-0702D40064E0}" type="presOf" srcId="{E8F6284E-2812-4B52-B43A-34C7889A46B1}" destId="{1ECBEA0C-4A73-4B8B-96CB-1B2AE498EE2D}" srcOrd="1" destOrd="0" presId="urn:microsoft.com/office/officeart/2009/3/layout/HorizontalOrganizationChart"/>
-    <dgm:cxn modelId="{80C4A20B-3D5A-4EFF-A2B3-58C80CB632CE}" srcId="{DAEBB4CF-B141-4870-B7F1-759D71C960AE}" destId="{FECF6E54-B730-4E68-BE11-EFD405D103DF}" srcOrd="1" destOrd="0" parTransId="{6FBB3230-EB9C-4826-9032-70132782085B}" sibTransId="{46450B5A-BD87-4248-9D7A-943580F2E3F7}"/>
-    <dgm:cxn modelId="{FC24CB52-879E-4747-B19E-35ECD70EF574}" type="presOf" srcId="{7B2FC1AA-7067-4771-8F0B-E1278F09BDF5}" destId="{9A33FB0E-E821-4B87-9B8C-A584C69A1337}" srcOrd="0" destOrd="0" presId="urn:microsoft.com/office/officeart/2009/3/layout/HorizontalOrganizationChart"/>
-    <dgm:cxn modelId="{D6774E13-CCB0-4C15-835E-6E44C63CA729}" type="presOf" srcId="{C9F24A69-0A80-4640-A858-E26E9190609F}" destId="{C1E2E6EF-A5C1-462F-80BA-2CEB50BA4F02}" srcOrd="0" destOrd="0" presId="urn:microsoft.com/office/officeart/2009/3/layout/HorizontalOrganizationChart"/>
-    <dgm:cxn modelId="{927A7F7E-ACE6-4435-8FDF-648222B59463}" type="presOf" srcId="{FECF6E54-B730-4E68-BE11-EFD405D103DF}" destId="{AB60FF66-02CF-4330-ACFA-B56EDB155041}" srcOrd="0" destOrd="0" presId="urn:microsoft.com/office/officeart/2009/3/layout/HorizontalOrganizationChart"/>
-    <dgm:cxn modelId="{F89DC8AC-8F13-4721-9992-6811BBAD32C0}" srcId="{C8C4A79F-7937-4353-AED8-98FBBA1BD119}" destId="{5526DF3B-22D8-4CC0-A1E0-67E8D0884B4A}" srcOrd="0" destOrd="0" parTransId="{A90FB3B1-4061-4C08-B309-AB1EB56F7421}" sibTransId="{E95FBAE6-205B-4B03-AF30-229805CA0F82}"/>
-    <dgm:cxn modelId="{74BBE3E8-B6B3-43D1-B17D-BC1AD20C83A1}" type="presOf" srcId="{DAEBB4CF-B141-4870-B7F1-759D71C960AE}" destId="{0D04F21D-1D03-473E-9272-9B5047E75836}" srcOrd="0" destOrd="0" presId="urn:microsoft.com/office/officeart/2009/3/layout/HorizontalOrganizationChart"/>
-    <dgm:cxn modelId="{A4945B27-06D6-4EAA-A09E-81781A833F0B}" srcId="{951E8D4C-374C-4D3A-B23B-A08DEB27F671}" destId="{E8F6284E-2812-4B52-B43A-34C7889A46B1}" srcOrd="1" destOrd="0" parTransId="{508E41AB-62ED-439B-ABC8-9F35ED4FD6A4}" sibTransId="{362214E3-7958-4BA4-B04C-2564B9D6ED30}"/>
-    <dgm:cxn modelId="{A71FADFF-47BF-4E07-8AC6-EB4708BAC508}" type="presOf" srcId="{951E8D4C-374C-4D3A-B23B-A08DEB27F671}" destId="{B34D5C3C-C2C9-4477-A76B-E13DC2AAB898}" srcOrd="0" destOrd="0" presId="urn:microsoft.com/office/officeart/2009/3/layout/HorizontalOrganizationChart"/>
-    <dgm:cxn modelId="{1E92CA24-E686-4338-BA54-75496DDE7314}" type="presOf" srcId="{5526DF3B-22D8-4CC0-A1E0-67E8D0884B4A}" destId="{A9A15B89-A28B-4C89-9B0B-43C5C086BA8D}" srcOrd="0" destOrd="0" presId="urn:microsoft.com/office/officeart/2009/3/layout/HorizontalOrganizationChart"/>
     <dgm:cxn modelId="{80056B01-B226-4ABE-881B-660B667AD8E7}" type="presParOf" srcId="{17722E15-5CCD-4AE0-83DF-8BFAAAF99845}" destId="{2E3DA16C-72AA-4E92-B50D-B4B66A7B664B}" srcOrd="0" destOrd="0" presId="urn:microsoft.com/office/officeart/2009/3/layout/HorizontalOrganizationChart"/>
     <dgm:cxn modelId="{5B7C8F72-AC4E-4F09-85E9-F03A81BD09DE}" type="presParOf" srcId="{2E3DA16C-72AA-4E92-B50D-B4B66A7B664B}" destId="{76C62D11-C587-4D9B-8FEC-BB1E6B7594F8}" srcOrd="0" destOrd="0" presId="urn:microsoft.com/office/officeart/2009/3/layout/HorizontalOrganizationChart"/>
     <dgm:cxn modelId="{F1A9FAE1-D82A-4A8C-A559-D53353DBF530}" type="presParOf" srcId="{76C62D11-C587-4D9B-8FEC-BB1E6B7594F8}" destId="{A9A15B89-A28B-4C89-9B0B-43C5C086BA8D}" srcOrd="0" destOrd="0" presId="urn:microsoft.com/office/officeart/2009/3/layout/HorizontalOrganizationChart"/>
@@ -7658,7 +7955,15 @@
           </a:pPr>
           <a:r>
             <a:rPr lang="en-US" sz="1200" kern="1200" dirty="0" smtClean="0"/>
-            <a:t>Surround object with boundary box</a:t>
+            <a:t>Surround object with </a:t>
+          </a:r>
+          <a:r>
+            <a:rPr lang="en-US" sz="1200" kern="1200" dirty="0" smtClean="0"/>
+            <a:t>bounding </a:t>
+          </a:r>
+          <a:r>
+            <a:rPr lang="en-US" sz="1200" kern="1200" dirty="0" smtClean="0"/>
+            <a:t>box</a:t>
           </a:r>
           <a:endParaRPr lang="en-US" sz="1200" kern="1200" dirty="0"/>
         </a:p>
@@ -7932,7 +8237,11 @@
           </a:pPr>
           <a:r>
             <a:rPr lang="en-US" sz="1500" kern="1200" dirty="0" smtClean="0"/>
-            <a:t>Boundary box size</a:t>
+            <a:t>Bounding </a:t>
+          </a:r>
+          <a:r>
+            <a:rPr lang="en-US" sz="1500" kern="1200" dirty="0" smtClean="0"/>
+            <a:t>box size</a:t>
           </a:r>
           <a:endParaRPr lang="en-US" sz="1500" kern="1200" dirty="0"/>
         </a:p>
@@ -7970,7 +8279,11 @@
           </a:pPr>
           <a:r>
             <a:rPr lang="en-US" sz="1500" kern="1200" dirty="0" smtClean="0"/>
-            <a:t>Boundary box + Centroid </a:t>
+            <a:t>Bounding </a:t>
+          </a:r>
+          <a:r>
+            <a:rPr lang="en-US" sz="1500" kern="1200" dirty="0" smtClean="0"/>
+            <a:t>box + Centroid </a:t>
           </a:r>
           <a:endParaRPr lang="en-US" sz="1500" kern="1200" dirty="0"/>
         </a:p>
@@ -16585,7 +16898,7 @@
           <a:p>
             <a:fld id="{6069B498-9C9B-4451-9063-5BD8B7308DF5}" type="slidenum">
               <a:rPr lang="en-US" smtClean="0"/>
-              <a:t>‹nº›</a:t>
+              <a:t>‹#›</a:t>
             </a:fld>
             <a:endParaRPr lang="en-US"/>
           </a:p>
@@ -16822,7 +17135,7 @@
           <a:bodyPr/>
           <a:lstStyle/>
           <a:p>
-            <a:endParaRPr lang="en-US"/>
+            <a:endParaRPr lang="en-US" dirty="0"/>
           </a:p>
         </p:txBody>
       </p:sp>
@@ -16906,7 +17219,7 @@
           <a:bodyPr/>
           <a:lstStyle/>
           <a:p>
-            <a:endParaRPr lang="en-US"/>
+            <a:endParaRPr lang="en-US" dirty="0"/>
           </a:p>
         </p:txBody>
       </p:sp>
@@ -16936,7 +17249,7 @@
     </p:spTree>
     <p:extLst>
       <p:ext uri="{BB962C8B-B14F-4D97-AF65-F5344CB8AC3E}">
-        <p14:creationId xmlns:p14="http://schemas.microsoft.com/office/powerpoint/2010/main" val="2209785568"/>
+        <p14:creationId xmlns:p14="http://schemas.microsoft.com/office/powerpoint/2010/main" val="3604441962"/>
       </p:ext>
     </p:extLst>
   </p:cSld>
@@ -17020,7 +17333,7 @@
     </p:spTree>
     <p:extLst>
       <p:ext uri="{BB962C8B-B14F-4D97-AF65-F5344CB8AC3E}">
-        <p14:creationId xmlns:p14="http://schemas.microsoft.com/office/powerpoint/2010/main" val="2622085291"/>
+        <p14:creationId xmlns:p14="http://schemas.microsoft.com/office/powerpoint/2010/main" val="2209785568"/>
       </p:ext>
     </p:extLst>
   </p:cSld>
@@ -17104,7 +17417,7 @@
     </p:spTree>
     <p:extLst>
       <p:ext uri="{BB962C8B-B14F-4D97-AF65-F5344CB8AC3E}">
-        <p14:creationId xmlns:p14="http://schemas.microsoft.com/office/powerpoint/2010/main" val="2527032587"/>
+        <p14:creationId xmlns:p14="http://schemas.microsoft.com/office/powerpoint/2010/main" val="2622085291"/>
       </p:ext>
     </p:extLst>
   </p:cSld>
@@ -17188,6 +17501,244 @@
     </p:spTree>
     <p:extLst>
       <p:ext uri="{BB962C8B-B14F-4D97-AF65-F5344CB8AC3E}">
+        <p14:creationId xmlns:p14="http://schemas.microsoft.com/office/powerpoint/2010/main" val="2527032587"/>
+      </p:ext>
+    </p:extLst>
+  </p:cSld>
+  <p:clrMapOvr>
+    <a:masterClrMapping/>
+  </p:clrMapOvr>
+</p:notes>
+</file>
+
+<file path=ppt/notesSlides/notesSlide7.xml><?xml version="1.0" encoding="utf-8"?>
+<p:notes xmlns:a="http://schemas.openxmlformats.org/drawingml/2006/main" xmlns:r="http://schemas.openxmlformats.org/officeDocument/2006/relationships" xmlns:p="http://schemas.openxmlformats.org/presentationml/2006/main">
+  <p:cSld>
+    <p:spTree>
+      <p:nvGrpSpPr>
+        <p:cNvPr id="1" name=""/>
+        <p:cNvGrpSpPr/>
+        <p:nvPr/>
+      </p:nvGrpSpPr>
+      <p:grpSpPr>
+        <a:xfrm>
+          <a:off x="0" y="0"/>
+          <a:ext cx="0" cy="0"/>
+          <a:chOff x="0" y="0"/>
+          <a:chExt cx="0" cy="0"/>
+        </a:xfrm>
+      </p:grpSpPr>
+      <p:sp>
+        <p:nvSpPr>
+          <p:cNvPr id="2" name="Marcador de Posição da Imagem do Diapositivo 1"/>
+          <p:cNvSpPr>
+            <a:spLocks noGrp="1" noRot="1" noChangeAspect="1"/>
+          </p:cNvSpPr>
+          <p:nvPr>
+            <p:ph type="sldImg"/>
+          </p:nvPr>
+        </p:nvSpPr>
+        <p:spPr/>
+      </p:sp>
+      <p:sp>
+        <p:nvSpPr>
+          <p:cNvPr id="3" name="Marcador de Posição de Notas 2"/>
+          <p:cNvSpPr>
+            <a:spLocks noGrp="1"/>
+          </p:cNvSpPr>
+          <p:nvPr>
+            <p:ph type="body" idx="1"/>
+          </p:nvPr>
+        </p:nvSpPr>
+        <p:spPr/>
+        <p:txBody>
+          <a:bodyPr/>
+          <a:lstStyle/>
+          <a:p>
+            <a:r>
+              <a:rPr lang="en-US" dirty="0" smtClean="0"/>
+              <a:t>Se</a:t>
+            </a:r>
+            <a:r>
+              <a:rPr lang="en-US" baseline="0" dirty="0" smtClean="0"/>
+              <a:t> a luz </a:t>
+            </a:r>
+            <a:r>
+              <a:rPr lang="en-US" baseline="0" dirty="0" err="1" smtClean="0"/>
+              <a:t>não</a:t>
+            </a:r>
+            <a:r>
+              <a:rPr lang="en-US" baseline="0" dirty="0" smtClean="0"/>
+              <a:t> for ideal, </a:t>
+            </a:r>
+            <a:r>
+              <a:rPr lang="en-US" baseline="0" dirty="0" err="1" smtClean="0"/>
+              <a:t>torna</a:t>
+            </a:r>
+            <a:r>
+              <a:rPr lang="en-US" baseline="0" dirty="0" smtClean="0"/>
+              <a:t>-se </a:t>
+            </a:r>
+            <a:r>
+              <a:rPr lang="en-US" baseline="0" dirty="0" err="1" smtClean="0"/>
+              <a:t>dificil</a:t>
+            </a:r>
+            <a:r>
+              <a:rPr lang="en-US" baseline="0" dirty="0" smtClean="0"/>
+              <a:t> </a:t>
+            </a:r>
+            <a:r>
+              <a:rPr lang="en-US" baseline="0" dirty="0" err="1" smtClean="0"/>
+              <a:t>detetar</a:t>
+            </a:r>
+            <a:r>
+              <a:rPr lang="en-US" baseline="0" dirty="0" smtClean="0"/>
+              <a:t> o </a:t>
+            </a:r>
+            <a:r>
+              <a:rPr lang="en-US" baseline="0" dirty="0" err="1" smtClean="0"/>
+              <a:t>objeto</a:t>
+            </a:r>
+            <a:r>
+              <a:rPr lang="en-US" baseline="0" dirty="0" smtClean="0"/>
+              <a:t>.</a:t>
+            </a:r>
+          </a:p>
+          <a:p>
+            <a:r>
+              <a:rPr lang="en-US" baseline="0" dirty="0" smtClean="0"/>
+              <a:t>Se o </a:t>
+            </a:r>
+            <a:r>
+              <a:rPr lang="en-US" baseline="0" dirty="0" err="1" smtClean="0"/>
+              <a:t>objeto</a:t>
+            </a:r>
+            <a:r>
+              <a:rPr lang="en-US" baseline="0" dirty="0" smtClean="0"/>
+              <a:t> se </a:t>
+            </a:r>
+            <a:r>
+              <a:rPr lang="en-US" baseline="0" dirty="0" err="1" smtClean="0"/>
+              <a:t>confundir</a:t>
+            </a:r>
+            <a:r>
+              <a:rPr lang="en-US" baseline="0" dirty="0" smtClean="0"/>
+              <a:t> com o background ...</a:t>
+            </a:r>
+          </a:p>
+          <a:p>
+            <a:r>
+              <a:rPr lang="en-US" baseline="0" dirty="0" err="1" smtClean="0"/>
+              <a:t>Diferentes</a:t>
+            </a:r>
+            <a:r>
+              <a:rPr lang="en-US" baseline="0" dirty="0" smtClean="0"/>
+              <a:t> </a:t>
+            </a:r>
+            <a:r>
+              <a:rPr lang="en-US" baseline="0" dirty="0" err="1" smtClean="0"/>
+              <a:t>algoritmos</a:t>
+            </a:r>
+            <a:r>
+              <a:rPr lang="en-US" baseline="0" dirty="0" smtClean="0"/>
+              <a:t> “</a:t>
+            </a:r>
+            <a:r>
+              <a:rPr lang="en-US" baseline="0" dirty="0" err="1" smtClean="0"/>
+              <a:t>apanham</a:t>
+            </a:r>
+            <a:r>
+              <a:rPr lang="en-US" baseline="0" dirty="0" smtClean="0"/>
+              <a:t>” de </a:t>
+            </a:r>
+            <a:r>
+              <a:rPr lang="en-US" baseline="0" dirty="0" err="1" smtClean="0"/>
+              <a:t>formas</a:t>
+            </a:r>
+            <a:r>
+              <a:rPr lang="en-US" baseline="0" dirty="0" smtClean="0"/>
+              <a:t> </a:t>
+            </a:r>
+            <a:r>
+              <a:rPr lang="en-US" baseline="0" dirty="0" err="1" smtClean="0"/>
+              <a:t>diferentes</a:t>
+            </a:r>
+            <a:r>
+              <a:rPr lang="en-US" baseline="0" dirty="0" smtClean="0"/>
+              <a:t> </a:t>
+            </a:r>
+            <a:r>
+              <a:rPr lang="en-US" baseline="0" dirty="0" err="1" smtClean="0"/>
+              <a:t>em</a:t>
+            </a:r>
+            <a:r>
+              <a:rPr lang="en-US" baseline="0" dirty="0" smtClean="0"/>
+              <a:t> </a:t>
+            </a:r>
+            <a:r>
+              <a:rPr lang="en-US" baseline="0" dirty="0" err="1" smtClean="0"/>
+              <a:t>situações</a:t>
+            </a:r>
+            <a:r>
+              <a:rPr lang="en-US" baseline="0" dirty="0" smtClean="0"/>
+              <a:t> </a:t>
+            </a:r>
+            <a:r>
+              <a:rPr lang="en-US" baseline="0" dirty="0" err="1" smtClean="0"/>
+              <a:t>diferentes</a:t>
+            </a:r>
+            <a:r>
+              <a:rPr lang="en-US" baseline="0" dirty="0" smtClean="0"/>
+              <a:t> </a:t>
+            </a:r>
+            <a:r>
+              <a:rPr lang="en-US" baseline="0" dirty="0" err="1" smtClean="0"/>
+              <a:t>os</a:t>
+            </a:r>
+            <a:r>
+              <a:rPr lang="en-US" baseline="0" dirty="0" smtClean="0"/>
+              <a:t> </a:t>
+            </a:r>
+            <a:r>
+              <a:rPr lang="en-US" baseline="0" dirty="0" err="1" smtClean="0"/>
+              <a:t>objetos</a:t>
+            </a:r>
+            <a:r>
+              <a:rPr lang="en-US" baseline="0" dirty="0" smtClean="0"/>
+              <a:t>.</a:t>
+            </a:r>
+          </a:p>
+          <a:p>
+            <a:endParaRPr lang="en-US" dirty="0"/>
+          </a:p>
+        </p:txBody>
+      </p:sp>
+      <p:sp>
+        <p:nvSpPr>
+          <p:cNvPr id="4" name="Marcador de Posição do Número do Diapositivo 3"/>
+          <p:cNvSpPr>
+            <a:spLocks noGrp="1"/>
+          </p:cNvSpPr>
+          <p:nvPr>
+            <p:ph type="sldNum" sz="quarter" idx="10"/>
+          </p:nvPr>
+        </p:nvSpPr>
+        <p:spPr/>
+        <p:txBody>
+          <a:bodyPr/>
+          <a:lstStyle/>
+          <a:p>
+            <a:fld id="{6069B498-9C9B-4451-9063-5BD8B7308DF5}" type="slidenum">
+              <a:rPr lang="en-US" smtClean="0"/>
+              <a:t>8</a:t>
+            </a:fld>
+            <a:endParaRPr lang="en-US"/>
+          </a:p>
+        </p:txBody>
+      </p:sp>
+    </p:spTree>
+    <p:extLst>
+      <p:ext uri="{BB962C8B-B14F-4D97-AF65-F5344CB8AC3E}">
         <p14:creationId xmlns:p14="http://schemas.microsoft.com/office/powerpoint/2010/main" val="2954959679"/>
       </p:ext>
     </p:extLst>
@@ -17198,7 +17749,7 @@
 </p:notes>
 </file>
 
-<file path=ppt/notesSlides/notesSlide7.xml><?xml version="1.0" encoding="utf-8"?>
+<file path=ppt/notesSlides/notesSlide8.xml><?xml version="1.0" encoding="utf-8"?>
 <p:notes xmlns:a="http://schemas.openxmlformats.org/drawingml/2006/main" xmlns:r="http://schemas.openxmlformats.org/officeDocument/2006/relationships" xmlns:p="http://schemas.openxmlformats.org/presentationml/2006/main">
   <p:cSld>
     <p:spTree>
@@ -17263,7 +17814,7 @@
           <a:p>
             <a:fld id="{6069B498-9C9B-4451-9063-5BD8B7308DF5}" type="slidenum">
               <a:rPr lang="en-US" smtClean="0"/>
-              <a:t>8</a:t>
+              <a:t>9</a:t>
             </a:fld>
             <a:endParaRPr lang="en-US"/>
           </a:p>
@@ -17554,7 +18105,7 @@
           <a:p>
             <a:fld id="{A5DF73BB-203F-40A7-B871-4E883C551EF9}" type="slidenum">
               <a:rPr lang="pt-PT" smtClean="0"/>
-              <a:t>‹nº›</a:t>
+              <a:t>‹#›</a:t>
             </a:fld>
             <a:endParaRPr lang="pt-PT"/>
           </a:p>
@@ -17608,13 +18159,13 @@
   <p:clrMapOvr>
     <a:masterClrMapping/>
   </p:clrMapOvr>
-  <mc:AlternateContent xmlns:mc="http://schemas.openxmlformats.org/markup-compatibility/2006">
-    <mc:Choice xmlns:p14="http://schemas.microsoft.com/office/powerpoint/2010/main" Requires="p14">
+  <mc:AlternateContent xmlns:mc="http://schemas.openxmlformats.org/markup-compatibility/2006" xmlns:p14="http://schemas.microsoft.com/office/powerpoint/2010/main">
+    <mc:Choice Requires="p14">
       <p:transition spd="med" p14:dur="700">
         <p:fade/>
       </p:transition>
     </mc:Choice>
-    <mc:Fallback>
+    <mc:Fallback xmlns="">
       <p:transition spd="med">
         <p:fade/>
       </p:transition>
@@ -17778,7 +18329,7 @@
           <a:p>
             <a:fld id="{A5DF73BB-203F-40A7-B871-4E883C551EF9}" type="slidenum">
               <a:rPr lang="pt-PT" smtClean="0"/>
-              <a:t>‹nº›</a:t>
+              <a:t>‹#›</a:t>
             </a:fld>
             <a:endParaRPr lang="pt-PT"/>
           </a:p>
@@ -17794,13 +18345,13 @@
   <p:clrMapOvr>
     <a:masterClrMapping/>
   </p:clrMapOvr>
-  <mc:AlternateContent xmlns:mc="http://schemas.openxmlformats.org/markup-compatibility/2006">
-    <mc:Choice xmlns:p14="http://schemas.microsoft.com/office/powerpoint/2010/main" Requires="p14">
+  <mc:AlternateContent xmlns:mc="http://schemas.openxmlformats.org/markup-compatibility/2006" xmlns:p14="http://schemas.microsoft.com/office/powerpoint/2010/main">
+    <mc:Choice Requires="p14">
       <p:transition spd="med" p14:dur="700">
         <p:fade/>
       </p:transition>
     </mc:Choice>
-    <mc:Fallback>
+    <mc:Fallback xmlns="">
       <p:transition spd="med">
         <p:fade/>
       </p:transition>
@@ -18050,7 +18601,7 @@
           <a:p>
             <a:fld id="{A5DF73BB-203F-40A7-B871-4E883C551EF9}" type="slidenum">
               <a:rPr lang="pt-PT" smtClean="0"/>
-              <a:t>‹nº›</a:t>
+              <a:t>‹#›</a:t>
             </a:fld>
             <a:endParaRPr lang="pt-PT"/>
           </a:p>
@@ -18066,13 +18617,13 @@
   <p:clrMapOvr>
     <a:masterClrMapping/>
   </p:clrMapOvr>
-  <mc:AlternateContent xmlns:mc="http://schemas.openxmlformats.org/markup-compatibility/2006">
-    <mc:Choice xmlns:p14="http://schemas.microsoft.com/office/powerpoint/2010/main" Requires="p14">
+  <mc:AlternateContent xmlns:mc="http://schemas.openxmlformats.org/markup-compatibility/2006" xmlns:p14="http://schemas.microsoft.com/office/powerpoint/2010/main">
+    <mc:Choice Requires="p14">
       <p:transition spd="med" p14:dur="700">
         <p:fade/>
       </p:transition>
     </mc:Choice>
-    <mc:Fallback>
+    <mc:Fallback xmlns="">
       <p:transition spd="med">
         <p:fade/>
       </p:transition>
@@ -18240,7 +18791,7 @@
           <a:p>
             <a:fld id="{A5DF73BB-203F-40A7-B871-4E883C551EF9}" type="slidenum">
               <a:rPr lang="pt-PT" smtClean="0"/>
-              <a:t>‹nº›</a:t>
+              <a:t>‹#›</a:t>
             </a:fld>
             <a:endParaRPr lang="pt-PT"/>
           </a:p>
@@ -18256,13 +18807,13 @@
   <p:clrMapOvr>
     <a:masterClrMapping/>
   </p:clrMapOvr>
-  <mc:AlternateContent xmlns:mc="http://schemas.openxmlformats.org/markup-compatibility/2006">
-    <mc:Choice xmlns:p14="http://schemas.microsoft.com/office/powerpoint/2010/main" Requires="p14">
+  <mc:AlternateContent xmlns:mc="http://schemas.openxmlformats.org/markup-compatibility/2006" xmlns:p14="http://schemas.microsoft.com/office/powerpoint/2010/main">
+    <mc:Choice Requires="p14">
       <p:transition spd="med" p14:dur="700">
         <p:fade/>
       </p:transition>
     </mc:Choice>
-    <mc:Fallback>
+    <mc:Fallback xmlns="">
       <p:transition spd="med">
         <p:fade/>
       </p:transition>
@@ -18599,7 +19150,7 @@
           <a:p>
             <a:fld id="{A5DF73BB-203F-40A7-B871-4E883C551EF9}" type="slidenum">
               <a:rPr lang="pt-PT" smtClean="0"/>
-              <a:t>‹nº›</a:t>
+              <a:t>‹#›</a:t>
             </a:fld>
             <a:endParaRPr lang="pt-PT"/>
           </a:p>
@@ -18653,13 +19204,13 @@
   <p:clrMapOvr>
     <a:masterClrMapping/>
   </p:clrMapOvr>
-  <mc:AlternateContent xmlns:mc="http://schemas.openxmlformats.org/markup-compatibility/2006">
-    <mc:Choice xmlns:p14="http://schemas.microsoft.com/office/powerpoint/2010/main" Requires="p14">
+  <mc:AlternateContent xmlns:mc="http://schemas.openxmlformats.org/markup-compatibility/2006" xmlns:p14="http://schemas.microsoft.com/office/powerpoint/2010/main">
+    <mc:Choice Requires="p14">
       <p:transition spd="med" p14:dur="700">
         <p:fade/>
       </p:transition>
     </mc:Choice>
-    <mc:Fallback>
+    <mc:Fallback xmlns="">
       <p:transition spd="med">
         <p:fade/>
       </p:transition>
@@ -18890,7 +19441,7 @@
           <a:p>
             <a:fld id="{A5DF73BB-203F-40A7-B871-4E883C551EF9}" type="slidenum">
               <a:rPr lang="pt-PT" smtClean="0"/>
-              <a:t>‹nº›</a:t>
+              <a:t>‹#›</a:t>
             </a:fld>
             <a:endParaRPr lang="pt-PT"/>
           </a:p>
@@ -18906,13 +19457,13 @@
   <p:clrMapOvr>
     <a:masterClrMapping/>
   </p:clrMapOvr>
-  <mc:AlternateContent xmlns:mc="http://schemas.openxmlformats.org/markup-compatibility/2006">
-    <mc:Choice xmlns:p14="http://schemas.microsoft.com/office/powerpoint/2010/main" Requires="p14">
+  <mc:AlternateContent xmlns:mc="http://schemas.openxmlformats.org/markup-compatibility/2006" xmlns:p14="http://schemas.microsoft.com/office/powerpoint/2010/main">
+    <mc:Choice Requires="p14">
       <p:transition spd="med" p14:dur="700">
         <p:fade/>
       </p:transition>
     </mc:Choice>
-    <mc:Fallback>
+    <mc:Fallback xmlns="">
       <p:transition spd="med">
         <p:fade/>
       </p:transition>
@@ -19285,7 +19836,7 @@
           <a:p>
             <a:fld id="{A5DF73BB-203F-40A7-B871-4E883C551EF9}" type="slidenum">
               <a:rPr lang="pt-PT" smtClean="0"/>
-              <a:t>‹nº›</a:t>
+              <a:t>‹#›</a:t>
             </a:fld>
             <a:endParaRPr lang="pt-PT"/>
           </a:p>
@@ -19301,13 +19852,13 @@
   <p:clrMapOvr>
     <a:masterClrMapping/>
   </p:clrMapOvr>
-  <mc:AlternateContent xmlns:mc="http://schemas.openxmlformats.org/markup-compatibility/2006">
-    <mc:Choice xmlns:p14="http://schemas.microsoft.com/office/powerpoint/2010/main" Requires="p14">
+  <mc:AlternateContent xmlns:mc="http://schemas.openxmlformats.org/markup-compatibility/2006" xmlns:p14="http://schemas.microsoft.com/office/powerpoint/2010/main">
+    <mc:Choice Requires="p14">
       <p:transition spd="med" p14:dur="700">
         <p:fade/>
       </p:transition>
     </mc:Choice>
-    <mc:Fallback>
+    <mc:Fallback xmlns="">
       <p:transition spd="med">
         <p:fade/>
       </p:transition>
@@ -19419,7 +19970,7 @@
           <a:p>
             <a:fld id="{A5DF73BB-203F-40A7-B871-4E883C551EF9}" type="slidenum">
               <a:rPr lang="pt-PT" smtClean="0"/>
-              <a:t>‹nº›</a:t>
+              <a:t>‹#›</a:t>
             </a:fld>
             <a:endParaRPr lang="pt-PT"/>
           </a:p>
@@ -19435,13 +19986,13 @@
   <p:clrMapOvr>
     <a:masterClrMapping/>
   </p:clrMapOvr>
-  <mc:AlternateContent xmlns:mc="http://schemas.openxmlformats.org/markup-compatibility/2006">
-    <mc:Choice xmlns:p14="http://schemas.microsoft.com/office/powerpoint/2010/main" Requires="p14">
+  <mc:AlternateContent xmlns:mc="http://schemas.openxmlformats.org/markup-compatibility/2006" xmlns:p14="http://schemas.microsoft.com/office/powerpoint/2010/main">
+    <mc:Choice Requires="p14">
       <p:transition spd="med" p14:dur="700">
         <p:fade/>
       </p:transition>
     </mc:Choice>
-    <mc:Fallback>
+    <mc:Fallback xmlns="">
       <p:transition spd="med">
         <p:fade/>
       </p:transition>
@@ -19614,7 +20165,7 @@
           <a:p>
             <a:fld id="{A5DF73BB-203F-40A7-B871-4E883C551EF9}" type="slidenum">
               <a:rPr lang="pt-PT" smtClean="0"/>
-              <a:t>‹nº›</a:t>
+              <a:t>‹#›</a:t>
             </a:fld>
             <a:endParaRPr lang="pt-PT"/>
           </a:p>
@@ -19630,13 +20181,13 @@
   <p:clrMapOvr>
     <a:masterClrMapping/>
   </p:clrMapOvr>
-  <mc:AlternateContent xmlns:mc="http://schemas.openxmlformats.org/markup-compatibility/2006">
-    <mc:Choice xmlns:p14="http://schemas.microsoft.com/office/powerpoint/2010/main" Requires="p14">
+  <mc:AlternateContent xmlns:mc="http://schemas.openxmlformats.org/markup-compatibility/2006" xmlns:p14="http://schemas.microsoft.com/office/powerpoint/2010/main">
+    <mc:Choice Requires="p14">
       <p:transition spd="med" p14:dur="700">
         <p:fade/>
       </p:transition>
     </mc:Choice>
-    <mc:Fallback>
+    <mc:Fallback xmlns="">
       <p:transition spd="med">
         <p:fade/>
       </p:transition>
@@ -19997,7 +20548,7 @@
           <a:p>
             <a:fld id="{A5DF73BB-203F-40A7-B871-4E883C551EF9}" type="slidenum">
               <a:rPr lang="pt-PT" smtClean="0"/>
-              <a:t>‹nº›</a:t>
+              <a:t>‹#›</a:t>
             </a:fld>
             <a:endParaRPr lang="pt-PT"/>
           </a:p>
@@ -20013,13 +20564,13 @@
   <p:clrMapOvr>
     <a:masterClrMapping/>
   </p:clrMapOvr>
-  <mc:AlternateContent xmlns:mc="http://schemas.openxmlformats.org/markup-compatibility/2006">
-    <mc:Choice xmlns:p14="http://schemas.microsoft.com/office/powerpoint/2010/main" Requires="p14">
+  <mc:AlternateContent xmlns:mc="http://schemas.openxmlformats.org/markup-compatibility/2006" xmlns:p14="http://schemas.microsoft.com/office/powerpoint/2010/main">
+    <mc:Choice Requires="p14">
       <p:transition spd="med" p14:dur="700">
         <p:fade/>
       </p:transition>
     </mc:Choice>
-    <mc:Fallback>
+    <mc:Fallback xmlns="">
       <p:transition spd="med">
         <p:fade/>
       </p:transition>
@@ -20374,7 +20925,7 @@
           <a:p>
             <a:fld id="{A5DF73BB-203F-40A7-B871-4E883C551EF9}" type="slidenum">
               <a:rPr lang="pt-PT" smtClean="0"/>
-              <a:t>‹nº›</a:t>
+              <a:t>‹#›</a:t>
             </a:fld>
             <a:endParaRPr lang="pt-PT"/>
           </a:p>
@@ -20390,13 +20941,13 @@
   <p:clrMapOvr>
     <a:masterClrMapping/>
   </p:clrMapOvr>
-  <mc:AlternateContent xmlns:mc="http://schemas.openxmlformats.org/markup-compatibility/2006">
-    <mc:Choice xmlns:p14="http://schemas.microsoft.com/office/powerpoint/2010/main" Requires="p14">
+  <mc:AlternateContent xmlns:mc="http://schemas.openxmlformats.org/markup-compatibility/2006" xmlns:p14="http://schemas.microsoft.com/office/powerpoint/2010/main">
+    <mc:Choice Requires="p14">
       <p:transition spd="med" p14:dur="700">
         <p:fade/>
       </p:transition>
     </mc:Choice>
-    <mc:Fallback>
+    <mc:Fallback xmlns="">
       <p:transition spd="med">
         <p:fade/>
       </p:transition>
@@ -20709,7 +21260,7 @@
           <a:p>
             <a:fld id="{A5DF73BB-203F-40A7-B871-4E883C551EF9}" type="slidenum">
               <a:rPr lang="pt-PT" smtClean="0"/>
-              <a:t>‹nº›</a:t>
+              <a:t>‹#›</a:t>
             </a:fld>
             <a:endParaRPr lang="pt-PT"/>
           </a:p>
@@ -20774,13 +21325,13 @@
     <p:sldLayoutId id="2147483670" r:id="rId10"/>
     <p:sldLayoutId id="2147483671" r:id="rId11"/>
   </p:sldLayoutIdLst>
-  <mc:AlternateContent xmlns:mc="http://schemas.openxmlformats.org/markup-compatibility/2006">
-    <mc:Choice xmlns:p14="http://schemas.microsoft.com/office/powerpoint/2010/main" Requires="p14">
+  <mc:AlternateContent xmlns:mc="http://schemas.openxmlformats.org/markup-compatibility/2006" xmlns:p14="http://schemas.microsoft.com/office/powerpoint/2010/main">
+    <mc:Choice Requires="p14">
       <p:transition spd="med" p14:dur="700">
         <p:fade/>
       </p:transition>
     </mc:Choice>
-    <mc:Fallback>
+    <mc:Fallback xmlns="">
       <p:transition spd="med">
         <p:fade/>
       </p:transition>
@@ -21337,6 +21888,150 @@
 </p:sld>
 </file>
 
+<file path=ppt/slides/slide10.xml><?xml version="1.0" encoding="utf-8"?>
+<p:sld xmlns:a="http://schemas.openxmlformats.org/drawingml/2006/main" xmlns:r="http://schemas.openxmlformats.org/officeDocument/2006/relationships" xmlns:p="http://schemas.openxmlformats.org/presentationml/2006/main">
+  <p:cSld>
+    <p:spTree>
+      <p:nvGrpSpPr>
+        <p:cNvPr id="1" name=""/>
+        <p:cNvGrpSpPr/>
+        <p:nvPr/>
+      </p:nvGrpSpPr>
+      <p:grpSpPr>
+        <a:xfrm>
+          <a:off x="0" y="0"/>
+          <a:ext cx="0" cy="0"/>
+          <a:chOff x="0" y="0"/>
+          <a:chExt cx="0" cy="0"/>
+        </a:xfrm>
+      </p:grpSpPr>
+      <p:sp>
+        <p:nvSpPr>
+          <p:cNvPr id="7" name="Título 6"/>
+          <p:cNvSpPr>
+            <a:spLocks noGrp="1"/>
+          </p:cNvSpPr>
+          <p:nvPr>
+            <p:ph type="ctrTitle"/>
+          </p:nvPr>
+        </p:nvSpPr>
+        <p:spPr/>
+        <p:txBody>
+          <a:bodyPr>
+            <a:normAutofit/>
+          </a:bodyPr>
+          <a:lstStyle/>
+          <a:p>
+            <a:pPr algn="ctr"/>
+            <a:r>
+              <a:rPr lang="en-US" sz="16600" dirty="0" smtClean="0"/>
+              <a:t>Demo</a:t>
+            </a:r>
+            <a:endParaRPr lang="en-US" sz="16600" dirty="0"/>
+          </a:p>
+        </p:txBody>
+      </p:sp>
+      <p:sp>
+        <p:nvSpPr>
+          <p:cNvPr id="4" name="Marcador de Posição da Data 3"/>
+          <p:cNvSpPr>
+            <a:spLocks noGrp="1"/>
+          </p:cNvSpPr>
+          <p:nvPr>
+            <p:ph type="dt" sz="half" idx="10"/>
+          </p:nvPr>
+        </p:nvSpPr>
+        <p:spPr/>
+        <p:txBody>
+          <a:bodyPr/>
+          <a:lstStyle/>
+          <a:p>
+            <a:fld id="{73A7ED1E-F1C2-42BC-AF38-97A0B5F03BDA}" type="datetime1">
+              <a:rPr lang="pt-PT" smtClean="0"/>
+              <a:t>27/01/2016</a:t>
+            </a:fld>
+            <a:endParaRPr lang="pt-PT"/>
+          </a:p>
+        </p:txBody>
+      </p:sp>
+      <p:sp>
+        <p:nvSpPr>
+          <p:cNvPr id="5" name="Marcador de Posição do Rodapé 4"/>
+          <p:cNvSpPr>
+            <a:spLocks noGrp="1"/>
+          </p:cNvSpPr>
+          <p:nvPr>
+            <p:ph type="ftr" sz="quarter" idx="11"/>
+          </p:nvPr>
+        </p:nvSpPr>
+        <p:spPr/>
+        <p:txBody>
+          <a:bodyPr/>
+          <a:lstStyle/>
+          <a:p>
+            <a:r>
+              <a:rPr lang="en-US" smtClean="0"/>
+              <a:t>Master in Informatics Engineering - Computer Graphics</a:t>
+            </a:r>
+            <a:endParaRPr lang="pt-PT"/>
+          </a:p>
+        </p:txBody>
+      </p:sp>
+      <p:sp>
+        <p:nvSpPr>
+          <p:cNvPr id="6" name="Marcador de Posição do Número do Diapositivo 5"/>
+          <p:cNvSpPr>
+            <a:spLocks noGrp="1"/>
+          </p:cNvSpPr>
+          <p:nvPr>
+            <p:ph type="sldNum" sz="quarter" idx="12"/>
+          </p:nvPr>
+        </p:nvSpPr>
+        <p:spPr/>
+        <p:txBody>
+          <a:bodyPr/>
+          <a:lstStyle/>
+          <a:p>
+            <a:fld id="{A5DF73BB-203F-40A7-B871-4E883C551EF9}" type="slidenum">
+              <a:rPr lang="pt-PT" smtClean="0"/>
+              <a:t>10</a:t>
+            </a:fld>
+            <a:endParaRPr lang="pt-PT"/>
+          </a:p>
+        </p:txBody>
+      </p:sp>
+    </p:spTree>
+    <p:extLst>
+      <p:ext uri="{BB962C8B-B14F-4D97-AF65-F5344CB8AC3E}">
+        <p14:creationId xmlns:p14="http://schemas.microsoft.com/office/powerpoint/2010/main" val="971849671"/>
+      </p:ext>
+    </p:extLst>
+  </p:cSld>
+  <p:clrMapOvr>
+    <a:masterClrMapping/>
+  </p:clrMapOvr>
+  <mc:AlternateContent xmlns:mc="http://schemas.openxmlformats.org/markup-compatibility/2006" xmlns:p14="http://schemas.microsoft.com/office/powerpoint/2010/main">
+    <mc:Choice Requires="p14">
+      <p:transition spd="med" p14:dur="700">
+        <p:fade/>
+      </p:transition>
+    </mc:Choice>
+    <mc:Fallback xmlns="">
+      <p:transition spd="med">
+        <p:fade/>
+      </p:transition>
+    </mc:Fallback>
+  </mc:AlternateContent>
+  <p:timing>
+    <p:tnLst>
+      <p:par>
+        <p:cTn id="1" dur="indefinite" restart="never" nodeType="tmRoot"/>
+      </p:par>
+    </p:tnLst>
+  </p:timing>
+</p:sld>
+</file>
+
 <file path=ppt/slides/slide2.xml><?xml version="1.0" encoding="utf-8"?>
 <p:sld xmlns:a="http://schemas.openxmlformats.org/drawingml/2006/main" xmlns:r="http://schemas.openxmlformats.org/officeDocument/2006/relationships" xmlns:p="http://schemas.openxmlformats.org/presentationml/2006/main">
   <p:cSld>
@@ -21450,7 +22145,7 @@
               <a:rPr lang="pt-PT" smtClean="0"/>
               <a:t>27/01/2016</a:t>
             </a:fld>
-            <a:endParaRPr lang="pt-PT"/>
+            <a:endParaRPr lang="pt-PT" dirty="0"/>
           </a:p>
         </p:txBody>
       </p:sp>
@@ -21510,13 +22205,13 @@
   <p:clrMapOvr>
     <a:masterClrMapping/>
   </p:clrMapOvr>
-  <mc:AlternateContent xmlns:mc="http://schemas.openxmlformats.org/markup-compatibility/2006">
-    <mc:Choice xmlns:p14="http://schemas.microsoft.com/office/powerpoint/2010/main" Requires="p14">
+  <mc:AlternateContent xmlns:mc="http://schemas.openxmlformats.org/markup-compatibility/2006" xmlns:p14="http://schemas.microsoft.com/office/powerpoint/2010/main">
+    <mc:Choice Requires="p14">
       <p:transition spd="med" p14:dur="700">
         <p:fade/>
       </p:transition>
     </mc:Choice>
-    <mc:Fallback>
+    <mc:Fallback xmlns="">
       <p:transition spd="med">
         <p:fade/>
       </p:transition>
@@ -21590,7 +22285,7 @@
         </p:spPr>
         <p:txBody>
           <a:bodyPr>
-            <a:normAutofit lnSpcReduction="10000"/>
+            <a:normAutofit/>
           </a:bodyPr>
           <a:lstStyle/>
           <a:p>
@@ -21603,20 +22298,11 @@
             </a:pPr>
             <a:r>
               <a:rPr lang="en-US" sz="2400" dirty="0" smtClean="0"/>
-              <a:t> The collision detection is a computational problem which identifies when a object hits another</a:t>
+              <a:t> The collision detection is a computational problem which identifies when a object hits </a:t>
             </a:r>
-          </a:p>
-          <a:p>
-            <a:pPr>
-              <a:lnSpc>
-                <a:spcPct val="150000"/>
-              </a:lnSpc>
-              <a:buFont typeface="Wingdings" panose="05000000000000000000" pitchFamily="2" charset="2"/>
-              <a:buChar char="§"/>
-            </a:pPr>
             <a:r>
               <a:rPr lang="en-US" sz="2400" dirty="0" smtClean="0"/>
-              <a:t>In our case, a collision means that a object is very close to the camera</a:t>
+              <a:t>another.</a:t>
             </a:r>
           </a:p>
           <a:p>
@@ -21629,15 +22315,16 @@
             </a:pPr>
             <a:r>
               <a:rPr lang="en-US" sz="2400" dirty="0"/>
-              <a:t> </a:t>
+              <a:t> Our work was done using videos where the objects move forward, backward and </a:t>
             </a:r>
             <a:r>
               <a:rPr lang="en-US" sz="2400" dirty="0" smtClean="0"/>
-              <a:t>From what we will see, in some situations is hard to figure if there was, or not, a collision</a:t>
+              <a:t>sideways, or a combination of these.</a:t>
             </a:r>
+            <a:endParaRPr lang="en-US" sz="2400" dirty="0" smtClean="0"/>
           </a:p>
           <a:p>
-            <a:pPr>
+            <a:pPr lvl="1">
               <a:lnSpc>
                 <a:spcPct val="150000"/>
               </a:lnSpc>
@@ -21645,14 +22332,26 @@
               <a:buChar char="§"/>
             </a:pPr>
             <a:r>
-              <a:rPr lang="en-US" sz="2400" dirty="0" smtClean="0"/>
-              <a:t> Our </a:t>
+              <a:rPr lang="en-US" sz="2200" dirty="0" smtClean="0"/>
+              <a:t>So in our </a:t>
             </a:r>
             <a:r>
-              <a:rPr lang="en-US" sz="2400" dirty="0"/>
-              <a:t>work was done using videos where the objects move forward, backward and to the side</a:t>
+              <a:rPr lang="en-US" sz="2200" dirty="0" smtClean="0"/>
+              <a:t>case, a </a:t>
             </a:r>
-            <a:endParaRPr lang="en-US" sz="2200" dirty="0"/>
+            <a:r>
+              <a:rPr lang="en-US" sz="2200" dirty="0" smtClean="0"/>
+              <a:t>collision </a:t>
+            </a:r>
+            <a:r>
+              <a:rPr lang="en-US" sz="2200" dirty="0" smtClean="0"/>
+              <a:t>means that a object is very close to the </a:t>
+            </a:r>
+            <a:r>
+              <a:rPr lang="en-US" sz="2200" dirty="0" smtClean="0"/>
+              <a:t>camera;</a:t>
+            </a:r>
+            <a:endParaRPr lang="en-US" sz="2200" dirty="0" smtClean="0"/>
           </a:p>
           <a:p>
             <a:pPr>
@@ -21724,7 +22423,7 @@
               <a:rPr lang="pt-PT" smtClean="0"/>
               <a:t>27/01/2016</a:t>
             </a:fld>
-            <a:endParaRPr lang="pt-PT"/>
+            <a:endParaRPr lang="pt-PT" dirty="0"/>
           </a:p>
         </p:txBody>
       </p:sp>
@@ -21784,13 +22483,13 @@
   <p:clrMapOvr>
     <a:masterClrMapping/>
   </p:clrMapOvr>
-  <mc:AlternateContent xmlns:mc="http://schemas.openxmlformats.org/markup-compatibility/2006">
-    <mc:Choice xmlns:p14="http://schemas.microsoft.com/office/powerpoint/2010/main" Requires="p14">
+  <mc:AlternateContent xmlns:mc="http://schemas.openxmlformats.org/markup-compatibility/2006" xmlns:p14="http://schemas.microsoft.com/office/powerpoint/2010/main">
+    <mc:Choice Requires="p14">
       <p:transition spd="med" p14:dur="700">
         <p:fade/>
       </p:transition>
     </mc:Choice>
-    <mc:Fallback>
+    <mc:Fallback xmlns="">
       <p:transition spd="med">
         <p:fade/>
       </p:transition>
@@ -21807,6 +22506,254 @@
 </file>
 
 <file path=ppt/slides/slide4.xml><?xml version="1.0" encoding="utf-8"?>
+<p:sld xmlns:a="http://schemas.openxmlformats.org/drawingml/2006/main" xmlns:r="http://schemas.openxmlformats.org/officeDocument/2006/relationships" xmlns:p="http://schemas.openxmlformats.org/presentationml/2006/main">
+  <p:cSld>
+    <p:spTree>
+      <p:nvGrpSpPr>
+        <p:cNvPr id="1" name=""/>
+        <p:cNvGrpSpPr/>
+        <p:nvPr/>
+      </p:nvGrpSpPr>
+      <p:grpSpPr>
+        <a:xfrm>
+          <a:off x="0" y="0"/>
+          <a:ext cx="0" cy="0"/>
+          <a:chOff x="0" y="0"/>
+          <a:chExt cx="0" cy="0"/>
+        </a:xfrm>
+      </p:grpSpPr>
+      <p:sp>
+        <p:nvSpPr>
+          <p:cNvPr id="2" name="Título 1"/>
+          <p:cNvSpPr>
+            <a:spLocks noGrp="1"/>
+          </p:cNvSpPr>
+          <p:nvPr>
+            <p:ph type="title"/>
+          </p:nvPr>
+        </p:nvSpPr>
+        <p:spPr/>
+        <p:txBody>
+          <a:bodyPr/>
+          <a:lstStyle/>
+          <a:p>
+            <a:r>
+              <a:rPr lang="en-US" dirty="0" smtClean="0"/>
+              <a:t>Introduction</a:t>
+            </a:r>
+            <a:endParaRPr lang="en-US" dirty="0"/>
+          </a:p>
+        </p:txBody>
+      </p:sp>
+      <p:sp>
+        <p:nvSpPr>
+          <p:cNvPr id="3" name="Marcador de Posição de Conteúdo 2"/>
+          <p:cNvSpPr>
+            <a:spLocks noGrp="1"/>
+          </p:cNvSpPr>
+          <p:nvPr>
+            <p:ph idx="1"/>
+          </p:nvPr>
+        </p:nvSpPr>
+        <p:spPr>
+          <a:xfrm>
+            <a:off x="1097280" y="1845734"/>
+            <a:ext cx="10058400" cy="4420155"/>
+          </a:xfrm>
+        </p:spPr>
+        <p:txBody>
+          <a:bodyPr>
+            <a:normAutofit/>
+          </a:bodyPr>
+          <a:lstStyle/>
+          <a:p>
+            <a:pPr>
+              <a:lnSpc>
+                <a:spcPct val="150000"/>
+              </a:lnSpc>
+              <a:buFont typeface="Wingdings" panose="05000000000000000000" pitchFamily="2" charset="2"/>
+              <a:buChar char="§"/>
+            </a:pPr>
+            <a:r>
+              <a:rPr lang="en-US" sz="2400" dirty="0" smtClean="0"/>
+              <a:t> It is also important to study the videos’ elements that influence the most its performance.</a:t>
+            </a:r>
+          </a:p>
+          <a:p>
+            <a:pPr>
+              <a:lnSpc>
+                <a:spcPct val="150000"/>
+              </a:lnSpc>
+              <a:buFont typeface="Wingdings" panose="05000000000000000000" pitchFamily="2" charset="2"/>
+              <a:buChar char="§"/>
+            </a:pPr>
+            <a:r>
+              <a:rPr lang="en-US" sz="2400" dirty="0" smtClean="0"/>
+              <a:t> From </a:t>
+            </a:r>
+            <a:r>
+              <a:rPr lang="en-US" sz="2400" dirty="0" smtClean="0"/>
+              <a:t>what we will see, in some situations is hard to figure if there was, or not, a </a:t>
+            </a:r>
+            <a:r>
+              <a:rPr lang="en-US" sz="2400" dirty="0" smtClean="0"/>
+              <a:t>collision;</a:t>
+            </a:r>
+            <a:endParaRPr lang="en-US" sz="2400" dirty="0" smtClean="0"/>
+          </a:p>
+          <a:p>
+            <a:pPr>
+              <a:lnSpc>
+                <a:spcPct val="150000"/>
+              </a:lnSpc>
+              <a:buFont typeface="Wingdings" panose="05000000000000000000" pitchFamily="2" charset="2"/>
+              <a:buChar char="§"/>
+            </a:pPr>
+            <a:endParaRPr lang="en-US" sz="2400" dirty="0" smtClean="0"/>
+          </a:p>
+          <a:p>
+            <a:pPr>
+              <a:buFont typeface="Wingdings" panose="05000000000000000000" pitchFamily="2" charset="2"/>
+              <a:buChar char="§"/>
+            </a:pPr>
+            <a:endParaRPr lang="en-US" dirty="0" smtClean="0"/>
+          </a:p>
+          <a:p>
+            <a:endParaRPr lang="en-US" dirty="0"/>
+          </a:p>
+        </p:txBody>
+      </p:sp>
+      <p:pic>
+        <p:nvPicPr>
+          <p:cNvPr id="5" name="Imagem 4"/>
+          <p:cNvPicPr>
+            <a:picLocks noChangeAspect="1"/>
+          </p:cNvPicPr>
+          <p:nvPr/>
+        </p:nvPicPr>
+        <p:blipFill rotWithShape="1">
+          <a:blip r:embed="rId3">
+            <a:extLst>
+              <a:ext uri="{28A0092B-C50C-407E-A947-70E740481C1C}">
+                <a14:useLocalDpi xmlns:a14="http://schemas.microsoft.com/office/drawing/2010/main" val="0"/>
+              </a:ext>
+            </a:extLst>
+          </a:blip>
+          <a:srcRect b="35331"/>
+          <a:stretch/>
+        </p:blipFill>
+        <p:spPr>
+          <a:xfrm>
+            <a:off x="9263921" y="758952"/>
+            <a:ext cx="1891759" cy="950227"/>
+          </a:xfrm>
+          <a:prstGeom prst="rect">
+            <a:avLst/>
+          </a:prstGeom>
+        </p:spPr>
+      </p:pic>
+      <p:sp>
+        <p:nvSpPr>
+          <p:cNvPr id="4" name="Marcador de Posição da Data 3"/>
+          <p:cNvSpPr>
+            <a:spLocks noGrp="1"/>
+          </p:cNvSpPr>
+          <p:nvPr>
+            <p:ph type="dt" sz="half" idx="10"/>
+          </p:nvPr>
+        </p:nvSpPr>
+        <p:spPr/>
+        <p:txBody>
+          <a:bodyPr/>
+          <a:lstStyle/>
+          <a:p>
+            <a:fld id="{CC0950CD-9C25-4CBC-901A-E33A2FF7DF2B}" type="datetime1">
+              <a:rPr lang="pt-PT" smtClean="0"/>
+              <a:t>27/01/2016</a:t>
+            </a:fld>
+            <a:endParaRPr lang="pt-PT" dirty="0"/>
+          </a:p>
+        </p:txBody>
+      </p:sp>
+      <p:sp>
+        <p:nvSpPr>
+          <p:cNvPr id="6" name="Marcador de Posição do Rodapé 5"/>
+          <p:cNvSpPr>
+            <a:spLocks noGrp="1"/>
+          </p:cNvSpPr>
+          <p:nvPr>
+            <p:ph type="ftr" sz="quarter" idx="11"/>
+          </p:nvPr>
+        </p:nvSpPr>
+        <p:spPr/>
+        <p:txBody>
+          <a:bodyPr/>
+          <a:lstStyle/>
+          <a:p>
+            <a:r>
+              <a:rPr lang="en-US" dirty="0" smtClean="0"/>
+              <a:t>Master in Informatics Engineering - Computer Graphics</a:t>
+            </a:r>
+            <a:endParaRPr lang="pt-PT" dirty="0"/>
+          </a:p>
+        </p:txBody>
+      </p:sp>
+      <p:sp>
+        <p:nvSpPr>
+          <p:cNvPr id="7" name="Marcador de Posição do Número do Diapositivo 6"/>
+          <p:cNvSpPr>
+            <a:spLocks noGrp="1"/>
+          </p:cNvSpPr>
+          <p:nvPr>
+            <p:ph type="sldNum" sz="quarter" idx="12"/>
+          </p:nvPr>
+        </p:nvSpPr>
+        <p:spPr/>
+        <p:txBody>
+          <a:bodyPr/>
+          <a:lstStyle/>
+          <a:p>
+            <a:fld id="{A5DF73BB-203F-40A7-B871-4E883C551EF9}" type="slidenum">
+              <a:rPr lang="pt-PT" smtClean="0"/>
+              <a:t>4</a:t>
+            </a:fld>
+            <a:endParaRPr lang="pt-PT"/>
+          </a:p>
+        </p:txBody>
+      </p:sp>
+    </p:spTree>
+    <p:extLst>
+      <p:ext uri="{BB962C8B-B14F-4D97-AF65-F5344CB8AC3E}">
+        <p14:creationId xmlns:p14="http://schemas.microsoft.com/office/powerpoint/2010/main" val="4158308210"/>
+      </p:ext>
+    </p:extLst>
+  </p:cSld>
+  <p:clrMapOvr>
+    <a:masterClrMapping/>
+  </p:clrMapOvr>
+  <mc:AlternateContent xmlns:mc="http://schemas.openxmlformats.org/markup-compatibility/2006" xmlns:p14="http://schemas.microsoft.com/office/powerpoint/2010/main">
+    <mc:Choice Requires="p14">
+      <p:transition spd="med" p14:dur="700">
+        <p:fade/>
+      </p:transition>
+    </mc:Choice>
+    <mc:Fallback xmlns="">
+      <p:transition spd="med">
+        <p:fade/>
+      </p:transition>
+    </mc:Fallback>
+  </mc:AlternateContent>
+  <p:timing>
+    <p:tnLst>
+      <p:par>
+        <p:cTn id="1" dur="indefinite" restart="never" nodeType="tmRoot"/>
+      </p:par>
+    </p:tnLst>
+  </p:timing>
+</p:sld>
+</file>
+
+<file path=ppt/slides/slide5.xml><?xml version="1.0" encoding="utf-8"?>
 <p:sld xmlns:a="http://schemas.openxmlformats.org/drawingml/2006/main" xmlns:r="http://schemas.openxmlformats.org/officeDocument/2006/relationships" xmlns:p="http://schemas.openxmlformats.org/presentationml/2006/main">
   <p:cSld>
     <p:spTree>
@@ -21984,7 +22931,7 @@
           <a:p>
             <a:fld id="{A5DF73BB-203F-40A7-B871-4E883C551EF9}" type="slidenum">
               <a:rPr lang="pt-PT" smtClean="0"/>
-              <a:t>4</a:t>
+              <a:t>5</a:t>
             </a:fld>
             <a:endParaRPr lang="pt-PT"/>
           </a:p>
@@ -22022,13 +22969,13 @@
   <p:clrMapOvr>
     <a:masterClrMapping/>
   </p:clrMapOvr>
-  <mc:AlternateContent xmlns:mc="http://schemas.openxmlformats.org/markup-compatibility/2006">
-    <mc:Choice xmlns:p14="http://schemas.microsoft.com/office/powerpoint/2010/main" Requires="p14">
+  <mc:AlternateContent xmlns:mc="http://schemas.openxmlformats.org/markup-compatibility/2006" xmlns:p14="http://schemas.microsoft.com/office/powerpoint/2010/main">
+    <mc:Choice Requires="p14">
       <p:transition spd="med" p14:dur="700">
         <p:fade/>
       </p:transition>
     </mc:Choice>
-    <mc:Fallback>
+    <mc:Fallback xmlns="">
       <p:transition spd="med">
         <p:fade/>
       </p:transition>
@@ -22044,7 +22991,7 @@
 </p:sld>
 </file>
 
-<file path=ppt/slides/slide5.xml><?xml version="1.0" encoding="utf-8"?>
+<file path=ppt/slides/slide6.xml><?xml version="1.0" encoding="utf-8"?>
 <p:sld xmlns:a="http://schemas.openxmlformats.org/drawingml/2006/main" xmlns:r="http://schemas.openxmlformats.org/officeDocument/2006/relationships" xmlns:p="http://schemas.openxmlformats.org/presentationml/2006/main">
   <p:cSld>
     <p:spTree>
@@ -22176,7 +23123,7 @@
           <a:p>
             <a:fld id="{A5DF73BB-203F-40A7-B871-4E883C551EF9}" type="slidenum">
               <a:rPr lang="pt-PT" smtClean="0"/>
-              <a:t>5</a:t>
+              <a:t>6</a:t>
             </a:fld>
             <a:endParaRPr lang="pt-PT"/>
           </a:p>
@@ -22189,7 +23136,7 @@
           <p:nvPr>
             <p:extLst>
               <p:ext uri="{D42A27DB-BD31-4B8C-83A1-F6EECF244321}">
-                <p14:modId xmlns:p14="http://schemas.microsoft.com/office/powerpoint/2010/main" val="2238610149"/>
+                <p14:modId xmlns:p14="http://schemas.microsoft.com/office/powerpoint/2010/main" val="2090737618"/>
               </p:ext>
             </p:extLst>
           </p:nvPr>
@@ -22214,13 +23161,13 @@
   <p:clrMapOvr>
     <a:masterClrMapping/>
   </p:clrMapOvr>
-  <mc:AlternateContent xmlns:mc="http://schemas.openxmlformats.org/markup-compatibility/2006">
-    <mc:Choice xmlns:p14="http://schemas.microsoft.com/office/powerpoint/2010/main" Requires="p14">
+  <mc:AlternateContent xmlns:mc="http://schemas.openxmlformats.org/markup-compatibility/2006" xmlns:p14="http://schemas.microsoft.com/office/powerpoint/2010/main">
+    <mc:Choice Requires="p14">
       <p:transition spd="med" p14:dur="700">
         <p:fade/>
       </p:transition>
     </mc:Choice>
-    <mc:Fallback>
+    <mc:Fallback xmlns="">
       <p:transition spd="med">
         <p:fade/>
       </p:transition>
@@ -22236,7 +23183,7 @@
 </p:sld>
 </file>
 
-<file path=ppt/slides/slide6.xml><?xml version="1.0" encoding="utf-8"?>
+<file path=ppt/slides/slide7.xml><?xml version="1.0" encoding="utf-8"?>
 <p:sld xmlns:a="http://schemas.openxmlformats.org/drawingml/2006/main" xmlns:r="http://schemas.openxmlformats.org/officeDocument/2006/relationships" xmlns:p="http://schemas.openxmlformats.org/presentationml/2006/main">
   <p:cSld>
     <p:spTree>
@@ -22339,7 +23286,7 @@
           <a:p>
             <a:fld id="{A5DF73BB-203F-40A7-B871-4E883C551EF9}" type="slidenum">
               <a:rPr lang="pt-PT" smtClean="0"/>
-              <a:t>6</a:t>
+              <a:t>7</a:t>
             </a:fld>
             <a:endParaRPr lang="pt-PT"/>
           </a:p>
@@ -22439,13 +23386,13 @@
   <p:clrMapOvr>
     <a:masterClrMapping/>
   </p:clrMapOvr>
-  <mc:AlternateContent xmlns:mc="http://schemas.openxmlformats.org/markup-compatibility/2006">
-    <mc:Choice xmlns:p14="http://schemas.microsoft.com/office/powerpoint/2010/main" Requires="p14">
+  <mc:AlternateContent xmlns:mc="http://schemas.openxmlformats.org/markup-compatibility/2006" xmlns:p14="http://schemas.microsoft.com/office/powerpoint/2010/main">
+    <mc:Choice Requires="p14">
       <p:transition spd="med" p14:dur="700">
         <p:fade/>
       </p:transition>
     </mc:Choice>
-    <mc:Fallback>
+    <mc:Fallback xmlns="">
       <p:transition spd="med">
         <p:fade/>
       </p:transition>
@@ -22461,7 +23408,7 @@
 </p:sld>
 </file>
 
-<file path=ppt/slides/slide7.xml><?xml version="1.0" encoding="utf-8"?>
+<file path=ppt/slides/slide8.xml><?xml version="1.0" encoding="utf-8"?>
 <p:sld xmlns:a="http://schemas.openxmlformats.org/drawingml/2006/main" xmlns:r="http://schemas.openxmlformats.org/officeDocument/2006/relationships" xmlns:p="http://schemas.openxmlformats.org/presentationml/2006/main">
   <p:cSld>
     <p:spTree>
@@ -22511,10 +23458,15 @@
             <p:ph idx="1"/>
           </p:nvPr>
         </p:nvSpPr>
-        <p:spPr/>
+        <p:spPr>
+          <a:xfrm>
+            <a:off x="1097280" y="1845734"/>
+            <a:ext cx="10058400" cy="1261023"/>
+          </a:xfrm>
+        </p:spPr>
         <p:txBody>
           <a:bodyPr>
-            <a:normAutofit lnSpcReduction="10000"/>
+            <a:normAutofit/>
           </a:bodyPr>
           <a:lstStyle/>
           <a:p>
@@ -22535,346 +23487,13 @@
             </a:r>
             <a:r>
               <a:rPr lang="en-US" sz="2400" dirty="0" smtClean="0"/>
-              <a:t>From this work we conclude that are many factors that influence the collision detection</a:t>
-            </a:r>
-          </a:p>
-          <a:p>
-            <a:pPr>
-              <a:lnSpc>
-                <a:spcPct val="150000"/>
-              </a:lnSpc>
-              <a:buFont typeface="Wingdings" panose="05000000000000000000" pitchFamily="2" charset="2"/>
-              <a:buChar char="§"/>
-            </a:pPr>
-            <a:r>
-              <a:rPr lang="en-US" sz="2400" dirty="0" smtClean="0"/>
-              <a:t> Those factors can be</a:t>
-            </a:r>
-          </a:p>
-          <a:p>
-            <a:pPr lvl="1">
-              <a:lnSpc>
-                <a:spcPct val="150000"/>
-              </a:lnSpc>
-              <a:buFont typeface="Wingdings" panose="05000000000000000000" pitchFamily="2" charset="2"/>
-              <a:buChar char="§"/>
-            </a:pPr>
-            <a:r>
-              <a:rPr lang="en-US" sz="2200" dirty="0" smtClean="0"/>
-              <a:t>Luminosity conditions</a:t>
-            </a:r>
-          </a:p>
-          <a:p>
-            <a:pPr lvl="1">
-              <a:lnSpc>
-                <a:spcPct val="150000"/>
-              </a:lnSpc>
-              <a:buFont typeface="Wingdings" panose="05000000000000000000" pitchFamily="2" charset="2"/>
-              <a:buChar char="§"/>
-            </a:pPr>
-            <a:r>
-              <a:rPr lang="en-US" sz="2200" dirty="0" smtClean="0"/>
-              <a:t>Quality of the input video</a:t>
-            </a:r>
-          </a:p>
-          <a:p>
-            <a:pPr lvl="1">
-              <a:lnSpc>
-                <a:spcPct val="150000"/>
-              </a:lnSpc>
-              <a:buFont typeface="Wingdings" panose="05000000000000000000" pitchFamily="2" charset="2"/>
-              <a:buChar char="§"/>
-            </a:pPr>
-            <a:r>
-              <a:rPr lang="en-US" sz="2200" dirty="0" smtClean="0"/>
-              <a:t>Background noise</a:t>
-            </a:r>
-          </a:p>
-          <a:p>
-            <a:pPr lvl="1">
-              <a:lnSpc>
-                <a:spcPct val="150000"/>
-              </a:lnSpc>
-              <a:buFont typeface="Wingdings" panose="05000000000000000000" pitchFamily="2" charset="2"/>
-              <a:buChar char="§"/>
-            </a:pPr>
-            <a:r>
-              <a:rPr lang="en-US" sz="2200" dirty="0" smtClean="0"/>
-              <a:t>Frame reading rate</a:t>
-            </a:r>
-            <a:endParaRPr lang="en-US" sz="2200" dirty="0"/>
-          </a:p>
-        </p:txBody>
-      </p:sp>
-      <p:pic>
-        <p:nvPicPr>
-          <p:cNvPr id="5" name="Imagem 4"/>
-          <p:cNvPicPr>
-            <a:picLocks noChangeAspect="1"/>
-          </p:cNvPicPr>
-          <p:nvPr/>
-        </p:nvPicPr>
-        <p:blipFill rotWithShape="1">
-          <a:blip r:embed="rId3">
-            <a:extLst>
-              <a:ext uri="{28A0092B-C50C-407E-A947-70E740481C1C}">
-                <a14:useLocalDpi xmlns:a14="http://schemas.microsoft.com/office/drawing/2010/main" val="0"/>
-              </a:ext>
-            </a:extLst>
-          </a:blip>
-          <a:srcRect b="35331"/>
-          <a:stretch/>
-        </p:blipFill>
-        <p:spPr>
-          <a:xfrm>
-            <a:off x="9263921" y="758952"/>
-            <a:ext cx="1891759" cy="950227"/>
-          </a:xfrm>
-          <a:prstGeom prst="rect">
-            <a:avLst/>
-          </a:prstGeom>
-        </p:spPr>
-      </p:pic>
-      <p:sp>
-        <p:nvSpPr>
-          <p:cNvPr id="4" name="Marcador de Posição da Data 3"/>
-          <p:cNvSpPr>
-            <a:spLocks noGrp="1"/>
-          </p:cNvSpPr>
-          <p:nvPr>
-            <p:ph type="dt" sz="half" idx="10"/>
-          </p:nvPr>
-        </p:nvSpPr>
-        <p:spPr/>
-        <p:txBody>
-          <a:bodyPr/>
-          <a:lstStyle/>
-          <a:p>
-            <a:fld id="{CC0950CD-9C25-4CBC-901A-E33A2FF7DF2B}" type="datetime1">
-              <a:rPr lang="pt-PT" smtClean="0"/>
-              <a:t>27/01/2016</a:t>
-            </a:fld>
-            <a:endParaRPr lang="pt-PT"/>
-          </a:p>
-        </p:txBody>
-      </p:sp>
-      <p:sp>
-        <p:nvSpPr>
-          <p:cNvPr id="6" name="Marcador de Posição do Rodapé 5"/>
-          <p:cNvSpPr>
-            <a:spLocks noGrp="1"/>
-          </p:cNvSpPr>
-          <p:nvPr>
-            <p:ph type="ftr" sz="quarter" idx="11"/>
-          </p:nvPr>
-        </p:nvSpPr>
-        <p:spPr/>
-        <p:txBody>
-          <a:bodyPr/>
-          <a:lstStyle/>
-          <a:p>
-            <a:r>
-              <a:rPr lang="en-US" dirty="0" smtClean="0"/>
-              <a:t>Master in Informatics Engineering - Computer Graphics</a:t>
-            </a:r>
-            <a:endParaRPr lang="pt-PT" dirty="0"/>
-          </a:p>
-        </p:txBody>
-      </p:sp>
-      <p:sp>
-        <p:nvSpPr>
-          <p:cNvPr id="7" name="Marcador de Posição do Número do Diapositivo 6"/>
-          <p:cNvSpPr>
-            <a:spLocks noGrp="1"/>
-          </p:cNvSpPr>
-          <p:nvPr>
-            <p:ph type="sldNum" sz="quarter" idx="12"/>
-          </p:nvPr>
-        </p:nvSpPr>
-        <p:spPr/>
-        <p:txBody>
-          <a:bodyPr/>
-          <a:lstStyle/>
-          <a:p>
-            <a:fld id="{A5DF73BB-203F-40A7-B871-4E883C551EF9}" type="slidenum">
-              <a:rPr lang="pt-PT" smtClean="0"/>
-              <a:t>7</a:t>
-            </a:fld>
-            <a:endParaRPr lang="pt-PT"/>
-          </a:p>
-        </p:txBody>
-      </p:sp>
-    </p:spTree>
-    <p:extLst>
-      <p:ext uri="{BB962C8B-B14F-4D97-AF65-F5344CB8AC3E}">
-        <p14:creationId xmlns:p14="http://schemas.microsoft.com/office/powerpoint/2010/main" val="2812523759"/>
-      </p:ext>
-    </p:extLst>
-  </p:cSld>
-  <p:clrMapOvr>
-    <a:masterClrMapping/>
-  </p:clrMapOvr>
-  <mc:AlternateContent xmlns:mc="http://schemas.openxmlformats.org/markup-compatibility/2006">
-    <mc:Choice xmlns:p14="http://schemas.microsoft.com/office/powerpoint/2010/main" Requires="p14">
-      <p:transition spd="med" p14:dur="700">
-        <p:fade/>
-      </p:transition>
-    </mc:Choice>
-    <mc:Fallback>
-      <p:transition spd="med">
-        <p:fade/>
-      </p:transition>
-    </mc:Fallback>
-  </mc:AlternateContent>
-  <p:timing>
-    <p:tnLst>
-      <p:par>
-        <p:cTn id="1" dur="indefinite" restart="never" nodeType="tmRoot"/>
-      </p:par>
-    </p:tnLst>
-  </p:timing>
-</p:sld>
-</file>
-
-<file path=ppt/slides/slide8.xml><?xml version="1.0" encoding="utf-8"?>
-<p:sld xmlns:a="http://schemas.openxmlformats.org/drawingml/2006/main" xmlns:r="http://schemas.openxmlformats.org/officeDocument/2006/relationships" xmlns:p="http://schemas.openxmlformats.org/presentationml/2006/main">
-  <p:cSld>
-    <p:spTree>
-      <p:nvGrpSpPr>
-        <p:cNvPr id="1" name=""/>
-        <p:cNvGrpSpPr/>
-        <p:nvPr/>
-      </p:nvGrpSpPr>
-      <p:grpSpPr>
-        <a:xfrm>
-          <a:off x="0" y="0"/>
-          <a:ext cx="0" cy="0"/>
-          <a:chOff x="0" y="0"/>
-          <a:chExt cx="0" cy="0"/>
-        </a:xfrm>
-      </p:grpSpPr>
-      <p:sp>
-        <p:nvSpPr>
-          <p:cNvPr id="2" name="Título 1"/>
-          <p:cNvSpPr>
-            <a:spLocks noGrp="1"/>
-          </p:cNvSpPr>
-          <p:nvPr>
-            <p:ph type="title"/>
-          </p:nvPr>
-        </p:nvSpPr>
-        <p:spPr/>
-        <p:txBody>
-          <a:bodyPr/>
-          <a:lstStyle/>
-          <a:p>
-            <a:r>
-              <a:rPr lang="en-US" dirty="0" smtClean="0"/>
-              <a:t>Future work</a:t>
-            </a:r>
-            <a:endParaRPr lang="en-US" dirty="0"/>
-          </a:p>
-        </p:txBody>
-      </p:sp>
-      <p:sp>
-        <p:nvSpPr>
-          <p:cNvPr id="3" name="Marcador de Posição de Conteúdo 2"/>
-          <p:cNvSpPr>
-            <a:spLocks noGrp="1"/>
-          </p:cNvSpPr>
-          <p:nvPr>
-            <p:ph idx="1"/>
-          </p:nvPr>
-        </p:nvSpPr>
-        <p:spPr/>
-        <p:txBody>
-          <a:bodyPr/>
-          <a:lstStyle/>
-          <a:p>
-            <a:pPr>
-              <a:lnSpc>
-                <a:spcPct val="150000"/>
-              </a:lnSpc>
-              <a:buFont typeface="Wingdings" panose="05000000000000000000" pitchFamily="2" charset="2"/>
-              <a:buChar char="§"/>
-            </a:pPr>
-            <a:r>
-              <a:rPr lang="en-US" dirty="0"/>
-              <a:t> </a:t>
+              <a:t>From this work we conclude that are many factors that influence the collision </a:t>
             </a:r>
             <a:r>
               <a:rPr lang="en-US" sz="2400" dirty="0" smtClean="0"/>
-              <a:t>Expand to real time situations (stream)</a:t>
+              <a:t>detection.</a:t>
             </a:r>
-          </a:p>
-          <a:p>
-            <a:pPr>
-              <a:lnSpc>
-                <a:spcPct val="150000"/>
-              </a:lnSpc>
-              <a:buFont typeface="Wingdings" panose="05000000000000000000" pitchFamily="2" charset="2"/>
-              <a:buChar char="§"/>
-            </a:pPr>
-            <a:r>
-              <a:rPr lang="en-US" sz="2400" dirty="0"/>
-              <a:t> </a:t>
-            </a:r>
-            <a:r>
-              <a:rPr lang="en-US" sz="2400" dirty="0" smtClean="0"/>
-              <a:t>Improve the computational processing through a parallel implementation</a:t>
-            </a:r>
-          </a:p>
-          <a:p>
-            <a:pPr>
-              <a:lnSpc>
-                <a:spcPct val="150000"/>
-              </a:lnSpc>
-              <a:buFont typeface="Wingdings" panose="05000000000000000000" pitchFamily="2" charset="2"/>
-              <a:buChar char="§"/>
-            </a:pPr>
-            <a:r>
-              <a:rPr lang="en-US" sz="2400" dirty="0"/>
-              <a:t> </a:t>
-            </a:r>
-            <a:r>
-              <a:rPr lang="en-US" sz="2400" dirty="0" smtClean="0"/>
-              <a:t>Adapt to a real world problem like a camera placed in a car </a:t>
-            </a:r>
-          </a:p>
-          <a:p>
-            <a:pPr>
-              <a:lnSpc>
-                <a:spcPct val="150000"/>
-              </a:lnSpc>
-              <a:buFont typeface="Wingdings" panose="05000000000000000000" pitchFamily="2" charset="2"/>
-              <a:buChar char="§"/>
-            </a:pPr>
-            <a:r>
-              <a:rPr lang="en-US" sz="2400" dirty="0"/>
-              <a:t> </a:t>
-            </a:r>
-            <a:r>
-              <a:rPr lang="en-US" sz="2400" dirty="0" smtClean="0"/>
-              <a:t>Tune up for generic situations</a:t>
-            </a:r>
-          </a:p>
-          <a:p>
-            <a:pPr>
-              <a:lnSpc>
-                <a:spcPct val="150000"/>
-              </a:lnSpc>
-              <a:buFont typeface="Wingdings" panose="05000000000000000000" pitchFamily="2" charset="2"/>
-              <a:buChar char="§"/>
-            </a:pPr>
-            <a:r>
-              <a:rPr lang="en-US" sz="2400" dirty="0"/>
-              <a:t> </a:t>
-            </a:r>
-            <a:r>
-              <a:rPr lang="en-US" sz="2400" dirty="0" smtClean="0"/>
-              <a:t>Identify the shape, texture and the angle of movement </a:t>
-            </a:r>
-            <a:endParaRPr lang="en-US" sz="2400" dirty="0"/>
+            <a:endParaRPr lang="en-US" sz="2400" dirty="0" smtClean="0"/>
           </a:p>
         </p:txBody>
       </p:sp>
@@ -22976,23 +23595,432 @@
           </a:p>
         </p:txBody>
       </p:sp>
+      <p:sp>
+        <p:nvSpPr>
+          <p:cNvPr id="8" name="TextBox 7"/>
+          <p:cNvSpPr txBox="1"/>
+          <p:nvPr/>
+        </p:nvSpPr>
+        <p:spPr>
+          <a:xfrm>
+            <a:off x="1097279" y="3052028"/>
+            <a:ext cx="3816244" cy="3421449"/>
+          </a:xfrm>
+          <a:prstGeom prst="rect">
+            <a:avLst/>
+          </a:prstGeom>
+          <a:noFill/>
+        </p:spPr>
+        <p:txBody>
+          <a:bodyPr wrap="square" rtlCol="0">
+            <a:spAutoFit/>
+          </a:bodyPr>
+          <a:lstStyle/>
+          <a:p>
+            <a:pPr marL="342900" indent="-342900">
+              <a:lnSpc>
+                <a:spcPct val="150000"/>
+              </a:lnSpc>
+              <a:spcBef>
+                <a:spcPts val="1200"/>
+              </a:spcBef>
+              <a:spcAft>
+                <a:spcPts val="200"/>
+              </a:spcAft>
+              <a:buClr>
+                <a:schemeClr val="accent1"/>
+              </a:buClr>
+              <a:buSzPct val="100000"/>
+              <a:buFont typeface="Wingdings" panose="05000000000000000000" pitchFamily="2" charset="2"/>
+              <a:buChar char="§"/>
+            </a:pPr>
+            <a:r>
+              <a:rPr lang="en-US" sz="2000" dirty="0" smtClean="0">
+                <a:solidFill>
+                  <a:schemeClr val="tx1">
+                    <a:lumMod val="75000"/>
+                    <a:lumOff val="25000"/>
+                  </a:schemeClr>
+                </a:solidFill>
+              </a:rPr>
+              <a:t>These </a:t>
+            </a:r>
+            <a:r>
+              <a:rPr lang="en-US" sz="2000" dirty="0">
+                <a:solidFill>
+                  <a:schemeClr val="tx1">
+                    <a:lumMod val="75000"/>
+                    <a:lumOff val="25000"/>
+                  </a:schemeClr>
+                </a:solidFill>
+              </a:rPr>
+              <a:t>factors can </a:t>
+            </a:r>
+            <a:r>
+              <a:rPr lang="en-US" sz="2000" dirty="0" smtClean="0">
+                <a:solidFill>
+                  <a:schemeClr val="tx1">
+                    <a:lumMod val="75000"/>
+                    <a:lumOff val="25000"/>
+                  </a:schemeClr>
+                </a:solidFill>
+              </a:rPr>
+              <a:t>be:</a:t>
+            </a:r>
+          </a:p>
+          <a:p>
+            <a:pPr marL="548640" lvl="1" indent="-91440">
+              <a:lnSpc>
+                <a:spcPct val="150000"/>
+              </a:lnSpc>
+              <a:spcBef>
+                <a:spcPts val="1200"/>
+              </a:spcBef>
+              <a:spcAft>
+                <a:spcPts val="200"/>
+              </a:spcAft>
+              <a:buClr>
+                <a:schemeClr val="accent1"/>
+              </a:buClr>
+              <a:buSzPct val="100000"/>
+              <a:buFont typeface="Wingdings" panose="05000000000000000000" pitchFamily="2" charset="2"/>
+              <a:buChar char="§"/>
+            </a:pPr>
+            <a:r>
+              <a:rPr lang="en-US" sz="2000" dirty="0" smtClean="0">
+                <a:solidFill>
+                  <a:schemeClr val="tx1">
+                    <a:lumMod val="75000"/>
+                    <a:lumOff val="25000"/>
+                  </a:schemeClr>
+                </a:solidFill>
+              </a:rPr>
+              <a:t> Lighting conditions;</a:t>
+            </a:r>
+          </a:p>
+          <a:p>
+            <a:pPr marL="548640" lvl="1" indent="-91440">
+              <a:lnSpc>
+                <a:spcPct val="150000"/>
+              </a:lnSpc>
+              <a:spcBef>
+                <a:spcPts val="1200"/>
+              </a:spcBef>
+              <a:spcAft>
+                <a:spcPts val="200"/>
+              </a:spcAft>
+              <a:buClr>
+                <a:schemeClr val="accent1"/>
+              </a:buClr>
+              <a:buSzPct val="100000"/>
+              <a:buFont typeface="Wingdings" panose="05000000000000000000" pitchFamily="2" charset="2"/>
+              <a:buChar char="§"/>
+            </a:pPr>
+            <a:r>
+              <a:rPr lang="en-US" sz="2000" dirty="0" smtClean="0">
+                <a:solidFill>
+                  <a:schemeClr val="tx1">
+                    <a:lumMod val="75000"/>
+                    <a:lumOff val="25000"/>
+                  </a:schemeClr>
+                </a:solidFill>
+              </a:rPr>
+              <a:t> Input </a:t>
+            </a:r>
+            <a:r>
+              <a:rPr lang="en-US" sz="2000" dirty="0">
+                <a:solidFill>
+                  <a:schemeClr val="tx1">
+                    <a:lumMod val="75000"/>
+                    <a:lumOff val="25000"/>
+                  </a:schemeClr>
+                </a:solidFill>
+              </a:rPr>
+              <a:t>video’s </a:t>
+            </a:r>
+            <a:r>
+              <a:rPr lang="en-US" sz="2000" dirty="0" smtClean="0">
+                <a:solidFill>
+                  <a:schemeClr val="tx1">
+                    <a:lumMod val="75000"/>
+                    <a:lumOff val="25000"/>
+                  </a:schemeClr>
+                </a:solidFill>
+              </a:rPr>
+              <a:t>quality;</a:t>
+            </a:r>
+          </a:p>
+          <a:p>
+            <a:pPr marL="548640" lvl="1" indent="-91440">
+              <a:lnSpc>
+                <a:spcPct val="150000"/>
+              </a:lnSpc>
+              <a:spcBef>
+                <a:spcPts val="1200"/>
+              </a:spcBef>
+              <a:spcAft>
+                <a:spcPts val="200"/>
+              </a:spcAft>
+              <a:buClr>
+                <a:schemeClr val="accent1"/>
+              </a:buClr>
+              <a:buSzPct val="100000"/>
+              <a:buFont typeface="Wingdings" panose="05000000000000000000" pitchFamily="2" charset="2"/>
+              <a:buChar char="§"/>
+            </a:pPr>
+            <a:r>
+              <a:rPr lang="en-US" sz="2000" dirty="0" smtClean="0">
+                <a:solidFill>
+                  <a:schemeClr val="tx1">
+                    <a:lumMod val="75000"/>
+                    <a:lumOff val="25000"/>
+                  </a:schemeClr>
+                </a:solidFill>
+              </a:rPr>
+              <a:t> Background noise;</a:t>
+            </a:r>
+          </a:p>
+          <a:p>
+            <a:pPr marL="548640" lvl="1" indent="-91440">
+              <a:lnSpc>
+                <a:spcPct val="150000"/>
+              </a:lnSpc>
+              <a:spcBef>
+                <a:spcPts val="1200"/>
+              </a:spcBef>
+              <a:spcAft>
+                <a:spcPts val="200"/>
+              </a:spcAft>
+              <a:buClr>
+                <a:schemeClr val="accent1"/>
+              </a:buClr>
+              <a:buSzPct val="100000"/>
+              <a:buFont typeface="Wingdings" panose="05000000000000000000" pitchFamily="2" charset="2"/>
+              <a:buChar char="§"/>
+            </a:pPr>
+            <a:r>
+              <a:rPr lang="en-US" sz="2000" dirty="0">
+                <a:solidFill>
+                  <a:schemeClr val="tx1">
+                    <a:lumMod val="75000"/>
+                    <a:lumOff val="25000"/>
+                  </a:schemeClr>
+                </a:solidFill>
+              </a:rPr>
+              <a:t> </a:t>
+            </a:r>
+            <a:r>
+              <a:rPr lang="en-US" sz="2000" dirty="0" smtClean="0">
+                <a:solidFill>
+                  <a:schemeClr val="tx1">
+                    <a:lumMod val="75000"/>
+                    <a:lumOff val="25000"/>
+                  </a:schemeClr>
+                </a:solidFill>
+              </a:rPr>
+              <a:t>Frame rate;</a:t>
+            </a:r>
+            <a:endParaRPr lang="en-US" sz="2000" dirty="0">
+              <a:solidFill>
+                <a:schemeClr val="tx1">
+                  <a:lumMod val="75000"/>
+                  <a:lumOff val="25000"/>
+                </a:schemeClr>
+              </a:solidFill>
+            </a:endParaRPr>
+          </a:p>
+          <a:p>
+            <a:endParaRPr lang="pt-PT" dirty="0"/>
+          </a:p>
+        </p:txBody>
+      </p:sp>
+      <p:sp>
+        <p:nvSpPr>
+          <p:cNvPr id="10" name="TextBox 9"/>
+          <p:cNvSpPr txBox="1"/>
+          <p:nvPr/>
+        </p:nvSpPr>
+        <p:spPr>
+          <a:xfrm>
+            <a:off x="5226768" y="3609419"/>
+            <a:ext cx="3816244" cy="3421449"/>
+          </a:xfrm>
+          <a:prstGeom prst="rect">
+            <a:avLst/>
+          </a:prstGeom>
+          <a:noFill/>
+        </p:spPr>
+        <p:txBody>
+          <a:bodyPr wrap="square" rtlCol="0">
+            <a:spAutoFit/>
+          </a:bodyPr>
+          <a:lstStyle/>
+          <a:p>
+            <a:pPr marL="800100" lvl="1" indent="-342900">
+              <a:lnSpc>
+                <a:spcPct val="150000"/>
+              </a:lnSpc>
+              <a:spcBef>
+                <a:spcPts val="1200"/>
+              </a:spcBef>
+              <a:spcAft>
+                <a:spcPts val="200"/>
+              </a:spcAft>
+              <a:buClr>
+                <a:schemeClr val="accent1"/>
+              </a:buClr>
+              <a:buSzPct val="100000"/>
+              <a:buFont typeface="Wingdings" panose="05000000000000000000" pitchFamily="2" charset="2"/>
+              <a:buChar char="§"/>
+            </a:pPr>
+            <a:r>
+              <a:rPr lang="en-US" sz="2000" dirty="0" smtClean="0">
+                <a:solidFill>
+                  <a:schemeClr val="tx1">
+                    <a:lumMod val="75000"/>
+                    <a:lumOff val="25000"/>
+                  </a:schemeClr>
+                </a:solidFill>
+              </a:rPr>
+              <a:t>Object to be detected;</a:t>
+            </a:r>
+          </a:p>
+          <a:p>
+            <a:pPr marL="800100" lvl="1" indent="-342900">
+              <a:lnSpc>
+                <a:spcPct val="150000"/>
+              </a:lnSpc>
+              <a:spcBef>
+                <a:spcPts val="1200"/>
+              </a:spcBef>
+              <a:spcAft>
+                <a:spcPts val="200"/>
+              </a:spcAft>
+              <a:buClr>
+                <a:schemeClr val="accent1"/>
+              </a:buClr>
+              <a:buSzPct val="100000"/>
+              <a:buFont typeface="Wingdings" panose="05000000000000000000" pitchFamily="2" charset="2"/>
+              <a:buChar char="§"/>
+            </a:pPr>
+            <a:r>
+              <a:rPr lang="en-US" sz="2000" dirty="0" smtClean="0">
+                <a:solidFill>
+                  <a:schemeClr val="tx1">
+                    <a:lumMod val="75000"/>
+                    <a:lumOff val="25000"/>
+                  </a:schemeClr>
+                </a:solidFill>
+              </a:rPr>
+              <a:t>Algorithm used;</a:t>
+            </a:r>
+          </a:p>
+          <a:p>
+            <a:pPr marL="800100" lvl="1" indent="-342900">
+              <a:lnSpc>
+                <a:spcPct val="150000"/>
+              </a:lnSpc>
+              <a:spcBef>
+                <a:spcPts val="1200"/>
+              </a:spcBef>
+              <a:spcAft>
+                <a:spcPts val="200"/>
+              </a:spcAft>
+              <a:buClr>
+                <a:schemeClr val="accent1"/>
+              </a:buClr>
+              <a:buSzPct val="100000"/>
+              <a:buFont typeface="Wingdings" panose="05000000000000000000" pitchFamily="2" charset="2"/>
+              <a:buChar char="§"/>
+            </a:pPr>
+            <a:r>
+              <a:rPr lang="en-US" sz="2000" dirty="0" smtClean="0">
+                <a:solidFill>
+                  <a:schemeClr val="tx1">
+                    <a:lumMod val="75000"/>
+                    <a:lumOff val="25000"/>
+                  </a:schemeClr>
+                </a:solidFill>
+              </a:rPr>
+              <a:t>Algorithm’s tuning.</a:t>
+            </a:r>
+          </a:p>
+          <a:p>
+            <a:pPr marL="800100" lvl="1" indent="-342900">
+              <a:lnSpc>
+                <a:spcPct val="150000"/>
+              </a:lnSpc>
+              <a:spcBef>
+                <a:spcPts val="1200"/>
+              </a:spcBef>
+              <a:spcAft>
+                <a:spcPts val="200"/>
+              </a:spcAft>
+              <a:buClr>
+                <a:schemeClr val="accent1"/>
+              </a:buClr>
+              <a:buSzPct val="100000"/>
+              <a:buFont typeface="Wingdings" panose="05000000000000000000" pitchFamily="2" charset="2"/>
+              <a:buChar char="§"/>
+            </a:pPr>
+            <a:endParaRPr lang="en-US" sz="2000" dirty="0" smtClean="0">
+              <a:solidFill>
+                <a:schemeClr val="tx1">
+                  <a:lumMod val="75000"/>
+                  <a:lumOff val="25000"/>
+                </a:schemeClr>
+              </a:solidFill>
+            </a:endParaRPr>
+          </a:p>
+          <a:p>
+            <a:pPr marL="800100" lvl="1" indent="-342900">
+              <a:lnSpc>
+                <a:spcPct val="150000"/>
+              </a:lnSpc>
+              <a:spcBef>
+                <a:spcPts val="1200"/>
+              </a:spcBef>
+              <a:spcAft>
+                <a:spcPts val="200"/>
+              </a:spcAft>
+              <a:buClr>
+                <a:schemeClr val="accent1"/>
+              </a:buClr>
+              <a:buSzPct val="100000"/>
+              <a:buFont typeface="Wingdings" panose="05000000000000000000" pitchFamily="2" charset="2"/>
+              <a:buChar char="§"/>
+            </a:pPr>
+            <a:endParaRPr lang="en-US" sz="2000" dirty="0" smtClean="0">
+              <a:solidFill>
+                <a:schemeClr val="tx1">
+                  <a:lumMod val="75000"/>
+                  <a:lumOff val="25000"/>
+                </a:schemeClr>
+              </a:solidFill>
+            </a:endParaRPr>
+          </a:p>
+          <a:p>
+            <a:endParaRPr lang="pt-PT" dirty="0"/>
+          </a:p>
+        </p:txBody>
+      </p:sp>
     </p:spTree>
     <p:extLst>
       <p:ext uri="{BB962C8B-B14F-4D97-AF65-F5344CB8AC3E}">
-        <p14:creationId xmlns:p14="http://schemas.microsoft.com/office/powerpoint/2010/main" val="440834746"/>
+        <p14:creationId xmlns:p14="http://schemas.microsoft.com/office/powerpoint/2010/main" val="2812523759"/>
       </p:ext>
     </p:extLst>
   </p:cSld>
   <p:clrMapOvr>
     <a:masterClrMapping/>
   </p:clrMapOvr>
-  <mc:AlternateContent xmlns:mc="http://schemas.openxmlformats.org/markup-compatibility/2006">
-    <mc:Choice xmlns:p14="http://schemas.microsoft.com/office/powerpoint/2010/main" Requires="p14">
+  <mc:AlternateContent xmlns:mc="http://schemas.openxmlformats.org/markup-compatibility/2006" xmlns:p14="http://schemas.microsoft.com/office/powerpoint/2010/main">
+    <mc:Choice Requires="p14">
       <p:transition spd="med" p14:dur="700">
         <p:fade/>
       </p:transition>
     </mc:Choice>
-    <mc:Fallback>
+    <mc:Fallback xmlns="">
       <p:transition spd="med">
         <p:fade/>
       </p:transition>
@@ -23027,30 +24055,182 @@
       </p:grpSpPr>
       <p:sp>
         <p:nvSpPr>
-          <p:cNvPr id="7" name="Título 6"/>
+          <p:cNvPr id="2" name="Título 1"/>
           <p:cNvSpPr>
             <a:spLocks noGrp="1"/>
           </p:cNvSpPr>
           <p:nvPr>
-            <p:ph type="ctrTitle"/>
+            <p:ph type="title"/>
           </p:nvPr>
         </p:nvSpPr>
         <p:spPr/>
         <p:txBody>
-          <a:bodyPr>
-            <a:normAutofit/>
-          </a:bodyPr>
+          <a:bodyPr/>
           <a:lstStyle/>
           <a:p>
-            <a:pPr algn="ctr"/>
             <a:r>
-              <a:rPr lang="en-US" sz="16600" dirty="0" smtClean="0"/>
-              <a:t>Demo</a:t>
+              <a:rPr lang="en-US" dirty="0" smtClean="0"/>
+              <a:t>Future work</a:t>
             </a:r>
-            <a:endParaRPr lang="en-US" sz="16600" dirty="0"/>
+            <a:endParaRPr lang="en-US" dirty="0"/>
           </a:p>
         </p:txBody>
       </p:sp>
+      <p:sp>
+        <p:nvSpPr>
+          <p:cNvPr id="3" name="Marcador de Posição de Conteúdo 2"/>
+          <p:cNvSpPr>
+            <a:spLocks noGrp="1"/>
+          </p:cNvSpPr>
+          <p:nvPr>
+            <p:ph idx="1"/>
+          </p:nvPr>
+        </p:nvSpPr>
+        <p:spPr/>
+        <p:txBody>
+          <a:bodyPr/>
+          <a:lstStyle/>
+          <a:p>
+            <a:pPr>
+              <a:lnSpc>
+                <a:spcPct val="150000"/>
+              </a:lnSpc>
+              <a:buFont typeface="Wingdings" panose="05000000000000000000" pitchFamily="2" charset="2"/>
+              <a:buChar char="§"/>
+            </a:pPr>
+            <a:r>
+              <a:rPr lang="en-US" dirty="0"/>
+              <a:t> </a:t>
+            </a:r>
+            <a:r>
+              <a:rPr lang="en-US" sz="2400" dirty="0" smtClean="0"/>
+              <a:t>Expand to real time situations (stream</a:t>
+            </a:r>
+            <a:r>
+              <a:rPr lang="en-US" sz="2400" dirty="0" smtClean="0"/>
+              <a:t>);</a:t>
+            </a:r>
+            <a:endParaRPr lang="en-US" sz="2400" dirty="0" smtClean="0"/>
+          </a:p>
+          <a:p>
+            <a:pPr>
+              <a:lnSpc>
+                <a:spcPct val="150000"/>
+              </a:lnSpc>
+              <a:buFont typeface="Wingdings" panose="05000000000000000000" pitchFamily="2" charset="2"/>
+              <a:buChar char="§"/>
+            </a:pPr>
+            <a:r>
+              <a:rPr lang="en-US" sz="2400" dirty="0"/>
+              <a:t> </a:t>
+            </a:r>
+            <a:r>
+              <a:rPr lang="en-US" sz="2400" dirty="0" smtClean="0"/>
+              <a:t>Improve the computational processing through a parallel </a:t>
+            </a:r>
+            <a:r>
+              <a:rPr lang="en-US" sz="2400" dirty="0" smtClean="0"/>
+              <a:t>implementation;</a:t>
+            </a:r>
+            <a:endParaRPr lang="en-US" sz="2400" dirty="0" smtClean="0"/>
+          </a:p>
+          <a:p>
+            <a:pPr>
+              <a:lnSpc>
+                <a:spcPct val="150000"/>
+              </a:lnSpc>
+              <a:buFont typeface="Wingdings" panose="05000000000000000000" pitchFamily="2" charset="2"/>
+              <a:buChar char="§"/>
+            </a:pPr>
+            <a:r>
+              <a:rPr lang="en-US" sz="2400" dirty="0"/>
+              <a:t> </a:t>
+            </a:r>
+            <a:r>
+              <a:rPr lang="en-US" sz="2400" dirty="0" smtClean="0"/>
+              <a:t>Adapt to a real world problem like a camera placed in a </a:t>
+            </a:r>
+            <a:r>
+              <a:rPr lang="en-US" sz="2400" dirty="0" smtClean="0"/>
+              <a:t>car; </a:t>
+            </a:r>
+            <a:endParaRPr lang="en-US" sz="2400" dirty="0" smtClean="0"/>
+          </a:p>
+          <a:p>
+            <a:pPr>
+              <a:lnSpc>
+                <a:spcPct val="150000"/>
+              </a:lnSpc>
+              <a:buFont typeface="Wingdings" panose="05000000000000000000" pitchFamily="2" charset="2"/>
+              <a:buChar char="§"/>
+            </a:pPr>
+            <a:r>
+              <a:rPr lang="en-US" sz="2400" dirty="0"/>
+              <a:t> </a:t>
+            </a:r>
+            <a:r>
+              <a:rPr lang="en-US" sz="2400" dirty="0" smtClean="0"/>
+              <a:t>Tune up for generic </a:t>
+            </a:r>
+            <a:r>
+              <a:rPr lang="en-US" sz="2400" dirty="0" smtClean="0"/>
+              <a:t>situations;</a:t>
+            </a:r>
+            <a:endParaRPr lang="en-US" sz="2400" dirty="0" smtClean="0"/>
+          </a:p>
+          <a:p>
+            <a:pPr>
+              <a:lnSpc>
+                <a:spcPct val="150000"/>
+              </a:lnSpc>
+              <a:buFont typeface="Wingdings" panose="05000000000000000000" pitchFamily="2" charset="2"/>
+              <a:buChar char="§"/>
+            </a:pPr>
+            <a:r>
+              <a:rPr lang="en-US" sz="2400" dirty="0"/>
+              <a:t> </a:t>
+            </a:r>
+            <a:r>
+              <a:rPr lang="en-US" sz="2400" dirty="0" smtClean="0"/>
+              <a:t>Identify the shape, texture and the angle of </a:t>
+            </a:r>
+            <a:r>
+              <a:rPr lang="en-US" sz="2400" dirty="0" smtClean="0"/>
+              <a:t>movement.</a:t>
+            </a:r>
+            <a:endParaRPr lang="en-US" sz="2400" dirty="0"/>
+          </a:p>
+        </p:txBody>
+      </p:sp>
+      <p:pic>
+        <p:nvPicPr>
+          <p:cNvPr id="5" name="Imagem 4"/>
+          <p:cNvPicPr>
+            <a:picLocks noChangeAspect="1"/>
+          </p:cNvPicPr>
+          <p:nvPr/>
+        </p:nvPicPr>
+        <p:blipFill rotWithShape="1">
+          <a:blip r:embed="rId3">
+            <a:extLst>
+              <a:ext uri="{28A0092B-C50C-407E-A947-70E740481C1C}">
+                <a14:useLocalDpi xmlns:a14="http://schemas.microsoft.com/office/drawing/2010/main" val="0"/>
+              </a:ext>
+            </a:extLst>
+          </a:blip>
+          <a:srcRect b="35331"/>
+          <a:stretch/>
+        </p:blipFill>
+        <p:spPr>
+          <a:xfrm>
+            <a:off x="9263921" y="758952"/>
+            <a:ext cx="1891759" cy="950227"/>
+          </a:xfrm>
+          <a:prstGeom prst="rect">
+            <a:avLst/>
+          </a:prstGeom>
+        </p:spPr>
+      </p:pic>
       <p:sp>
         <p:nvSpPr>
           <p:cNvPr id="4" name="Marcador de Posição da Data 3"/>
@@ -23066,7 +24246,7 @@
           <a:bodyPr/>
           <a:lstStyle/>
           <a:p>
-            <a:fld id="{73A7ED1E-F1C2-42BC-AF38-97A0B5F03BDA}" type="datetime1">
+            <a:fld id="{CC0950CD-9C25-4CBC-901A-E33A2FF7DF2B}" type="datetime1">
               <a:rPr lang="pt-PT" smtClean="0"/>
               <a:t>27/01/2016</a:t>
             </a:fld>
@@ -23076,7 +24256,7 @@
       </p:sp>
       <p:sp>
         <p:nvSpPr>
-          <p:cNvPr id="5" name="Marcador de Posição do Rodapé 4"/>
+          <p:cNvPr id="6" name="Marcador de Posição do Rodapé 5"/>
           <p:cNvSpPr>
             <a:spLocks noGrp="1"/>
           </p:cNvSpPr>
@@ -23090,16 +24270,16 @@
           <a:lstStyle/>
           <a:p>
             <a:r>
-              <a:rPr lang="en-US" smtClean="0"/>
+              <a:rPr lang="en-US" dirty="0" smtClean="0"/>
               <a:t>Master in Informatics Engineering - Computer Graphics</a:t>
             </a:r>
-            <a:endParaRPr lang="pt-PT"/>
+            <a:endParaRPr lang="pt-PT" dirty="0"/>
           </a:p>
         </p:txBody>
       </p:sp>
       <p:sp>
         <p:nvSpPr>
-          <p:cNvPr id="6" name="Marcador de Posição do Número do Diapositivo 5"/>
+          <p:cNvPr id="7" name="Marcador de Posição do Número do Diapositivo 6"/>
           <p:cNvSpPr>
             <a:spLocks noGrp="1"/>
           </p:cNvSpPr>
@@ -23123,20 +24303,20 @@
     </p:spTree>
     <p:extLst>
       <p:ext uri="{BB962C8B-B14F-4D97-AF65-F5344CB8AC3E}">
-        <p14:creationId xmlns:p14="http://schemas.microsoft.com/office/powerpoint/2010/main" val="971849671"/>
+        <p14:creationId xmlns:p14="http://schemas.microsoft.com/office/powerpoint/2010/main" val="440834746"/>
       </p:ext>
     </p:extLst>
   </p:cSld>
   <p:clrMapOvr>
     <a:masterClrMapping/>
   </p:clrMapOvr>
-  <mc:AlternateContent xmlns:mc="http://schemas.openxmlformats.org/markup-compatibility/2006">
-    <mc:Choice xmlns:p14="http://schemas.microsoft.com/office/powerpoint/2010/main" Requires="p14">
+  <mc:AlternateContent xmlns:mc="http://schemas.openxmlformats.org/markup-compatibility/2006" xmlns:p14="http://schemas.microsoft.com/office/powerpoint/2010/main">
+    <mc:Choice Requires="p14">
       <p:transition spd="med" p14:dur="700">
         <p:fade/>
       </p:transition>
     </mc:Choice>
-    <mc:Fallback>
+    <mc:Fallback xmlns="">
       <p:transition spd="med">
         <p:fade/>
       </p:transition>

--- a/Presentation.pptx
+++ b/Presentation.pptx
@@ -3127,7 +3127,7 @@
 <dgm:dataModel xmlns:dgm="http://schemas.openxmlformats.org/drawingml/2006/diagram" xmlns:a="http://schemas.openxmlformats.org/drawingml/2006/main">
   <dgm:ptLst>
     <dgm:pt modelId="{205ED472-4B9E-46F4-9928-0168EA146CE6}" type="doc">
-      <dgm:prSet loTypeId="urn:microsoft.com/office/officeart/2005/8/layout/hProcess11" loCatId="process" qsTypeId="urn:microsoft.com/office/officeart/2005/8/quickstyle/simple2" qsCatId="simple" csTypeId="urn:microsoft.com/office/officeart/2005/8/colors/accent1_2" csCatId="accent1"/>
+      <dgm:prSet loTypeId="urn:microsoft.com/office/officeart/2005/8/layout/hProcess11" loCatId="process" qsTypeId="urn:microsoft.com/office/officeart/2005/8/quickstyle/simple2" qsCatId="simple" csTypeId="urn:microsoft.com/office/officeart/2005/8/colors/accent1_2" csCatId="accent1" phldr="1"/>
       <dgm:spPr/>
       <dgm:t>
         <a:bodyPr/>
@@ -3260,10 +3260,10 @@
         <a:p>
           <a:pPr rtl="0"/>
           <a:r>
-            <a:rPr lang="en-US" smtClean="0"/>
+            <a:rPr lang="en-US" dirty="0" smtClean="0"/>
             <a:t>Validation</a:t>
           </a:r>
-          <a:endParaRPr lang="pt-PT"/>
+          <a:endParaRPr lang="pt-PT" dirty="0"/>
         </a:p>
       </dgm:t>
     </dgm:pt>
@@ -3298,10 +3298,10 @@
         <a:p>
           <a:pPr rtl="0"/>
           <a:r>
-            <a:rPr lang="en-US" smtClean="0"/>
+            <a:rPr lang="en-US" dirty="0" smtClean="0"/>
             <a:t>Future work</a:t>
           </a:r>
-          <a:endParaRPr lang="pt-PT"/>
+          <a:endParaRPr lang="pt-PT" dirty="0"/>
         </a:p>
       </dgm:t>
     </dgm:pt>
@@ -3336,10 +3336,10 @@
         <a:p>
           <a:pPr rtl="0"/>
           <a:r>
-            <a:rPr lang="en-US" smtClean="0"/>
+            <a:rPr lang="en-US" dirty="0" smtClean="0"/>
             <a:t>Demo</a:t>
           </a:r>
-          <a:endParaRPr lang="pt-PT"/>
+          <a:endParaRPr lang="pt-PT" dirty="0"/>
         </a:p>
       </dgm:t>
     </dgm:pt>
@@ -3355,6 +3355,44 @@
       </dgm:t>
     </dgm:pt>
     <dgm:pt modelId="{6F27E9B6-ED32-45A1-86DF-B969A10DC37E}" type="sibTrans" cxnId="{EEF951C0-D15E-4112-ACFB-0CC39C8A3A30}">
+      <dgm:prSet/>
+      <dgm:spPr/>
+      <dgm:t>
+        <a:bodyPr/>
+        <a:lstStyle/>
+        <a:p>
+          <a:endParaRPr lang="en-US"/>
+        </a:p>
+      </dgm:t>
+    </dgm:pt>
+    <dgm:pt modelId="{66BCB2D9-9467-432C-ACA4-9D2D341125F6}">
+      <dgm:prSet/>
+      <dgm:spPr/>
+      <dgm:t>
+        <a:bodyPr/>
+        <a:lstStyle/>
+        <a:p>
+          <a:pPr rtl="0"/>
+          <a:r>
+            <a:rPr lang="en-US" noProof="0" smtClean="0"/>
+            <a:t>Conclusions</a:t>
+          </a:r>
+          <a:endParaRPr lang="pt-PT" dirty="0"/>
+        </a:p>
+      </dgm:t>
+    </dgm:pt>
+    <dgm:pt modelId="{5AAF2D27-7088-4A12-AE57-7AD80DBCA0AB}" type="parTrans" cxnId="{6A3062F8-D890-419D-A2B5-0EC7F8B0BDC5}">
+      <dgm:prSet/>
+      <dgm:spPr/>
+      <dgm:t>
+        <a:bodyPr/>
+        <a:lstStyle/>
+        <a:p>
+          <a:endParaRPr lang="en-US"/>
+        </a:p>
+      </dgm:t>
+    </dgm:pt>
+    <dgm:pt modelId="{5A4E80FE-989A-4F54-BEAE-81BEDE1111DF}" type="sibTrans" cxnId="{6A3062F8-D890-419D-A2B5-0EC7F8B0BDC5}">
       <dgm:prSet/>
       <dgm:spPr/>
       <dgm:t>
@@ -3394,7 +3432,7 @@
       <dgm:spPr/>
     </dgm:pt>
     <dgm:pt modelId="{83F47920-5A54-4922-A03D-50CD86510BF7}" type="pres">
-      <dgm:prSet presAssocID="{600BB5EE-883F-4C53-8131-388014E0EAB0}" presName="textA" presStyleLbl="revTx" presStyleIdx="0" presStyleCnt="6">
+      <dgm:prSet presAssocID="{600BB5EE-883F-4C53-8131-388014E0EAB0}" presName="textA" presStyleLbl="revTx" presStyleIdx="0" presStyleCnt="7">
         <dgm:presLayoutVars>
           <dgm:bulletEnabled val="1"/>
         </dgm:presLayoutVars>
@@ -3409,7 +3447,7 @@
       </dgm:t>
     </dgm:pt>
     <dgm:pt modelId="{4C66ABAF-F858-45EE-8E27-100C5AF98003}" type="pres">
-      <dgm:prSet presAssocID="{600BB5EE-883F-4C53-8131-388014E0EAB0}" presName="circleA" presStyleLbl="node1" presStyleIdx="0" presStyleCnt="6"/>
+      <dgm:prSet presAssocID="{600BB5EE-883F-4C53-8131-388014E0EAB0}" presName="circleA" presStyleLbl="node1" presStyleIdx="0" presStyleCnt="7"/>
       <dgm:spPr/>
     </dgm:pt>
     <dgm:pt modelId="{632C3C0F-C06D-40C7-8FD3-C5D22D64241E}" type="pres">
@@ -3425,7 +3463,7 @@
       <dgm:spPr/>
     </dgm:pt>
     <dgm:pt modelId="{FABD5C09-3D12-476A-845D-505E6F756FDC}" type="pres">
-      <dgm:prSet presAssocID="{678D5C55-5C64-4096-A3A9-345BFFEBABB1}" presName="textB" presStyleLbl="revTx" presStyleIdx="1" presStyleCnt="6">
+      <dgm:prSet presAssocID="{678D5C55-5C64-4096-A3A9-345BFFEBABB1}" presName="textB" presStyleLbl="revTx" presStyleIdx="1" presStyleCnt="7">
         <dgm:presLayoutVars>
           <dgm:bulletEnabled val="1"/>
         </dgm:presLayoutVars>
@@ -3440,7 +3478,7 @@
       </dgm:t>
     </dgm:pt>
     <dgm:pt modelId="{FE43E975-316B-4084-840D-949174118412}" type="pres">
-      <dgm:prSet presAssocID="{678D5C55-5C64-4096-A3A9-345BFFEBABB1}" presName="circleB" presStyleLbl="node1" presStyleIdx="1" presStyleCnt="6"/>
+      <dgm:prSet presAssocID="{678D5C55-5C64-4096-A3A9-345BFFEBABB1}" presName="circleB" presStyleLbl="node1" presStyleIdx="1" presStyleCnt="7"/>
       <dgm:spPr/>
     </dgm:pt>
     <dgm:pt modelId="{E3EFCD4A-5696-4DF6-826F-A4A9B26BF9F7}" type="pres">
@@ -3456,7 +3494,7 @@
       <dgm:spPr/>
     </dgm:pt>
     <dgm:pt modelId="{1B7AA1BD-D48F-443B-BEA3-DCFC4D098774}" type="pres">
-      <dgm:prSet presAssocID="{FD1E63D8-ECDE-48EB-82E6-2D1C4D5564E1}" presName="textA" presStyleLbl="revTx" presStyleIdx="2" presStyleCnt="6">
+      <dgm:prSet presAssocID="{FD1E63D8-ECDE-48EB-82E6-2D1C4D5564E1}" presName="textA" presStyleLbl="revTx" presStyleIdx="2" presStyleCnt="7">
         <dgm:presLayoutVars>
           <dgm:bulletEnabled val="1"/>
         </dgm:presLayoutVars>
@@ -3471,7 +3509,7 @@
       </dgm:t>
     </dgm:pt>
     <dgm:pt modelId="{8C673A7A-40E7-4A60-8859-BDEBADF6834B}" type="pres">
-      <dgm:prSet presAssocID="{FD1E63D8-ECDE-48EB-82E6-2D1C4D5564E1}" presName="circleA" presStyleLbl="node1" presStyleIdx="2" presStyleCnt="6"/>
+      <dgm:prSet presAssocID="{FD1E63D8-ECDE-48EB-82E6-2D1C4D5564E1}" presName="circleA" presStyleLbl="node1" presStyleIdx="2" presStyleCnt="7"/>
       <dgm:spPr/>
     </dgm:pt>
     <dgm:pt modelId="{E084650E-31A8-400D-A5E9-072470BE2587}" type="pres">
@@ -3487,7 +3525,7 @@
       <dgm:spPr/>
     </dgm:pt>
     <dgm:pt modelId="{E9F1D913-8779-4D6F-9709-9F78F5E4A7C3}" type="pres">
-      <dgm:prSet presAssocID="{0E4C52EE-BC78-49F6-87B5-2634629AD09B}" presName="textB" presStyleLbl="revTx" presStyleIdx="3" presStyleCnt="6">
+      <dgm:prSet presAssocID="{0E4C52EE-BC78-49F6-87B5-2634629AD09B}" presName="textB" presStyleLbl="revTx" presStyleIdx="3" presStyleCnt="7">
         <dgm:presLayoutVars>
           <dgm:bulletEnabled val="1"/>
         </dgm:presLayoutVars>
@@ -3502,7 +3540,7 @@
       </dgm:t>
     </dgm:pt>
     <dgm:pt modelId="{9FA6561B-5AA2-43D3-B692-DF6E0D3A217A}" type="pres">
-      <dgm:prSet presAssocID="{0E4C52EE-BC78-49F6-87B5-2634629AD09B}" presName="circleB" presStyleLbl="node1" presStyleIdx="3" presStyleCnt="6"/>
+      <dgm:prSet presAssocID="{0E4C52EE-BC78-49F6-87B5-2634629AD09B}" presName="circleB" presStyleLbl="node1" presStyleIdx="3" presStyleCnt="7"/>
       <dgm:spPr/>
     </dgm:pt>
     <dgm:pt modelId="{0D54237F-87AA-4630-B891-2ADB39C27AF5}" type="pres">
@@ -3513,12 +3551,12 @@
       <dgm:prSet presAssocID="{EB42C384-63B1-41E7-A8FB-DA2AF0D822C6}" presName="space" presStyleCnt="0"/>
       <dgm:spPr/>
     </dgm:pt>
-    <dgm:pt modelId="{E9B28AF1-6F54-436B-ADD5-7F2746048BED}" type="pres">
-      <dgm:prSet presAssocID="{9277689F-998B-443E-B6E2-1AC87C3586C0}" presName="compositeA" presStyleCnt="0"/>
+    <dgm:pt modelId="{C178C03B-018C-4F20-BC46-96863D9B8356}" type="pres">
+      <dgm:prSet presAssocID="{66BCB2D9-9467-432C-ACA4-9D2D341125F6}" presName="compositeA" presStyleCnt="0"/>
       <dgm:spPr/>
     </dgm:pt>
-    <dgm:pt modelId="{DDCEA94C-59AB-4BD2-BB88-308F19A9B2FC}" type="pres">
-      <dgm:prSet presAssocID="{9277689F-998B-443E-B6E2-1AC87C3586C0}" presName="textA" presStyleLbl="revTx" presStyleIdx="4" presStyleCnt="6">
+    <dgm:pt modelId="{FD2AE53C-9548-49E3-8BA3-F9458AF32E33}" type="pres">
+      <dgm:prSet presAssocID="{66BCB2D9-9467-432C-ACA4-9D2D341125F6}" presName="textA" presStyleLbl="revTx" presStyleIdx="4" presStyleCnt="7">
         <dgm:presLayoutVars>
           <dgm:bulletEnabled val="1"/>
         </dgm:presLayoutVars>
@@ -3528,28 +3566,28 @@
         <a:bodyPr/>
         <a:lstStyle/>
         <a:p>
-          <a:endParaRPr lang="pt-PT"/>
+          <a:endParaRPr lang="en-US"/>
         </a:p>
       </dgm:t>
     </dgm:pt>
-    <dgm:pt modelId="{9FB57AD7-680F-4B07-90BA-41549F6C528B}" type="pres">
-      <dgm:prSet presAssocID="{9277689F-998B-443E-B6E2-1AC87C3586C0}" presName="circleA" presStyleLbl="node1" presStyleIdx="4" presStyleCnt="6"/>
+    <dgm:pt modelId="{3DB87EFF-6477-49EC-9CA8-F7358713D10F}" type="pres">
+      <dgm:prSet presAssocID="{66BCB2D9-9467-432C-ACA4-9D2D341125F6}" presName="circleA" presStyleLbl="node1" presStyleIdx="4" presStyleCnt="7"/>
       <dgm:spPr/>
     </dgm:pt>
-    <dgm:pt modelId="{EC902E21-268B-4777-A236-213EA9BB5188}" type="pres">
-      <dgm:prSet presAssocID="{9277689F-998B-443E-B6E2-1AC87C3586C0}" presName="spaceA" presStyleCnt="0"/>
+    <dgm:pt modelId="{D69ECB72-0D9F-4E96-AE8F-1F770FEE0715}" type="pres">
+      <dgm:prSet presAssocID="{66BCB2D9-9467-432C-ACA4-9D2D341125F6}" presName="spaceA" presStyleCnt="0"/>
       <dgm:spPr/>
     </dgm:pt>
-    <dgm:pt modelId="{25EC83EE-C47A-4D36-9100-E6E69BBE8DE9}" type="pres">
-      <dgm:prSet presAssocID="{17472591-5B4C-4158-84A2-8C7C4369677D}" presName="space" presStyleCnt="0"/>
+    <dgm:pt modelId="{0E00A913-F2FD-47C3-A620-3291EA1619D9}" type="pres">
+      <dgm:prSet presAssocID="{5A4E80FE-989A-4F54-BEAE-81BEDE1111DF}" presName="space" presStyleCnt="0"/>
       <dgm:spPr/>
     </dgm:pt>
-    <dgm:pt modelId="{9E5A95F0-DAAA-4D7B-9FED-3E6E80128DB0}" type="pres">
-      <dgm:prSet presAssocID="{FD99C300-FD48-4806-8C37-A44B53EAEF77}" presName="compositeB" presStyleCnt="0"/>
+    <dgm:pt modelId="{7434614E-D2F9-4E6E-8733-0747EA83D89B}" type="pres">
+      <dgm:prSet presAssocID="{9277689F-998B-443E-B6E2-1AC87C3586C0}" presName="compositeB" presStyleCnt="0"/>
       <dgm:spPr/>
     </dgm:pt>
-    <dgm:pt modelId="{E09B0CBF-356A-4A15-889C-60A702475BE9}" type="pres">
-      <dgm:prSet presAssocID="{FD99C300-FD48-4806-8C37-A44B53EAEF77}" presName="textB" presStyleLbl="revTx" presStyleIdx="5" presStyleCnt="6">
+    <dgm:pt modelId="{1AC22EB2-E022-43F9-A474-207669B6E4EF}" type="pres">
+      <dgm:prSet presAssocID="{9277689F-998B-443E-B6E2-1AC87C3586C0}" presName="textB" presStyleLbl="revTx" presStyleIdx="5" presStyleCnt="7">
         <dgm:presLayoutVars>
           <dgm:bulletEnabled val="1"/>
         </dgm:presLayoutVars>
@@ -3559,32 +3597,65 @@
         <a:bodyPr/>
         <a:lstStyle/>
         <a:p>
-          <a:endParaRPr lang="pt-PT"/>
+          <a:endParaRPr lang="en-US"/>
         </a:p>
       </dgm:t>
     </dgm:pt>
-    <dgm:pt modelId="{2111E7A9-9D83-45F4-9D7D-50B677D07623}" type="pres">
-      <dgm:prSet presAssocID="{FD99C300-FD48-4806-8C37-A44B53EAEF77}" presName="circleB" presStyleLbl="node1" presStyleIdx="5" presStyleCnt="6"/>
+    <dgm:pt modelId="{A623CBE5-EB79-4551-B3EB-17A4C743FC43}" type="pres">
+      <dgm:prSet presAssocID="{9277689F-998B-443E-B6E2-1AC87C3586C0}" presName="circleB" presStyleLbl="node1" presStyleIdx="5" presStyleCnt="7"/>
       <dgm:spPr/>
     </dgm:pt>
-    <dgm:pt modelId="{B61AB197-7CCF-4E45-AF43-302396EC787B}" type="pres">
-      <dgm:prSet presAssocID="{FD99C300-FD48-4806-8C37-A44B53EAEF77}" presName="spaceB" presStyleCnt="0"/>
+    <dgm:pt modelId="{2AB1C573-D030-46F1-AB05-1D6ADE98FC4B}" type="pres">
+      <dgm:prSet presAssocID="{9277689F-998B-443E-B6E2-1AC87C3586C0}" presName="spaceB" presStyleCnt="0"/>
+      <dgm:spPr/>
+    </dgm:pt>
+    <dgm:pt modelId="{25EC83EE-C47A-4D36-9100-E6E69BBE8DE9}" type="pres">
+      <dgm:prSet presAssocID="{17472591-5B4C-4158-84A2-8C7C4369677D}" presName="space" presStyleCnt="0"/>
+      <dgm:spPr/>
+    </dgm:pt>
+    <dgm:pt modelId="{6C35D635-05FE-4DE3-A4C9-023004F38DE0}" type="pres">
+      <dgm:prSet presAssocID="{FD99C300-FD48-4806-8C37-A44B53EAEF77}" presName="compositeA" presStyleCnt="0"/>
+      <dgm:spPr/>
+    </dgm:pt>
+    <dgm:pt modelId="{255AD753-B936-48E6-BD42-3BF9F6CF7315}" type="pres">
+      <dgm:prSet presAssocID="{FD99C300-FD48-4806-8C37-A44B53EAEF77}" presName="textA" presStyleLbl="revTx" presStyleIdx="6" presStyleCnt="7">
+        <dgm:presLayoutVars>
+          <dgm:bulletEnabled val="1"/>
+        </dgm:presLayoutVars>
+      </dgm:prSet>
+      <dgm:spPr/>
+      <dgm:t>
+        <a:bodyPr/>
+        <a:lstStyle/>
+        <a:p>
+          <a:endParaRPr lang="en-US"/>
+        </a:p>
+      </dgm:t>
+    </dgm:pt>
+    <dgm:pt modelId="{39EBDB1F-1143-445D-8C41-B03D79E8F341}" type="pres">
+      <dgm:prSet presAssocID="{FD99C300-FD48-4806-8C37-A44B53EAEF77}" presName="circleA" presStyleLbl="node1" presStyleIdx="6" presStyleCnt="7"/>
+      <dgm:spPr/>
+    </dgm:pt>
+    <dgm:pt modelId="{EE09043D-3FA5-42D5-B52F-D15644EBE5D2}" type="pres">
+      <dgm:prSet presAssocID="{FD99C300-FD48-4806-8C37-A44B53EAEF77}" presName="spaceA" presStyleCnt="0"/>
       <dgm:spPr/>
     </dgm:pt>
   </dgm:ptLst>
   <dgm:cxnLst>
     <dgm:cxn modelId="{049CD290-C860-4B09-8334-D623A1E4ADCF}" srcId="{205ED472-4B9E-46F4-9928-0168EA146CE6}" destId="{600BB5EE-883F-4C53-8131-388014E0EAB0}" srcOrd="0" destOrd="0" parTransId="{2EDBE207-5D71-46AA-B59B-0DC0A891512E}" sibTransId="{DE32AB66-7855-4C7A-A6C4-1E634A008EA3}"/>
     <dgm:cxn modelId="{1740A107-D0CB-47B3-9BC8-8F81ACB481C9}" type="presOf" srcId="{FD1E63D8-ECDE-48EB-82E6-2D1C4D5564E1}" destId="{1B7AA1BD-D48F-443B-BEA3-DCFC4D098774}" srcOrd="0" destOrd="0" presId="urn:microsoft.com/office/officeart/2005/8/layout/hProcess11"/>
-    <dgm:cxn modelId="{459BC65E-33F0-4445-ABF4-4E4F818FE432}" srcId="{205ED472-4B9E-46F4-9928-0168EA146CE6}" destId="{9277689F-998B-443E-B6E2-1AC87C3586C0}" srcOrd="4" destOrd="0" parTransId="{292C2292-3F39-4324-A3E6-C41F314BF3A3}" sibTransId="{17472591-5B4C-4158-84A2-8C7C4369677D}"/>
+    <dgm:cxn modelId="{459BC65E-33F0-4445-ABF4-4E4F818FE432}" srcId="{205ED472-4B9E-46F4-9928-0168EA146CE6}" destId="{9277689F-998B-443E-B6E2-1AC87C3586C0}" srcOrd="5" destOrd="0" parTransId="{292C2292-3F39-4324-A3E6-C41F314BF3A3}" sibTransId="{17472591-5B4C-4158-84A2-8C7C4369677D}"/>
+    <dgm:cxn modelId="{3E2E05B5-3100-43FE-9724-DA691DF10612}" type="presOf" srcId="{FD99C300-FD48-4806-8C37-A44B53EAEF77}" destId="{255AD753-B936-48E6-BD42-3BF9F6CF7315}" srcOrd="0" destOrd="0" presId="urn:microsoft.com/office/officeart/2005/8/layout/hProcess11"/>
     <dgm:cxn modelId="{9D5CD475-4041-4378-A92D-5E60B206B41F}" type="presOf" srcId="{678D5C55-5C64-4096-A3A9-345BFFEBABB1}" destId="{FABD5C09-3D12-476A-845D-505E6F756FDC}" srcOrd="0" destOrd="0" presId="urn:microsoft.com/office/officeart/2005/8/layout/hProcess11"/>
-    <dgm:cxn modelId="{91D221D1-65E6-404A-86EE-20EF1DEE9025}" type="presOf" srcId="{9277689F-998B-443E-B6E2-1AC87C3586C0}" destId="{DDCEA94C-59AB-4BD2-BB88-308F19A9B2FC}" srcOrd="0" destOrd="0" presId="urn:microsoft.com/office/officeart/2005/8/layout/hProcess11"/>
     <dgm:cxn modelId="{C1686856-80DE-42AE-AF0B-10F82C8F221E}" type="presOf" srcId="{0E4C52EE-BC78-49F6-87B5-2634629AD09B}" destId="{E9F1D913-8779-4D6F-9709-9F78F5E4A7C3}" srcOrd="0" destOrd="0" presId="urn:microsoft.com/office/officeart/2005/8/layout/hProcess11"/>
-    <dgm:cxn modelId="{614EB751-59D7-4A17-84B7-059B41596986}" type="presOf" srcId="{FD99C300-FD48-4806-8C37-A44B53EAEF77}" destId="{E09B0CBF-356A-4A15-889C-60A702475BE9}" srcOrd="0" destOrd="0" presId="urn:microsoft.com/office/officeart/2005/8/layout/hProcess11"/>
+    <dgm:cxn modelId="{6A3062F8-D890-419D-A2B5-0EC7F8B0BDC5}" srcId="{205ED472-4B9E-46F4-9928-0168EA146CE6}" destId="{66BCB2D9-9467-432C-ACA4-9D2D341125F6}" srcOrd="4" destOrd="0" parTransId="{5AAF2D27-7088-4A12-AE57-7AD80DBCA0AB}" sibTransId="{5A4E80FE-989A-4F54-BEAE-81BEDE1111DF}"/>
     <dgm:cxn modelId="{E6C0FA56-E7DD-4C63-9114-FEB7E919573D}" srcId="{205ED472-4B9E-46F4-9928-0168EA146CE6}" destId="{FD1E63D8-ECDE-48EB-82E6-2D1C4D5564E1}" srcOrd="2" destOrd="0" parTransId="{D2655DB4-DF4D-4E61-9554-4B5EF5E2A5B0}" sibTransId="{17215846-26C8-43CC-AA17-AA8A81B0973F}"/>
     <dgm:cxn modelId="{0AE5CE04-6523-49BF-99D0-D3529695ACBB}" srcId="{205ED472-4B9E-46F4-9928-0168EA146CE6}" destId="{678D5C55-5C64-4096-A3A9-345BFFEBABB1}" srcOrd="1" destOrd="0" parTransId="{89834515-8B91-4CC4-BD09-B9A99BE23A99}" sibTransId="{7C9AD068-A016-4263-AFC5-218AE38A5A07}"/>
-    <dgm:cxn modelId="{EEF951C0-D15E-4112-ACFB-0CC39C8A3A30}" srcId="{205ED472-4B9E-46F4-9928-0168EA146CE6}" destId="{FD99C300-FD48-4806-8C37-A44B53EAEF77}" srcOrd="5" destOrd="0" parTransId="{4C126FE3-7E01-4534-85C9-6A492A535542}" sibTransId="{6F27E9B6-ED32-45A1-86DF-B969A10DC37E}"/>
+    <dgm:cxn modelId="{EEF951C0-D15E-4112-ACFB-0CC39C8A3A30}" srcId="{205ED472-4B9E-46F4-9928-0168EA146CE6}" destId="{FD99C300-FD48-4806-8C37-A44B53EAEF77}" srcOrd="6" destOrd="0" parTransId="{4C126FE3-7E01-4534-85C9-6A492A535542}" sibTransId="{6F27E9B6-ED32-45A1-86DF-B969A10DC37E}"/>
     <dgm:cxn modelId="{9ECED857-4619-49FE-B6DC-9B6A76B1578E}" srcId="{205ED472-4B9E-46F4-9928-0168EA146CE6}" destId="{0E4C52EE-BC78-49F6-87B5-2634629AD09B}" srcOrd="3" destOrd="0" parTransId="{1F516811-1A03-4065-88D0-C7383404DBFF}" sibTransId="{EB42C384-63B1-41E7-A8FB-DA2AF0D822C6}"/>
     <dgm:cxn modelId="{370EA4D6-15C9-4517-B1EF-A5473C979A3B}" type="presOf" srcId="{600BB5EE-883F-4C53-8131-388014E0EAB0}" destId="{83F47920-5A54-4922-A03D-50CD86510BF7}" srcOrd="0" destOrd="0" presId="urn:microsoft.com/office/officeart/2005/8/layout/hProcess11"/>
+    <dgm:cxn modelId="{CB65026E-7847-4085-91F9-4E09282748C4}" type="presOf" srcId="{9277689F-998B-443E-B6E2-1AC87C3586C0}" destId="{1AC22EB2-E022-43F9-A474-207669B6E4EF}" srcOrd="0" destOrd="0" presId="urn:microsoft.com/office/officeart/2005/8/layout/hProcess11"/>
+    <dgm:cxn modelId="{ADB25F27-CCAC-4531-A761-8480B6103293}" type="presOf" srcId="{66BCB2D9-9467-432C-ACA4-9D2D341125F6}" destId="{FD2AE53C-9548-49E3-8BA3-F9458AF32E33}" srcOrd="0" destOrd="0" presId="urn:microsoft.com/office/officeart/2005/8/layout/hProcess11"/>
     <dgm:cxn modelId="{F80E9EDB-C81A-4286-B84D-F06CD25FC19E}" type="presOf" srcId="{205ED472-4B9E-46F4-9928-0168EA146CE6}" destId="{A671F881-E918-4CAA-A0FF-A8648D58A624}" srcOrd="0" destOrd="0" presId="urn:microsoft.com/office/officeart/2005/8/layout/hProcess11"/>
     <dgm:cxn modelId="{BBD5F5B5-416B-42AB-AA78-7DB07CCEFF89}" type="presParOf" srcId="{A671F881-E918-4CAA-A0FF-A8648D58A624}" destId="{315298FE-B74A-47F3-AEA6-910132CF7A54}" srcOrd="0" destOrd="0" presId="urn:microsoft.com/office/officeart/2005/8/layout/hProcess11"/>
     <dgm:cxn modelId="{C7C705D5-7BA7-4E22-805C-FB232BBA3E1D}" type="presParOf" srcId="{A671F881-E918-4CAA-A0FF-A8648D58A624}" destId="{D2113E89-6361-4451-96F1-E679C11E11A3}" srcOrd="1" destOrd="0" presId="urn:microsoft.com/office/officeart/2005/8/layout/hProcess11"/>
@@ -3608,15 +3679,20 @@
     <dgm:cxn modelId="{07BA61D3-14DF-41C3-A203-EAE57149D72D}" type="presParOf" srcId="{43FDD24B-4A85-4EC6-8530-05551295569C}" destId="{9FA6561B-5AA2-43D3-B692-DF6E0D3A217A}" srcOrd="1" destOrd="0" presId="urn:microsoft.com/office/officeart/2005/8/layout/hProcess11"/>
     <dgm:cxn modelId="{CDAE7D59-90E5-4A55-82C9-02DED353679C}" type="presParOf" srcId="{43FDD24B-4A85-4EC6-8530-05551295569C}" destId="{0D54237F-87AA-4630-B891-2ADB39C27AF5}" srcOrd="2" destOrd="0" presId="urn:microsoft.com/office/officeart/2005/8/layout/hProcess11"/>
     <dgm:cxn modelId="{4A9ED908-5F69-43CD-AA72-CCC67AF15BC7}" type="presParOf" srcId="{D2113E89-6361-4451-96F1-E679C11E11A3}" destId="{A54F2305-A26A-41A2-A55F-8C5433D1CDAB}" srcOrd="7" destOrd="0" presId="urn:microsoft.com/office/officeart/2005/8/layout/hProcess11"/>
-    <dgm:cxn modelId="{E09D2B1B-7477-47F7-A65E-C4A456D40662}" type="presParOf" srcId="{D2113E89-6361-4451-96F1-E679C11E11A3}" destId="{E9B28AF1-6F54-436B-ADD5-7F2746048BED}" srcOrd="8" destOrd="0" presId="urn:microsoft.com/office/officeart/2005/8/layout/hProcess11"/>
-    <dgm:cxn modelId="{0B94E25F-8ED1-4E83-908C-6587D223DB27}" type="presParOf" srcId="{E9B28AF1-6F54-436B-ADD5-7F2746048BED}" destId="{DDCEA94C-59AB-4BD2-BB88-308F19A9B2FC}" srcOrd="0" destOrd="0" presId="urn:microsoft.com/office/officeart/2005/8/layout/hProcess11"/>
-    <dgm:cxn modelId="{E2703236-4197-480E-BC47-9C59D79B75BC}" type="presParOf" srcId="{E9B28AF1-6F54-436B-ADD5-7F2746048BED}" destId="{9FB57AD7-680F-4B07-90BA-41549F6C528B}" srcOrd="1" destOrd="0" presId="urn:microsoft.com/office/officeart/2005/8/layout/hProcess11"/>
-    <dgm:cxn modelId="{A9C47A3E-F901-43AE-91C3-378A173FC35E}" type="presParOf" srcId="{E9B28AF1-6F54-436B-ADD5-7F2746048BED}" destId="{EC902E21-268B-4777-A236-213EA9BB5188}" srcOrd="2" destOrd="0" presId="urn:microsoft.com/office/officeart/2005/8/layout/hProcess11"/>
-    <dgm:cxn modelId="{22EB038E-5B3B-4C93-AE14-7B8521AA26F2}" type="presParOf" srcId="{D2113E89-6361-4451-96F1-E679C11E11A3}" destId="{25EC83EE-C47A-4D36-9100-E6E69BBE8DE9}" srcOrd="9" destOrd="0" presId="urn:microsoft.com/office/officeart/2005/8/layout/hProcess11"/>
-    <dgm:cxn modelId="{E028B70F-319D-4C91-8675-EA90384B5FC6}" type="presParOf" srcId="{D2113E89-6361-4451-96F1-E679C11E11A3}" destId="{9E5A95F0-DAAA-4D7B-9FED-3E6E80128DB0}" srcOrd="10" destOrd="0" presId="urn:microsoft.com/office/officeart/2005/8/layout/hProcess11"/>
-    <dgm:cxn modelId="{1872E214-462D-4F28-BD7D-408BCC7DA824}" type="presParOf" srcId="{9E5A95F0-DAAA-4D7B-9FED-3E6E80128DB0}" destId="{E09B0CBF-356A-4A15-889C-60A702475BE9}" srcOrd="0" destOrd="0" presId="urn:microsoft.com/office/officeart/2005/8/layout/hProcess11"/>
-    <dgm:cxn modelId="{982ED0A6-FC4C-40D8-B174-4858F80DBC3E}" type="presParOf" srcId="{9E5A95F0-DAAA-4D7B-9FED-3E6E80128DB0}" destId="{2111E7A9-9D83-45F4-9D7D-50B677D07623}" srcOrd="1" destOrd="0" presId="urn:microsoft.com/office/officeart/2005/8/layout/hProcess11"/>
-    <dgm:cxn modelId="{92AA4CB4-5831-42B0-B457-9A44DECD3BB5}" type="presParOf" srcId="{9E5A95F0-DAAA-4D7B-9FED-3E6E80128DB0}" destId="{B61AB197-7CCF-4E45-AF43-302396EC787B}" srcOrd="2" destOrd="0" presId="urn:microsoft.com/office/officeart/2005/8/layout/hProcess11"/>
+    <dgm:cxn modelId="{0AA9BB98-D0A0-40AA-B4D8-134F5716EFEC}" type="presParOf" srcId="{D2113E89-6361-4451-96F1-E679C11E11A3}" destId="{C178C03B-018C-4F20-BC46-96863D9B8356}" srcOrd="8" destOrd="0" presId="urn:microsoft.com/office/officeart/2005/8/layout/hProcess11"/>
+    <dgm:cxn modelId="{91DD1C77-8B16-407F-B4AB-F2E1B5BE976E}" type="presParOf" srcId="{C178C03B-018C-4F20-BC46-96863D9B8356}" destId="{FD2AE53C-9548-49E3-8BA3-F9458AF32E33}" srcOrd="0" destOrd="0" presId="urn:microsoft.com/office/officeart/2005/8/layout/hProcess11"/>
+    <dgm:cxn modelId="{D86DC8C0-3943-4BC0-B25D-934F559F1301}" type="presParOf" srcId="{C178C03B-018C-4F20-BC46-96863D9B8356}" destId="{3DB87EFF-6477-49EC-9CA8-F7358713D10F}" srcOrd="1" destOrd="0" presId="urn:microsoft.com/office/officeart/2005/8/layout/hProcess11"/>
+    <dgm:cxn modelId="{BA3F4439-FBB9-43B8-901A-2C3A002636B0}" type="presParOf" srcId="{C178C03B-018C-4F20-BC46-96863D9B8356}" destId="{D69ECB72-0D9F-4E96-AE8F-1F770FEE0715}" srcOrd="2" destOrd="0" presId="urn:microsoft.com/office/officeart/2005/8/layout/hProcess11"/>
+    <dgm:cxn modelId="{46CBCBAF-2F06-4DFC-931E-87C8CC7967B7}" type="presParOf" srcId="{D2113E89-6361-4451-96F1-E679C11E11A3}" destId="{0E00A913-F2FD-47C3-A620-3291EA1619D9}" srcOrd="9" destOrd="0" presId="urn:microsoft.com/office/officeart/2005/8/layout/hProcess11"/>
+    <dgm:cxn modelId="{9B9E9988-EAEA-4D76-B0BE-00BAD63CE0F8}" type="presParOf" srcId="{D2113E89-6361-4451-96F1-E679C11E11A3}" destId="{7434614E-D2F9-4E6E-8733-0747EA83D89B}" srcOrd="10" destOrd="0" presId="urn:microsoft.com/office/officeart/2005/8/layout/hProcess11"/>
+    <dgm:cxn modelId="{50F728CB-CF82-4661-903B-1B071AD5C816}" type="presParOf" srcId="{7434614E-D2F9-4E6E-8733-0747EA83D89B}" destId="{1AC22EB2-E022-43F9-A474-207669B6E4EF}" srcOrd="0" destOrd="0" presId="urn:microsoft.com/office/officeart/2005/8/layout/hProcess11"/>
+    <dgm:cxn modelId="{AA43A148-0C5C-4318-AF25-5FA927BF55F8}" type="presParOf" srcId="{7434614E-D2F9-4E6E-8733-0747EA83D89B}" destId="{A623CBE5-EB79-4551-B3EB-17A4C743FC43}" srcOrd="1" destOrd="0" presId="urn:microsoft.com/office/officeart/2005/8/layout/hProcess11"/>
+    <dgm:cxn modelId="{BF308C28-483F-4458-A04A-B9538D9DCC80}" type="presParOf" srcId="{7434614E-D2F9-4E6E-8733-0747EA83D89B}" destId="{2AB1C573-D030-46F1-AB05-1D6ADE98FC4B}" srcOrd="2" destOrd="0" presId="urn:microsoft.com/office/officeart/2005/8/layout/hProcess11"/>
+    <dgm:cxn modelId="{22EB038E-5B3B-4C93-AE14-7B8521AA26F2}" type="presParOf" srcId="{D2113E89-6361-4451-96F1-E679C11E11A3}" destId="{25EC83EE-C47A-4D36-9100-E6E69BBE8DE9}" srcOrd="11" destOrd="0" presId="urn:microsoft.com/office/officeart/2005/8/layout/hProcess11"/>
+    <dgm:cxn modelId="{AAB629C4-65C1-4DC9-9272-921C0E897037}" type="presParOf" srcId="{D2113E89-6361-4451-96F1-E679C11E11A3}" destId="{6C35D635-05FE-4DE3-A4C9-023004F38DE0}" srcOrd="12" destOrd="0" presId="urn:microsoft.com/office/officeart/2005/8/layout/hProcess11"/>
+    <dgm:cxn modelId="{33A45C40-2C36-42F7-8206-ED1428330613}" type="presParOf" srcId="{6C35D635-05FE-4DE3-A4C9-023004F38DE0}" destId="{255AD753-B936-48E6-BD42-3BF9F6CF7315}" srcOrd="0" destOrd="0" presId="urn:microsoft.com/office/officeart/2005/8/layout/hProcess11"/>
+    <dgm:cxn modelId="{201AF093-F3EF-4D17-BBF4-C81AD32DE392}" type="presParOf" srcId="{6C35D635-05FE-4DE3-A4C9-023004F38DE0}" destId="{39EBDB1F-1143-445D-8C41-B03D79E8F341}" srcOrd="1" destOrd="0" presId="urn:microsoft.com/office/officeart/2005/8/layout/hProcess11"/>
+    <dgm:cxn modelId="{5FC0927A-36ED-4B4F-B953-C69F81127199}" type="presParOf" srcId="{6C35D635-05FE-4DE3-A4C9-023004F38DE0}" destId="{EE09043D-3FA5-42D5-B52F-D15644EBE5D2}" srcOrd="2" destOrd="0" presId="urn:microsoft.com/office/officeart/2005/8/layout/hProcess11"/>
   </dgm:cxnLst>
   <dgm:bg/>
   <dgm:whole/>
@@ -4378,15 +4454,7 @@
         <a:p>
           <a:r>
             <a:rPr lang="en-US" dirty="0" smtClean="0"/>
-            <a:t>Surround object with </a:t>
-          </a:r>
-          <a:r>
-            <a:rPr lang="en-US" dirty="0" smtClean="0"/>
-            <a:t>bounding </a:t>
-          </a:r>
-          <a:r>
-            <a:rPr lang="en-US" dirty="0" smtClean="0"/>
-            <a:t>box</a:t>
+            <a:t>Surround object with bounding box</a:t>
           </a:r>
           <a:endParaRPr lang="en-US" dirty="0"/>
         </a:p>
@@ -4534,11 +4602,7 @@
         <a:p>
           <a:r>
             <a:rPr lang="en-US" dirty="0" smtClean="0"/>
-            <a:t>Bounding </a:t>
-          </a:r>
-          <a:r>
-            <a:rPr lang="en-US" dirty="0" smtClean="0"/>
-            <a:t>box size</a:t>
+            <a:t>Bounding box size</a:t>
           </a:r>
           <a:endParaRPr lang="en-US" dirty="0"/>
         </a:p>
@@ -4612,11 +4676,7 @@
         <a:p>
           <a:r>
             <a:rPr lang="en-US" dirty="0" smtClean="0"/>
-            <a:t>Bounding </a:t>
-          </a:r>
-          <a:r>
-            <a:rPr lang="en-US" dirty="0" smtClean="0"/>
-            <a:t>box + Centroid </a:t>
+            <a:t>Bounding box + Centroid </a:t>
           </a:r>
           <a:endParaRPr lang="en-US" dirty="0"/>
         </a:p>
@@ -5853,8 +5913,8 @@
       </dsp:nvSpPr>
       <dsp:spPr>
         <a:xfrm>
-          <a:off x="2894" y="0"/>
-          <a:ext cx="1685419" cy="1873718"/>
+          <a:off x="900" y="0"/>
+          <a:ext cx="1443542" cy="1873718"/>
         </a:xfrm>
         <a:prstGeom prst="rect">
           <a:avLst/>
@@ -5878,12 +5938,12 @@
         <a:fontRef idx="minor"/>
       </dsp:style>
       <dsp:txBody>
-        <a:bodyPr spcFirstLastPara="0" vert="horz" wrap="square" lIns="149352" tIns="149352" rIns="149352" bIns="149352" numCol="1" spcCol="1270" anchor="b" anchorCtr="0">
+        <a:bodyPr spcFirstLastPara="0" vert="horz" wrap="square" lIns="128016" tIns="128016" rIns="128016" bIns="128016" numCol="1" spcCol="1270" anchor="b" anchorCtr="0">
           <a:noAutofit/>
         </a:bodyPr>
         <a:lstStyle/>
         <a:p>
-          <a:pPr lvl="0" algn="ctr" defTabSz="933450" rtl="0">
+          <a:pPr lvl="0" algn="ctr" defTabSz="800100" rtl="0">
             <a:lnSpc>
               <a:spcPct val="90000"/>
             </a:lnSpc>
@@ -5895,15 +5955,15 @@
             </a:spcAft>
           </a:pPr>
           <a:r>
-            <a:rPr lang="en-US" sz="2100" kern="1200" smtClean="0"/>
+            <a:rPr lang="en-US" sz="1800" kern="1200" smtClean="0"/>
             <a:t>Introduction</a:t>
           </a:r>
-          <a:endParaRPr lang="pt-PT" sz="2100" kern="1200"/>
+          <a:endParaRPr lang="pt-PT" sz="1800" kern="1200"/>
         </a:p>
       </dsp:txBody>
       <dsp:txXfrm>
-        <a:off x="2894" y="0"/>
-        <a:ext cx="1685419" cy="1873718"/>
+        <a:off x="900" y="0"/>
+        <a:ext cx="1443542" cy="1873718"/>
       </dsp:txXfrm>
     </dsp:sp>
     <dsp:sp modelId="{4C66ABAF-F858-45EE-8E27-100C5AF98003}">
@@ -5913,7 +5973,7 @@
       </dsp:nvSpPr>
       <dsp:spPr>
         <a:xfrm>
-          <a:off x="611390" y="2107932"/>
+          <a:off x="488457" y="2107932"/>
           <a:ext cx="468429" cy="468429"/>
         </a:xfrm>
         <a:prstGeom prst="ellipse">
@@ -5962,8 +6022,8 @@
       </dsp:nvSpPr>
       <dsp:spPr>
         <a:xfrm>
-          <a:off x="1772585" y="2810576"/>
-          <a:ext cx="1685419" cy="1873718"/>
+          <a:off x="1516620" y="2810576"/>
+          <a:ext cx="1443542" cy="1873718"/>
         </a:xfrm>
         <a:prstGeom prst="rect">
           <a:avLst/>
@@ -5987,12 +6047,12 @@
         <a:fontRef idx="minor"/>
       </dsp:style>
       <dsp:txBody>
-        <a:bodyPr spcFirstLastPara="0" vert="horz" wrap="square" lIns="149352" tIns="149352" rIns="149352" bIns="149352" numCol="1" spcCol="1270" anchor="t" anchorCtr="0">
+        <a:bodyPr spcFirstLastPara="0" vert="horz" wrap="square" lIns="128016" tIns="128016" rIns="128016" bIns="128016" numCol="1" spcCol="1270" anchor="t" anchorCtr="0">
           <a:noAutofit/>
         </a:bodyPr>
         <a:lstStyle/>
         <a:p>
-          <a:pPr lvl="0" algn="ctr" defTabSz="933450" rtl="0">
+          <a:pPr lvl="0" algn="ctr" defTabSz="800100" rtl="0">
             <a:lnSpc>
               <a:spcPct val="90000"/>
             </a:lnSpc>
@@ -6004,15 +6064,15 @@
             </a:spcAft>
           </a:pPr>
           <a:r>
-            <a:rPr lang="en-US" sz="2100" kern="1200" smtClean="0"/>
+            <a:rPr lang="en-US" sz="1800" kern="1200" smtClean="0"/>
             <a:t>Goals to achieve</a:t>
           </a:r>
-          <a:endParaRPr lang="pt-PT" sz="2100" kern="1200"/>
+          <a:endParaRPr lang="pt-PT" sz="1800" kern="1200"/>
         </a:p>
       </dsp:txBody>
       <dsp:txXfrm>
-        <a:off x="1772585" y="2810576"/>
-        <a:ext cx="1685419" cy="1873718"/>
+        <a:off x="1516620" y="2810576"/>
+        <a:ext cx="1443542" cy="1873718"/>
       </dsp:txXfrm>
     </dsp:sp>
     <dsp:sp modelId="{FE43E975-316B-4084-840D-949174118412}">
@@ -6022,7 +6082,7 @@
       </dsp:nvSpPr>
       <dsp:spPr>
         <a:xfrm>
-          <a:off x="2381080" y="2107932"/>
+          <a:off x="2004177" y="2107932"/>
           <a:ext cx="468429" cy="468429"/>
         </a:xfrm>
         <a:prstGeom prst="ellipse">
@@ -6071,8 +6131,8 @@
       </dsp:nvSpPr>
       <dsp:spPr>
         <a:xfrm>
-          <a:off x="3542276" y="0"/>
-          <a:ext cx="1685419" cy="1873718"/>
+          <a:off x="3032340" y="0"/>
+          <a:ext cx="1443542" cy="1873718"/>
         </a:xfrm>
         <a:prstGeom prst="rect">
           <a:avLst/>
@@ -6096,12 +6156,12 @@
         <a:fontRef idx="minor"/>
       </dsp:style>
       <dsp:txBody>
-        <a:bodyPr spcFirstLastPara="0" vert="horz" wrap="square" lIns="149352" tIns="149352" rIns="149352" bIns="149352" numCol="1" spcCol="1270" anchor="b" anchorCtr="0">
+        <a:bodyPr spcFirstLastPara="0" vert="horz" wrap="square" lIns="128016" tIns="128016" rIns="128016" bIns="128016" numCol="1" spcCol="1270" anchor="b" anchorCtr="0">
           <a:noAutofit/>
         </a:bodyPr>
         <a:lstStyle/>
         <a:p>
-          <a:pPr lvl="0" algn="ctr" defTabSz="933450" rtl="0">
+          <a:pPr lvl="0" algn="ctr" defTabSz="800100" rtl="0">
             <a:lnSpc>
               <a:spcPct val="90000"/>
             </a:lnSpc>
@@ -6113,15 +6173,15 @@
             </a:spcAft>
           </a:pPr>
           <a:r>
-            <a:rPr lang="en-US" sz="2100" kern="1200" smtClean="0"/>
+            <a:rPr lang="en-US" sz="1800" kern="1200" smtClean="0"/>
             <a:t>Approach to the problem</a:t>
           </a:r>
-          <a:endParaRPr lang="pt-PT" sz="2100" kern="1200"/>
+          <a:endParaRPr lang="pt-PT" sz="1800" kern="1200"/>
         </a:p>
       </dsp:txBody>
       <dsp:txXfrm>
-        <a:off x="3542276" y="0"/>
-        <a:ext cx="1685419" cy="1873718"/>
+        <a:off x="3032340" y="0"/>
+        <a:ext cx="1443542" cy="1873718"/>
       </dsp:txXfrm>
     </dsp:sp>
     <dsp:sp modelId="{8C673A7A-40E7-4A60-8859-BDEBADF6834B}">
@@ -6131,7 +6191,7 @@
       </dsp:nvSpPr>
       <dsp:spPr>
         <a:xfrm>
-          <a:off x="4150771" y="2107932"/>
+          <a:off x="3519897" y="2107932"/>
           <a:ext cx="468429" cy="468429"/>
         </a:xfrm>
         <a:prstGeom prst="ellipse">
@@ -6180,8 +6240,8 @@
       </dsp:nvSpPr>
       <dsp:spPr>
         <a:xfrm>
-          <a:off x="5311967" y="2810576"/>
-          <a:ext cx="1685419" cy="1873718"/>
+          <a:off x="4548060" y="2810576"/>
+          <a:ext cx="1443542" cy="1873718"/>
         </a:xfrm>
         <a:prstGeom prst="rect">
           <a:avLst/>
@@ -6205,12 +6265,12 @@
         <a:fontRef idx="minor"/>
       </dsp:style>
       <dsp:txBody>
-        <a:bodyPr spcFirstLastPara="0" vert="horz" wrap="square" lIns="149352" tIns="149352" rIns="149352" bIns="149352" numCol="1" spcCol="1270" anchor="t" anchorCtr="0">
+        <a:bodyPr spcFirstLastPara="0" vert="horz" wrap="square" lIns="128016" tIns="128016" rIns="128016" bIns="128016" numCol="1" spcCol="1270" anchor="t" anchorCtr="0">
           <a:noAutofit/>
         </a:bodyPr>
         <a:lstStyle/>
         <a:p>
-          <a:pPr lvl="0" algn="ctr" defTabSz="933450" rtl="0">
+          <a:pPr lvl="0" algn="ctr" defTabSz="800100" rtl="0">
             <a:lnSpc>
               <a:spcPct val="90000"/>
             </a:lnSpc>
@@ -6222,15 +6282,15 @@
             </a:spcAft>
           </a:pPr>
           <a:r>
-            <a:rPr lang="en-US" sz="2100" kern="1200" smtClean="0"/>
+            <a:rPr lang="en-US" sz="1800" kern="1200" dirty="0" smtClean="0"/>
             <a:t>Validation</a:t>
           </a:r>
-          <a:endParaRPr lang="pt-PT" sz="2100" kern="1200"/>
+          <a:endParaRPr lang="pt-PT" sz="1800" kern="1200" dirty="0"/>
         </a:p>
       </dsp:txBody>
       <dsp:txXfrm>
-        <a:off x="5311967" y="2810576"/>
-        <a:ext cx="1685419" cy="1873718"/>
+        <a:off x="4548060" y="2810576"/>
+        <a:ext cx="1443542" cy="1873718"/>
       </dsp:txXfrm>
     </dsp:sp>
     <dsp:sp modelId="{9FA6561B-5AA2-43D3-B692-DF6E0D3A217A}">
@@ -6240,7 +6300,7 @@
       </dsp:nvSpPr>
       <dsp:spPr>
         <a:xfrm>
-          <a:off x="5920462" y="2107932"/>
+          <a:off x="5035617" y="2107932"/>
           <a:ext cx="468429" cy="468429"/>
         </a:xfrm>
         <a:prstGeom prst="ellipse">
@@ -6282,15 +6342,15 @@
         </a:fontRef>
       </dsp:style>
     </dsp:sp>
-    <dsp:sp modelId="{DDCEA94C-59AB-4BD2-BB88-308F19A9B2FC}">
+    <dsp:sp modelId="{FD2AE53C-9548-49E3-8BA3-F9458AF32E33}">
       <dsp:nvSpPr>
         <dsp:cNvPr id="0" name=""/>
         <dsp:cNvSpPr/>
       </dsp:nvSpPr>
       <dsp:spPr>
         <a:xfrm>
-          <a:off x="7081658" y="0"/>
-          <a:ext cx="1685419" cy="1873718"/>
+          <a:off x="6063780" y="0"/>
+          <a:ext cx="1443542" cy="1873718"/>
         </a:xfrm>
         <a:prstGeom prst="rect">
           <a:avLst/>
@@ -6314,12 +6374,12 @@
         <a:fontRef idx="minor"/>
       </dsp:style>
       <dsp:txBody>
-        <a:bodyPr spcFirstLastPara="0" vert="horz" wrap="square" lIns="149352" tIns="149352" rIns="149352" bIns="149352" numCol="1" spcCol="1270" anchor="b" anchorCtr="0">
+        <a:bodyPr spcFirstLastPara="0" vert="horz" wrap="square" lIns="128016" tIns="128016" rIns="128016" bIns="128016" numCol="1" spcCol="1270" anchor="b" anchorCtr="0">
           <a:noAutofit/>
         </a:bodyPr>
         <a:lstStyle/>
         <a:p>
-          <a:pPr lvl="0" algn="ctr" defTabSz="933450" rtl="0">
+          <a:pPr lvl="0" algn="ctr" defTabSz="800100" rtl="0">
             <a:lnSpc>
               <a:spcPct val="90000"/>
             </a:lnSpc>
@@ -6331,25 +6391,25 @@
             </a:spcAft>
           </a:pPr>
           <a:r>
-            <a:rPr lang="en-US" sz="2100" kern="1200" smtClean="0"/>
-            <a:t>Future work</a:t>
+            <a:rPr lang="en-US" sz="1800" kern="1200" noProof="0" smtClean="0"/>
+            <a:t>Conclusions</a:t>
           </a:r>
-          <a:endParaRPr lang="pt-PT" sz="2100" kern="1200"/>
+          <a:endParaRPr lang="pt-PT" sz="1800" kern="1200" dirty="0"/>
         </a:p>
       </dsp:txBody>
       <dsp:txXfrm>
-        <a:off x="7081658" y="0"/>
-        <a:ext cx="1685419" cy="1873718"/>
+        <a:off x="6063780" y="0"/>
+        <a:ext cx="1443542" cy="1873718"/>
       </dsp:txXfrm>
     </dsp:sp>
-    <dsp:sp modelId="{9FB57AD7-680F-4B07-90BA-41549F6C528B}">
+    <dsp:sp modelId="{3DB87EFF-6477-49EC-9CA8-F7358713D10F}">
       <dsp:nvSpPr>
         <dsp:cNvPr id="0" name=""/>
         <dsp:cNvSpPr/>
       </dsp:nvSpPr>
       <dsp:spPr>
         <a:xfrm>
-          <a:off x="7690153" y="2107932"/>
+          <a:off x="6551337" y="2107932"/>
           <a:ext cx="468429" cy="468429"/>
         </a:xfrm>
         <a:prstGeom prst="ellipse">
@@ -6391,15 +6451,15 @@
         </a:fontRef>
       </dsp:style>
     </dsp:sp>
-    <dsp:sp modelId="{E09B0CBF-356A-4A15-889C-60A702475BE9}">
+    <dsp:sp modelId="{1AC22EB2-E022-43F9-A474-207669B6E4EF}">
       <dsp:nvSpPr>
         <dsp:cNvPr id="0" name=""/>
         <dsp:cNvSpPr/>
       </dsp:nvSpPr>
       <dsp:spPr>
         <a:xfrm>
-          <a:off x="8851349" y="2810576"/>
-          <a:ext cx="1685419" cy="1873718"/>
+          <a:off x="7579500" y="2810576"/>
+          <a:ext cx="1443542" cy="1873718"/>
         </a:xfrm>
         <a:prstGeom prst="rect">
           <a:avLst/>
@@ -6423,12 +6483,12 @@
         <a:fontRef idx="minor"/>
       </dsp:style>
       <dsp:txBody>
-        <a:bodyPr spcFirstLastPara="0" vert="horz" wrap="square" lIns="149352" tIns="149352" rIns="149352" bIns="149352" numCol="1" spcCol="1270" anchor="t" anchorCtr="0">
+        <a:bodyPr spcFirstLastPara="0" vert="horz" wrap="square" lIns="128016" tIns="128016" rIns="128016" bIns="128016" numCol="1" spcCol="1270" anchor="t" anchorCtr="0">
           <a:noAutofit/>
         </a:bodyPr>
         <a:lstStyle/>
         <a:p>
-          <a:pPr lvl="0" algn="ctr" defTabSz="933450" rtl="0">
+          <a:pPr lvl="0" algn="ctr" defTabSz="800100" rtl="0">
             <a:lnSpc>
               <a:spcPct val="90000"/>
             </a:lnSpc>
@@ -6440,25 +6500,134 @@
             </a:spcAft>
           </a:pPr>
           <a:r>
-            <a:rPr lang="en-US" sz="2100" kern="1200" smtClean="0"/>
-            <a:t>Demo</a:t>
+            <a:rPr lang="en-US" sz="1800" kern="1200" dirty="0" smtClean="0"/>
+            <a:t>Future work</a:t>
           </a:r>
-          <a:endParaRPr lang="pt-PT" sz="2100" kern="1200"/>
+          <a:endParaRPr lang="pt-PT" sz="1800" kern="1200" dirty="0"/>
         </a:p>
       </dsp:txBody>
       <dsp:txXfrm>
-        <a:off x="8851349" y="2810576"/>
-        <a:ext cx="1685419" cy="1873718"/>
+        <a:off x="7579500" y="2810576"/>
+        <a:ext cx="1443542" cy="1873718"/>
       </dsp:txXfrm>
     </dsp:sp>
-    <dsp:sp modelId="{2111E7A9-9D83-45F4-9D7D-50B677D07623}">
+    <dsp:sp modelId="{A623CBE5-EB79-4551-B3EB-17A4C743FC43}">
       <dsp:nvSpPr>
         <dsp:cNvPr id="0" name=""/>
         <dsp:cNvSpPr/>
       </dsp:nvSpPr>
       <dsp:spPr>
         <a:xfrm>
-          <a:off x="9459844" y="2107932"/>
+          <a:off x="8067057" y="2107932"/>
+          <a:ext cx="468429" cy="468429"/>
+        </a:xfrm>
+        <a:prstGeom prst="ellipse">
+          <a:avLst/>
+        </a:prstGeom>
+        <a:solidFill>
+          <a:schemeClr val="accent1">
+            <a:hueOff val="0"/>
+            <a:satOff val="0"/>
+            <a:lumOff val="0"/>
+            <a:alphaOff val="0"/>
+          </a:schemeClr>
+        </a:solidFill>
+        <a:ln w="25400" cap="flat" cmpd="sng" algn="ctr">
+          <a:solidFill>
+            <a:schemeClr val="lt1">
+              <a:hueOff val="0"/>
+              <a:satOff val="0"/>
+              <a:lumOff val="0"/>
+              <a:alphaOff val="0"/>
+            </a:schemeClr>
+          </a:solidFill>
+          <a:prstDash val="solid"/>
+        </a:ln>
+        <a:effectLst/>
+      </dsp:spPr>
+      <dsp:style>
+        <a:lnRef idx="3">
+          <a:scrgbClr r="0" g="0" b="0"/>
+        </a:lnRef>
+        <a:fillRef idx="1">
+          <a:scrgbClr r="0" g="0" b="0"/>
+        </a:fillRef>
+        <a:effectRef idx="1">
+          <a:scrgbClr r="0" g="0" b="0"/>
+        </a:effectRef>
+        <a:fontRef idx="minor">
+          <a:schemeClr val="lt1"/>
+        </a:fontRef>
+      </dsp:style>
+    </dsp:sp>
+    <dsp:sp modelId="{255AD753-B936-48E6-BD42-3BF9F6CF7315}">
+      <dsp:nvSpPr>
+        <dsp:cNvPr id="0" name=""/>
+        <dsp:cNvSpPr/>
+      </dsp:nvSpPr>
+      <dsp:spPr>
+        <a:xfrm>
+          <a:off x="9095220" y="0"/>
+          <a:ext cx="1443542" cy="1873718"/>
+        </a:xfrm>
+        <a:prstGeom prst="rect">
+          <a:avLst/>
+        </a:prstGeom>
+        <a:noFill/>
+        <a:ln>
+          <a:noFill/>
+        </a:ln>
+        <a:effectLst/>
+      </dsp:spPr>
+      <dsp:style>
+        <a:lnRef idx="0">
+          <a:scrgbClr r="0" g="0" b="0"/>
+        </a:lnRef>
+        <a:fillRef idx="0">
+          <a:scrgbClr r="0" g="0" b="0"/>
+        </a:fillRef>
+        <a:effectRef idx="0">
+          <a:scrgbClr r="0" g="0" b="0"/>
+        </a:effectRef>
+        <a:fontRef idx="minor"/>
+      </dsp:style>
+      <dsp:txBody>
+        <a:bodyPr spcFirstLastPara="0" vert="horz" wrap="square" lIns="128016" tIns="128016" rIns="128016" bIns="128016" numCol="1" spcCol="1270" anchor="b" anchorCtr="0">
+          <a:noAutofit/>
+        </a:bodyPr>
+        <a:lstStyle/>
+        <a:p>
+          <a:pPr lvl="0" algn="ctr" defTabSz="800100" rtl="0">
+            <a:lnSpc>
+              <a:spcPct val="90000"/>
+            </a:lnSpc>
+            <a:spcBef>
+              <a:spcPct val="0"/>
+            </a:spcBef>
+            <a:spcAft>
+              <a:spcPct val="35000"/>
+            </a:spcAft>
+          </a:pPr>
+          <a:r>
+            <a:rPr lang="en-US" sz="1800" kern="1200" dirty="0" smtClean="0"/>
+            <a:t>Demo</a:t>
+          </a:r>
+          <a:endParaRPr lang="pt-PT" sz="1800" kern="1200" dirty="0"/>
+        </a:p>
+      </dsp:txBody>
+      <dsp:txXfrm>
+        <a:off x="9095220" y="0"/>
+        <a:ext cx="1443542" cy="1873718"/>
+      </dsp:txXfrm>
+    </dsp:sp>
+    <dsp:sp modelId="{39EBDB1F-1143-445D-8C41-B03D79E8F341}">
+      <dsp:nvSpPr>
+        <dsp:cNvPr id="0" name=""/>
+        <dsp:cNvSpPr/>
+      </dsp:nvSpPr>
+      <dsp:spPr>
+        <a:xfrm>
+          <a:off x="9582777" y="2107932"/>
           <a:ext cx="468429" cy="468429"/>
         </a:xfrm>
         <a:prstGeom prst="ellipse">
@@ -7955,15 +8124,7 @@
           </a:pPr>
           <a:r>
             <a:rPr lang="en-US" sz="1200" kern="1200" dirty="0" smtClean="0"/>
-            <a:t>Surround object with </a:t>
-          </a:r>
-          <a:r>
-            <a:rPr lang="en-US" sz="1200" kern="1200" dirty="0" smtClean="0"/>
-            <a:t>bounding </a:t>
-          </a:r>
-          <a:r>
-            <a:rPr lang="en-US" sz="1200" kern="1200" dirty="0" smtClean="0"/>
-            <a:t>box</a:t>
+            <a:t>Surround object with bounding box</a:t>
           </a:r>
           <a:endParaRPr lang="en-US" sz="1200" kern="1200" dirty="0"/>
         </a:p>
@@ -8237,11 +8398,7 @@
           </a:pPr>
           <a:r>
             <a:rPr lang="en-US" sz="1500" kern="1200" dirty="0" smtClean="0"/>
-            <a:t>Bounding </a:t>
-          </a:r>
-          <a:r>
-            <a:rPr lang="en-US" sz="1500" kern="1200" dirty="0" smtClean="0"/>
-            <a:t>box size</a:t>
+            <a:t>Bounding box size</a:t>
           </a:r>
           <a:endParaRPr lang="en-US" sz="1500" kern="1200" dirty="0"/>
         </a:p>
@@ -8279,11 +8436,7 @@
           </a:pPr>
           <a:r>
             <a:rPr lang="en-US" sz="1500" kern="1200" dirty="0" smtClean="0"/>
-            <a:t>Bounding </a:t>
-          </a:r>
-          <a:r>
-            <a:rPr lang="en-US" sz="1500" kern="1200" dirty="0" smtClean="0"/>
-            <a:t>box + Centroid </a:t>
+            <a:t>Bounding box + Centroid </a:t>
           </a:r>
           <a:endParaRPr lang="en-US" sz="1500" kern="1200" dirty="0"/>
         </a:p>
@@ -16739,7 +16892,7 @@
           <a:p>
             <a:fld id="{D4690CEC-3176-400A-AD1C-468E64F431DC}" type="datetimeFigureOut">
               <a:rPr lang="en-US" smtClean="0"/>
-              <a:t>1/27/2016</a:t>
+              <a:t>1/28/2016</a:t>
             </a:fld>
             <a:endParaRPr lang="en-US"/>
           </a:p>
@@ -16898,7 +17051,7 @@
           <a:p>
             <a:fld id="{6069B498-9C9B-4451-9063-5BD8B7308DF5}" type="slidenum">
               <a:rPr lang="en-US" smtClean="0"/>
-              <a:t>‹#›</a:t>
+              <a:t>‹nº›</a:t>
             </a:fld>
             <a:endParaRPr lang="en-US"/>
           </a:p>
@@ -18059,7 +18212,7 @@
           <a:p>
             <a:fld id="{A12C1266-EF7A-4B71-B12B-8816C794A0AF}" type="datetime1">
               <a:rPr lang="pt-PT" smtClean="0"/>
-              <a:t>27/01/2016</a:t>
+              <a:t>28/01/2016</a:t>
             </a:fld>
             <a:endParaRPr lang="pt-PT"/>
           </a:p>
@@ -18105,7 +18258,7 @@
           <a:p>
             <a:fld id="{A5DF73BB-203F-40A7-B871-4E883C551EF9}" type="slidenum">
               <a:rPr lang="pt-PT" smtClean="0"/>
-              <a:t>‹#›</a:t>
+              <a:t>‹nº›</a:t>
             </a:fld>
             <a:endParaRPr lang="pt-PT"/>
           </a:p>
@@ -18283,7 +18436,7 @@
           <a:p>
             <a:fld id="{0A0884C8-D180-4F60-BDD5-B6940E4CE30A}" type="datetime1">
               <a:rPr lang="pt-PT" smtClean="0"/>
-              <a:t>27/01/2016</a:t>
+              <a:t>28/01/2016</a:t>
             </a:fld>
             <a:endParaRPr lang="pt-PT"/>
           </a:p>
@@ -18329,7 +18482,7 @@
           <a:p>
             <a:fld id="{A5DF73BB-203F-40A7-B871-4E883C551EF9}" type="slidenum">
               <a:rPr lang="pt-PT" smtClean="0"/>
-              <a:t>‹#›</a:t>
+              <a:t>‹nº›</a:t>
             </a:fld>
             <a:endParaRPr lang="pt-PT"/>
           </a:p>
@@ -18555,7 +18708,7 @@
           <a:p>
             <a:fld id="{B3350DB2-C7FF-4A84-9CFA-BBF7707A8D70}" type="datetime1">
               <a:rPr lang="pt-PT" smtClean="0"/>
-              <a:t>27/01/2016</a:t>
+              <a:t>28/01/2016</a:t>
             </a:fld>
             <a:endParaRPr lang="pt-PT"/>
           </a:p>
@@ -18601,7 +18754,7 @@
           <a:p>
             <a:fld id="{A5DF73BB-203F-40A7-B871-4E883C551EF9}" type="slidenum">
               <a:rPr lang="pt-PT" smtClean="0"/>
-              <a:t>‹#›</a:t>
+              <a:t>‹nº›</a:t>
             </a:fld>
             <a:endParaRPr lang="pt-PT"/>
           </a:p>
@@ -18745,7 +18898,7 @@
           <a:p>
             <a:fld id="{73A7ED1E-F1C2-42BC-AF38-97A0B5F03BDA}" type="datetime1">
               <a:rPr lang="pt-PT" smtClean="0"/>
-              <a:t>27/01/2016</a:t>
+              <a:t>28/01/2016</a:t>
             </a:fld>
             <a:endParaRPr lang="pt-PT"/>
           </a:p>
@@ -18791,7 +18944,7 @@
           <a:p>
             <a:fld id="{A5DF73BB-203F-40A7-B871-4E883C551EF9}" type="slidenum">
               <a:rPr lang="pt-PT" smtClean="0"/>
-              <a:t>‹#›</a:t>
+              <a:t>‹nº›</a:t>
             </a:fld>
             <a:endParaRPr lang="pt-PT"/>
           </a:p>
@@ -19104,7 +19257,7 @@
           <a:p>
             <a:fld id="{DFC329F3-50F8-4725-982D-96CE04B4A896}" type="datetime1">
               <a:rPr lang="pt-PT" smtClean="0"/>
-              <a:t>27/01/2016</a:t>
+              <a:t>28/01/2016</a:t>
             </a:fld>
             <a:endParaRPr lang="pt-PT"/>
           </a:p>
@@ -19150,7 +19303,7 @@
           <a:p>
             <a:fld id="{A5DF73BB-203F-40A7-B871-4E883C551EF9}" type="slidenum">
               <a:rPr lang="pt-PT" smtClean="0"/>
-              <a:t>‹#›</a:t>
+              <a:t>‹nº›</a:t>
             </a:fld>
             <a:endParaRPr lang="pt-PT"/>
           </a:p>
@@ -19395,7 +19548,7 @@
           <a:p>
             <a:fld id="{15F4BB63-2963-440D-B4A2-2F1514293869}" type="datetime1">
               <a:rPr lang="pt-PT" smtClean="0"/>
-              <a:t>27/01/2016</a:t>
+              <a:t>28/01/2016</a:t>
             </a:fld>
             <a:endParaRPr lang="pt-PT"/>
           </a:p>
@@ -19441,7 +19594,7 @@
           <a:p>
             <a:fld id="{A5DF73BB-203F-40A7-B871-4E883C551EF9}" type="slidenum">
               <a:rPr lang="pt-PT" smtClean="0"/>
-              <a:t>‹#›</a:t>
+              <a:t>‹nº›</a:t>
             </a:fld>
             <a:endParaRPr lang="pt-PT"/>
           </a:p>
@@ -19790,7 +19943,7 @@
           <a:p>
             <a:fld id="{C84EC195-157A-43F9-9AC5-00487DD34325}" type="datetime1">
               <a:rPr lang="pt-PT" smtClean="0"/>
-              <a:t>27/01/2016</a:t>
+              <a:t>28/01/2016</a:t>
             </a:fld>
             <a:endParaRPr lang="pt-PT"/>
           </a:p>
@@ -19836,7 +19989,7 @@
           <a:p>
             <a:fld id="{A5DF73BB-203F-40A7-B871-4E883C551EF9}" type="slidenum">
               <a:rPr lang="pt-PT" smtClean="0"/>
-              <a:t>‹#›</a:t>
+              <a:t>‹nº›</a:t>
             </a:fld>
             <a:endParaRPr lang="pt-PT"/>
           </a:p>
@@ -19924,7 +20077,7 @@
           <a:p>
             <a:fld id="{A046484B-BA09-4475-96AC-478EE5C1480F}" type="datetime1">
               <a:rPr lang="pt-PT" smtClean="0"/>
-              <a:t>27/01/2016</a:t>
+              <a:t>28/01/2016</a:t>
             </a:fld>
             <a:endParaRPr lang="pt-PT"/>
           </a:p>
@@ -19970,7 +20123,7 @@
           <a:p>
             <a:fld id="{A5DF73BB-203F-40A7-B871-4E883C551EF9}" type="slidenum">
               <a:rPr lang="pt-PT" smtClean="0"/>
-              <a:t>‹#›</a:t>
+              <a:t>‹nº›</a:t>
             </a:fld>
             <a:endParaRPr lang="pt-PT"/>
           </a:p>
@@ -20111,7 +20264,7 @@
           <a:p>
             <a:fld id="{ECA1AA0B-A884-4E04-8F58-3914278A9C9D}" type="datetime1">
               <a:rPr lang="pt-PT" smtClean="0"/>
-              <a:t>27/01/2016</a:t>
+              <a:t>28/01/2016</a:t>
             </a:fld>
             <a:endParaRPr lang="pt-PT"/>
           </a:p>
@@ -20165,7 +20318,7 @@
           <a:p>
             <a:fld id="{A5DF73BB-203F-40A7-B871-4E883C551EF9}" type="slidenum">
               <a:rPr lang="pt-PT" smtClean="0"/>
-              <a:t>‹#›</a:t>
+              <a:t>‹nº›</a:t>
             </a:fld>
             <a:endParaRPr lang="pt-PT"/>
           </a:p>
@@ -20481,7 +20634,7 @@
           <a:p>
             <a:fld id="{C2BDCF26-DC81-46ED-92DD-CE1601B9A017}" type="datetime1">
               <a:rPr lang="pt-PT" smtClean="0"/>
-              <a:t>27/01/2016</a:t>
+              <a:t>28/01/2016</a:t>
             </a:fld>
             <a:endParaRPr lang="pt-PT"/>
           </a:p>
@@ -20548,7 +20701,7 @@
           <a:p>
             <a:fld id="{A5DF73BB-203F-40A7-B871-4E883C551EF9}" type="slidenum">
               <a:rPr lang="pt-PT" smtClean="0"/>
-              <a:t>‹#›</a:t>
+              <a:t>‹nº›</a:t>
             </a:fld>
             <a:endParaRPr lang="pt-PT"/>
           </a:p>
@@ -20879,7 +21032,7 @@
           <a:p>
             <a:fld id="{BC210FE5-E85C-4AAE-82C8-B6C8AF8AD41F}" type="datetime1">
               <a:rPr lang="pt-PT" smtClean="0"/>
-              <a:t>27/01/2016</a:t>
+              <a:t>28/01/2016</a:t>
             </a:fld>
             <a:endParaRPr lang="pt-PT"/>
           </a:p>
@@ -20925,7 +21078,7 @@
           <a:p>
             <a:fld id="{A5DF73BB-203F-40A7-B871-4E883C551EF9}" type="slidenum">
               <a:rPr lang="pt-PT" smtClean="0"/>
-              <a:t>‹#›</a:t>
+              <a:t>‹nº›</a:t>
             </a:fld>
             <a:endParaRPr lang="pt-PT"/>
           </a:p>
@@ -21182,7 +21335,7 @@
           <a:p>
             <a:fld id="{F221942A-52F9-44E8-A6D4-5B808551DA2F}" type="datetime1">
               <a:rPr lang="pt-PT" smtClean="0"/>
-              <a:t>27/01/2016</a:t>
+              <a:t>28/01/2016</a:t>
             </a:fld>
             <a:endParaRPr lang="pt-PT"/>
           </a:p>
@@ -21260,7 +21413,7 @@
           <a:p>
             <a:fld id="{A5DF73BB-203F-40A7-B871-4E883C551EF9}" type="slidenum">
               <a:rPr lang="pt-PT" smtClean="0"/>
-              <a:t>‹#›</a:t>
+              <a:t>‹nº›</a:t>
             </a:fld>
             <a:endParaRPr lang="pt-PT"/>
           </a:p>
@@ -21948,7 +22101,7 @@
           <a:p>
             <a:fld id="{73A7ED1E-F1C2-42BC-AF38-97A0B5F03BDA}" type="datetime1">
               <a:rPr lang="pt-PT" smtClean="0"/>
-              <a:t>27/01/2016</a:t>
+              <a:t>28/01/2016</a:t>
             </a:fld>
             <a:endParaRPr lang="pt-PT"/>
           </a:p>
@@ -22082,13 +22235,13 @@
             <p:ph idx="1"/>
             <p:extLst>
               <p:ext uri="{D42A27DB-BD31-4B8C-83A1-F6EECF244321}">
-                <p14:modId xmlns:p14="http://schemas.microsoft.com/office/powerpoint/2010/main" val="2201218509"/>
+                <p14:modId xmlns:p14="http://schemas.microsoft.com/office/powerpoint/2010/main" val="4234578406"/>
               </p:ext>
             </p:extLst>
           </p:nvPr>
         </p:nvGraphicFramePr>
         <p:xfrm>
-          <a:off x="227262" y="1565442"/>
+          <a:off x="354262" y="1565442"/>
           <a:ext cx="11710738" cy="4684295"/>
         </p:xfrm>
         <a:graphic>
@@ -22143,7 +22296,7 @@
           <a:p>
             <a:fld id="{5A2A3456-420F-4DCA-B03D-CA26FA45DA54}" type="datetime1">
               <a:rPr lang="pt-PT" smtClean="0"/>
-              <a:t>27/01/2016</a:t>
+              <a:t>28/01/2016</a:t>
             </a:fld>
             <a:endParaRPr lang="pt-PT" dirty="0"/>
           </a:p>
@@ -22298,11 +22451,7 @@
             </a:pPr>
             <a:r>
               <a:rPr lang="en-US" sz="2400" dirty="0" smtClean="0"/>
-              <a:t> The collision detection is a computational problem which identifies when a object hits </a:t>
-            </a:r>
-            <a:r>
-              <a:rPr lang="en-US" sz="2400" dirty="0" smtClean="0"/>
-              <a:t>another.</a:t>
+              <a:t> The collision detection is a computational problem which identifies when a object hits another.</a:t>
             </a:r>
           </a:p>
           <a:p>
@@ -22319,12 +22468,15 @@
             </a:r>
             <a:r>
               <a:rPr lang="en-US" sz="2400" dirty="0" smtClean="0"/>
-              <a:t>sideways, or a combination of these.</a:t>
+              <a:t>sideways, or a combination of </a:t>
             </a:r>
-            <a:endParaRPr lang="en-US" sz="2400" dirty="0" smtClean="0"/>
+            <a:r>
+              <a:rPr lang="en-US" sz="2400" dirty="0" smtClean="0"/>
+              <a:t>these.</a:t>
+            </a:r>
           </a:p>
           <a:p>
-            <a:pPr lvl="1">
+            <a:pPr>
               <a:lnSpc>
                 <a:spcPct val="150000"/>
               </a:lnSpc>
@@ -22332,26 +22484,17 @@
               <a:buChar char="§"/>
             </a:pPr>
             <a:r>
-              <a:rPr lang="en-US" sz="2200" dirty="0" smtClean="0"/>
-              <a:t>So in our </a:t>
+              <a:rPr lang="en-US" sz="2800" dirty="0"/>
+              <a:t> </a:t>
             </a:r>
             <a:r>
-              <a:rPr lang="en-US" sz="2200" dirty="0" smtClean="0"/>
-              <a:t>case, a </a:t>
+              <a:rPr lang="en-US" sz="2400" dirty="0" smtClean="0"/>
+              <a:t>So </a:t>
             </a:r>
             <a:r>
-              <a:rPr lang="en-US" sz="2200" dirty="0" smtClean="0"/>
-              <a:t>collision </a:t>
+              <a:rPr lang="en-US" sz="2400" dirty="0" smtClean="0"/>
+              <a:t>in our case, a collision means that a object is very close to the camera;</a:t>
             </a:r>
-            <a:r>
-              <a:rPr lang="en-US" sz="2200" dirty="0" smtClean="0"/>
-              <a:t>means that a object is very close to the </a:t>
-            </a:r>
-            <a:r>
-              <a:rPr lang="en-US" sz="2200" dirty="0" smtClean="0"/>
-              <a:t>camera;</a:t>
-            </a:r>
-            <a:endParaRPr lang="en-US" sz="2200" dirty="0" smtClean="0"/>
           </a:p>
           <a:p>
             <a:pPr>
@@ -22421,7 +22564,7 @@
           <a:p>
             <a:fld id="{CC0950CD-9C25-4CBC-901A-E33A2FF7DF2B}" type="datetime1">
               <a:rPr lang="pt-PT" smtClean="0"/>
-              <a:t>27/01/2016</a:t>
+              <a:t>28/01/2016</a:t>
             </a:fld>
             <a:endParaRPr lang="pt-PT" dirty="0"/>
           </a:p>
@@ -22589,17 +22732,8 @@
             </a:pPr>
             <a:r>
               <a:rPr lang="en-US" sz="2400" dirty="0" smtClean="0"/>
-              <a:t> From </a:t>
+              <a:t> From what we will see, in some situations is hard to figure if there was, or not, a collision;</a:t>
             </a:r>
-            <a:r>
-              <a:rPr lang="en-US" sz="2400" dirty="0" smtClean="0"/>
-              <a:t>what we will see, in some situations is hard to figure if there was, or not, a </a:t>
-            </a:r>
-            <a:r>
-              <a:rPr lang="en-US" sz="2400" dirty="0" smtClean="0"/>
-              <a:t>collision;</a:t>
-            </a:r>
-            <a:endParaRPr lang="en-US" sz="2400" dirty="0" smtClean="0"/>
           </a:p>
           <a:p>
             <a:pPr>
@@ -22669,7 +22803,7 @@
           <a:p>
             <a:fld id="{CC0950CD-9C25-4CBC-901A-E33A2FF7DF2B}" type="datetime1">
               <a:rPr lang="pt-PT" smtClean="0"/>
-              <a:t>27/01/2016</a:t>
+              <a:t>28/01/2016</a:t>
             </a:fld>
             <a:endParaRPr lang="pt-PT" dirty="0"/>
           </a:p>
@@ -22885,7 +23019,7 @@
           <a:p>
             <a:fld id="{CC0950CD-9C25-4CBC-901A-E33A2FF7DF2B}" type="datetime1">
               <a:rPr lang="pt-PT" smtClean="0"/>
-              <a:t>27/01/2016</a:t>
+              <a:t>28/01/2016</a:t>
             </a:fld>
             <a:endParaRPr lang="pt-PT"/>
           </a:p>
@@ -23077,7 +23211,7 @@
           <a:p>
             <a:fld id="{CC0950CD-9C25-4CBC-901A-E33A2FF7DF2B}" type="datetime1">
               <a:rPr lang="pt-PT" smtClean="0"/>
-              <a:t>27/01/2016</a:t>
+              <a:t>28/01/2016</a:t>
             </a:fld>
             <a:endParaRPr lang="pt-PT"/>
           </a:p>
@@ -23240,7 +23374,7 @@
           <a:p>
             <a:fld id="{CC0950CD-9C25-4CBC-901A-E33A2FF7DF2B}" type="datetime1">
               <a:rPr lang="pt-PT" smtClean="0"/>
-              <a:t>27/01/2016</a:t>
+              <a:t>28/01/2016</a:t>
             </a:fld>
             <a:endParaRPr lang="pt-PT"/>
           </a:p>
@@ -23487,13 +23621,8 @@
             </a:r>
             <a:r>
               <a:rPr lang="en-US" sz="2400" dirty="0" smtClean="0"/>
-              <a:t>From this work we conclude that are many factors that influence the collision </a:t>
+              <a:t>From this work we conclude that are many factors that influence the collision detection.</a:t>
             </a:r>
-            <a:r>
-              <a:rPr lang="en-US" sz="2400" dirty="0" smtClean="0"/>
-              <a:t>detection.</a:t>
-            </a:r>
-            <a:endParaRPr lang="en-US" sz="2400" dirty="0" smtClean="0"/>
           </a:p>
         </p:txBody>
       </p:sp>
@@ -23543,7 +23672,7 @@
           <a:p>
             <a:fld id="{CC0950CD-9C25-4CBC-901A-E33A2FF7DF2B}" type="datetime1">
               <a:rPr lang="pt-PT" smtClean="0"/>
-              <a:t>27/01/2016</a:t>
+              <a:t>28/01/2016</a:t>
             </a:fld>
             <a:endParaRPr lang="pt-PT"/>
           </a:p>
@@ -24104,13 +24233,8 @@
             </a:r>
             <a:r>
               <a:rPr lang="en-US" sz="2400" dirty="0" smtClean="0"/>
-              <a:t>Expand to real time situations (stream</a:t>
+              <a:t>Expand to real time situations (stream);</a:t>
             </a:r>
-            <a:r>
-              <a:rPr lang="en-US" sz="2400" dirty="0" smtClean="0"/>
-              <a:t>);</a:t>
-            </a:r>
-            <a:endParaRPr lang="en-US" sz="2400" dirty="0" smtClean="0"/>
           </a:p>
           <a:p>
             <a:pPr>
@@ -24126,13 +24250,8 @@
             </a:r>
             <a:r>
               <a:rPr lang="en-US" sz="2400" dirty="0" smtClean="0"/>
-              <a:t>Improve the computational processing through a parallel </a:t>
+              <a:t>Improve the computational processing through a parallel implementation;</a:t>
             </a:r>
-            <a:r>
-              <a:rPr lang="en-US" sz="2400" dirty="0" smtClean="0"/>
-              <a:t>implementation;</a:t>
-            </a:r>
-            <a:endParaRPr lang="en-US" sz="2400" dirty="0" smtClean="0"/>
           </a:p>
           <a:p>
             <a:pPr>
@@ -24148,13 +24267,8 @@
             </a:r>
             <a:r>
               <a:rPr lang="en-US" sz="2400" dirty="0" smtClean="0"/>
-              <a:t>Adapt to a real world problem like a camera placed in a </a:t>
+              <a:t>Adapt to a real world problem like a camera placed in a car; </a:t>
             </a:r>
-            <a:r>
-              <a:rPr lang="en-US" sz="2400" dirty="0" smtClean="0"/>
-              <a:t>car; </a:t>
-            </a:r>
-            <a:endParaRPr lang="en-US" sz="2400" dirty="0" smtClean="0"/>
           </a:p>
           <a:p>
             <a:pPr>
@@ -24170,13 +24284,8 @@
             </a:r>
             <a:r>
               <a:rPr lang="en-US" sz="2400" dirty="0" smtClean="0"/>
-              <a:t>Tune up for generic </a:t>
+              <a:t>Tune up for generic situations;</a:t>
             </a:r>
-            <a:r>
-              <a:rPr lang="en-US" sz="2400" dirty="0" smtClean="0"/>
-              <a:t>situations;</a:t>
-            </a:r>
-            <a:endParaRPr lang="en-US" sz="2400" dirty="0" smtClean="0"/>
           </a:p>
           <a:p>
             <a:pPr>
@@ -24192,11 +24301,7 @@
             </a:r>
             <a:r>
               <a:rPr lang="en-US" sz="2400" dirty="0" smtClean="0"/>
-              <a:t>Identify the shape, texture and the angle of </a:t>
-            </a:r>
-            <a:r>
-              <a:rPr lang="en-US" sz="2400" dirty="0" smtClean="0"/>
-              <a:t>movement.</a:t>
+              <a:t>Identify the shape, texture and the angle of movement.</a:t>
             </a:r>
             <a:endParaRPr lang="en-US" sz="2400" dirty="0"/>
           </a:p>
@@ -24248,7 +24353,7 @@
           <a:p>
             <a:fld id="{CC0950CD-9C25-4CBC-901A-E33A2FF7DF2B}" type="datetime1">
               <a:rPr lang="pt-PT" smtClean="0"/>
-              <a:t>27/01/2016</a:t>
+              <a:t>28/01/2016</a:t>
             </a:fld>
             <a:endParaRPr lang="pt-PT"/>
           </a:p>

--- a/Presentation.pptx
+++ b/Presentation.pptx
@@ -3642,21 +3642,21 @@
     </dgm:pt>
   </dgm:ptLst>
   <dgm:cxnLst>
+    <dgm:cxn modelId="{9D5CD475-4041-4378-A92D-5E60B206B41F}" type="presOf" srcId="{678D5C55-5C64-4096-A3A9-345BFFEBABB1}" destId="{FABD5C09-3D12-476A-845D-505E6F756FDC}" srcOrd="0" destOrd="0" presId="urn:microsoft.com/office/officeart/2005/8/layout/hProcess11"/>
+    <dgm:cxn modelId="{ADB25F27-CCAC-4531-A761-8480B6103293}" type="presOf" srcId="{66BCB2D9-9467-432C-ACA4-9D2D341125F6}" destId="{FD2AE53C-9548-49E3-8BA3-F9458AF32E33}" srcOrd="0" destOrd="0" presId="urn:microsoft.com/office/officeart/2005/8/layout/hProcess11"/>
+    <dgm:cxn modelId="{C1686856-80DE-42AE-AF0B-10F82C8F221E}" type="presOf" srcId="{0E4C52EE-BC78-49F6-87B5-2634629AD09B}" destId="{E9F1D913-8779-4D6F-9709-9F78F5E4A7C3}" srcOrd="0" destOrd="0" presId="urn:microsoft.com/office/officeart/2005/8/layout/hProcess11"/>
+    <dgm:cxn modelId="{1740A107-D0CB-47B3-9BC8-8F81ACB481C9}" type="presOf" srcId="{FD1E63D8-ECDE-48EB-82E6-2D1C4D5564E1}" destId="{1B7AA1BD-D48F-443B-BEA3-DCFC4D098774}" srcOrd="0" destOrd="0" presId="urn:microsoft.com/office/officeart/2005/8/layout/hProcess11"/>
+    <dgm:cxn modelId="{6A3062F8-D890-419D-A2B5-0EC7F8B0BDC5}" srcId="{205ED472-4B9E-46F4-9928-0168EA146CE6}" destId="{66BCB2D9-9467-432C-ACA4-9D2D341125F6}" srcOrd="4" destOrd="0" parTransId="{5AAF2D27-7088-4A12-AE57-7AD80DBCA0AB}" sibTransId="{5A4E80FE-989A-4F54-BEAE-81BEDE1111DF}"/>
+    <dgm:cxn modelId="{0AE5CE04-6523-49BF-99D0-D3529695ACBB}" srcId="{205ED472-4B9E-46F4-9928-0168EA146CE6}" destId="{678D5C55-5C64-4096-A3A9-345BFFEBABB1}" srcOrd="1" destOrd="0" parTransId="{89834515-8B91-4CC4-BD09-B9A99BE23A99}" sibTransId="{7C9AD068-A016-4263-AFC5-218AE38A5A07}"/>
+    <dgm:cxn modelId="{370EA4D6-15C9-4517-B1EF-A5473C979A3B}" type="presOf" srcId="{600BB5EE-883F-4C53-8131-388014E0EAB0}" destId="{83F47920-5A54-4922-A03D-50CD86510BF7}" srcOrd="0" destOrd="0" presId="urn:microsoft.com/office/officeart/2005/8/layout/hProcess11"/>
+    <dgm:cxn modelId="{9ECED857-4619-49FE-B6DC-9B6A76B1578E}" srcId="{205ED472-4B9E-46F4-9928-0168EA146CE6}" destId="{0E4C52EE-BC78-49F6-87B5-2634629AD09B}" srcOrd="3" destOrd="0" parTransId="{1F516811-1A03-4065-88D0-C7383404DBFF}" sibTransId="{EB42C384-63B1-41E7-A8FB-DA2AF0D822C6}"/>
+    <dgm:cxn modelId="{CB65026E-7847-4085-91F9-4E09282748C4}" type="presOf" srcId="{9277689F-998B-443E-B6E2-1AC87C3586C0}" destId="{1AC22EB2-E022-43F9-A474-207669B6E4EF}" srcOrd="0" destOrd="0" presId="urn:microsoft.com/office/officeart/2005/8/layout/hProcess11"/>
     <dgm:cxn modelId="{049CD290-C860-4B09-8334-D623A1E4ADCF}" srcId="{205ED472-4B9E-46F4-9928-0168EA146CE6}" destId="{600BB5EE-883F-4C53-8131-388014E0EAB0}" srcOrd="0" destOrd="0" parTransId="{2EDBE207-5D71-46AA-B59B-0DC0A891512E}" sibTransId="{DE32AB66-7855-4C7A-A6C4-1E634A008EA3}"/>
-    <dgm:cxn modelId="{1740A107-D0CB-47B3-9BC8-8F81ACB481C9}" type="presOf" srcId="{FD1E63D8-ECDE-48EB-82E6-2D1C4D5564E1}" destId="{1B7AA1BD-D48F-443B-BEA3-DCFC4D098774}" srcOrd="0" destOrd="0" presId="urn:microsoft.com/office/officeart/2005/8/layout/hProcess11"/>
+    <dgm:cxn modelId="{EEF951C0-D15E-4112-ACFB-0CC39C8A3A30}" srcId="{205ED472-4B9E-46F4-9928-0168EA146CE6}" destId="{FD99C300-FD48-4806-8C37-A44B53EAEF77}" srcOrd="6" destOrd="0" parTransId="{4C126FE3-7E01-4534-85C9-6A492A535542}" sibTransId="{6F27E9B6-ED32-45A1-86DF-B969A10DC37E}"/>
+    <dgm:cxn modelId="{3E2E05B5-3100-43FE-9724-DA691DF10612}" type="presOf" srcId="{FD99C300-FD48-4806-8C37-A44B53EAEF77}" destId="{255AD753-B936-48E6-BD42-3BF9F6CF7315}" srcOrd="0" destOrd="0" presId="urn:microsoft.com/office/officeart/2005/8/layout/hProcess11"/>
+    <dgm:cxn modelId="{F80E9EDB-C81A-4286-B84D-F06CD25FC19E}" type="presOf" srcId="{205ED472-4B9E-46F4-9928-0168EA146CE6}" destId="{A671F881-E918-4CAA-A0FF-A8648D58A624}" srcOrd="0" destOrd="0" presId="urn:microsoft.com/office/officeart/2005/8/layout/hProcess11"/>
+    <dgm:cxn modelId="{E6C0FA56-E7DD-4C63-9114-FEB7E919573D}" srcId="{205ED472-4B9E-46F4-9928-0168EA146CE6}" destId="{FD1E63D8-ECDE-48EB-82E6-2D1C4D5564E1}" srcOrd="2" destOrd="0" parTransId="{D2655DB4-DF4D-4E61-9554-4B5EF5E2A5B0}" sibTransId="{17215846-26C8-43CC-AA17-AA8A81B0973F}"/>
     <dgm:cxn modelId="{459BC65E-33F0-4445-ABF4-4E4F818FE432}" srcId="{205ED472-4B9E-46F4-9928-0168EA146CE6}" destId="{9277689F-998B-443E-B6E2-1AC87C3586C0}" srcOrd="5" destOrd="0" parTransId="{292C2292-3F39-4324-A3E6-C41F314BF3A3}" sibTransId="{17472591-5B4C-4158-84A2-8C7C4369677D}"/>
-    <dgm:cxn modelId="{3E2E05B5-3100-43FE-9724-DA691DF10612}" type="presOf" srcId="{FD99C300-FD48-4806-8C37-A44B53EAEF77}" destId="{255AD753-B936-48E6-BD42-3BF9F6CF7315}" srcOrd="0" destOrd="0" presId="urn:microsoft.com/office/officeart/2005/8/layout/hProcess11"/>
-    <dgm:cxn modelId="{9D5CD475-4041-4378-A92D-5E60B206B41F}" type="presOf" srcId="{678D5C55-5C64-4096-A3A9-345BFFEBABB1}" destId="{FABD5C09-3D12-476A-845D-505E6F756FDC}" srcOrd="0" destOrd="0" presId="urn:microsoft.com/office/officeart/2005/8/layout/hProcess11"/>
-    <dgm:cxn modelId="{C1686856-80DE-42AE-AF0B-10F82C8F221E}" type="presOf" srcId="{0E4C52EE-BC78-49F6-87B5-2634629AD09B}" destId="{E9F1D913-8779-4D6F-9709-9F78F5E4A7C3}" srcOrd="0" destOrd="0" presId="urn:microsoft.com/office/officeart/2005/8/layout/hProcess11"/>
-    <dgm:cxn modelId="{6A3062F8-D890-419D-A2B5-0EC7F8B0BDC5}" srcId="{205ED472-4B9E-46F4-9928-0168EA146CE6}" destId="{66BCB2D9-9467-432C-ACA4-9D2D341125F6}" srcOrd="4" destOrd="0" parTransId="{5AAF2D27-7088-4A12-AE57-7AD80DBCA0AB}" sibTransId="{5A4E80FE-989A-4F54-BEAE-81BEDE1111DF}"/>
-    <dgm:cxn modelId="{E6C0FA56-E7DD-4C63-9114-FEB7E919573D}" srcId="{205ED472-4B9E-46F4-9928-0168EA146CE6}" destId="{FD1E63D8-ECDE-48EB-82E6-2D1C4D5564E1}" srcOrd="2" destOrd="0" parTransId="{D2655DB4-DF4D-4E61-9554-4B5EF5E2A5B0}" sibTransId="{17215846-26C8-43CC-AA17-AA8A81B0973F}"/>
-    <dgm:cxn modelId="{0AE5CE04-6523-49BF-99D0-D3529695ACBB}" srcId="{205ED472-4B9E-46F4-9928-0168EA146CE6}" destId="{678D5C55-5C64-4096-A3A9-345BFFEBABB1}" srcOrd="1" destOrd="0" parTransId="{89834515-8B91-4CC4-BD09-B9A99BE23A99}" sibTransId="{7C9AD068-A016-4263-AFC5-218AE38A5A07}"/>
-    <dgm:cxn modelId="{EEF951C0-D15E-4112-ACFB-0CC39C8A3A30}" srcId="{205ED472-4B9E-46F4-9928-0168EA146CE6}" destId="{FD99C300-FD48-4806-8C37-A44B53EAEF77}" srcOrd="6" destOrd="0" parTransId="{4C126FE3-7E01-4534-85C9-6A492A535542}" sibTransId="{6F27E9B6-ED32-45A1-86DF-B969A10DC37E}"/>
-    <dgm:cxn modelId="{9ECED857-4619-49FE-B6DC-9B6A76B1578E}" srcId="{205ED472-4B9E-46F4-9928-0168EA146CE6}" destId="{0E4C52EE-BC78-49F6-87B5-2634629AD09B}" srcOrd="3" destOrd="0" parTransId="{1F516811-1A03-4065-88D0-C7383404DBFF}" sibTransId="{EB42C384-63B1-41E7-A8FB-DA2AF0D822C6}"/>
-    <dgm:cxn modelId="{370EA4D6-15C9-4517-B1EF-A5473C979A3B}" type="presOf" srcId="{600BB5EE-883F-4C53-8131-388014E0EAB0}" destId="{83F47920-5A54-4922-A03D-50CD86510BF7}" srcOrd="0" destOrd="0" presId="urn:microsoft.com/office/officeart/2005/8/layout/hProcess11"/>
-    <dgm:cxn modelId="{CB65026E-7847-4085-91F9-4E09282748C4}" type="presOf" srcId="{9277689F-998B-443E-B6E2-1AC87C3586C0}" destId="{1AC22EB2-E022-43F9-A474-207669B6E4EF}" srcOrd="0" destOrd="0" presId="urn:microsoft.com/office/officeart/2005/8/layout/hProcess11"/>
-    <dgm:cxn modelId="{ADB25F27-CCAC-4531-A761-8480B6103293}" type="presOf" srcId="{66BCB2D9-9467-432C-ACA4-9D2D341125F6}" destId="{FD2AE53C-9548-49E3-8BA3-F9458AF32E33}" srcOrd="0" destOrd="0" presId="urn:microsoft.com/office/officeart/2005/8/layout/hProcess11"/>
-    <dgm:cxn modelId="{F80E9EDB-C81A-4286-B84D-F06CD25FC19E}" type="presOf" srcId="{205ED472-4B9E-46F4-9928-0168EA146CE6}" destId="{A671F881-E918-4CAA-A0FF-A8648D58A624}" srcOrd="0" destOrd="0" presId="urn:microsoft.com/office/officeart/2005/8/layout/hProcess11"/>
     <dgm:cxn modelId="{BBD5F5B5-416B-42AB-AA78-7DB07CCEFF89}" type="presParOf" srcId="{A671F881-E918-4CAA-A0FF-A8648D58A624}" destId="{315298FE-B74A-47F3-AEA6-910132CF7A54}" srcOrd="0" destOrd="0" presId="urn:microsoft.com/office/officeart/2005/8/layout/hProcess11"/>
     <dgm:cxn modelId="{C7C705D5-7BA7-4E22-805C-FB232BBA3E1D}" type="presParOf" srcId="{A671F881-E918-4CAA-A0FF-A8648D58A624}" destId="{D2113E89-6361-4451-96F1-E679C11E11A3}" srcOrd="1" destOrd="0" presId="urn:microsoft.com/office/officeart/2005/8/layout/hProcess11"/>
     <dgm:cxn modelId="{6ACDF441-C647-44C8-8DD1-60CE53846BDE}" type="presParOf" srcId="{D2113E89-6361-4451-96F1-E679C11E11A3}" destId="{60C2376A-0296-428B-A851-7C215B7E246C}" srcOrd="0" destOrd="0" presId="urn:microsoft.com/office/officeart/2005/8/layout/hProcess11"/>
@@ -4263,8 +4263,9 @@
         <a:p>
           <a:r>
             <a:rPr lang="en-US" dirty="0" smtClean="0"/>
-            <a:t>Object</a:t>
+            <a:t>Object’s</a:t>
           </a:r>
+          <a:endParaRPr lang="en-US" dirty="0" smtClean="0"/>
         </a:p>
         <a:p>
           <a:r>
@@ -4417,7 +4418,7 @@
         <a:p>
           <a:r>
             <a:rPr lang="en-US" dirty="0" smtClean="0"/>
-            <a:t>Threshold image</a:t>
+            <a:t>Morphological operations</a:t>
           </a:r>
           <a:endParaRPr lang="en-US" dirty="0"/>
         </a:p>
@@ -5018,40 +5019,40 @@
     </dgm:pt>
   </dgm:ptLst>
   <dgm:cxnLst>
+    <dgm:cxn modelId="{EF789DBE-E574-4253-901B-774A8247E293}" type="presOf" srcId="{E2433F02-7DDF-4E91-BA46-5511C7AB8D54}" destId="{75FCB88B-79EC-4689-B6D8-8EECE1B9E93C}" srcOrd="0" destOrd="0" presId="urn:microsoft.com/office/officeart/2009/3/layout/PhasedProcess"/>
+    <dgm:cxn modelId="{EAB6ABB4-2F67-4C2F-A621-217FF3EEF06F}" type="presOf" srcId="{377F1FC9-9B57-4D28-9B1A-9B156AEE9F46}" destId="{73B75FC2-7ADD-40E1-89CD-79257D2CD296}" srcOrd="0" destOrd="0" presId="urn:microsoft.com/office/officeart/2009/3/layout/PhasedProcess"/>
+    <dgm:cxn modelId="{4D68808D-8F61-48FE-9422-86FE896C54A6}" srcId="{9A630943-E447-4EE1-9465-A6F86DF0FF87}" destId="{377F1FC9-9B57-4D28-9B1A-9B156AEE9F46}" srcOrd="2" destOrd="0" parTransId="{444C27C1-B30E-4038-95BA-6C83914A73D9}" sibTransId="{F9855687-937A-484C-9A25-17C0B2AA7237}"/>
+    <dgm:cxn modelId="{3E9F789D-EDCD-4651-B018-6D9DEFBA7802}" srcId="{9A630943-E447-4EE1-9465-A6F86DF0FF87}" destId="{C2211C5A-DFE7-453C-981B-7FF3DAB1259A}" srcOrd="1" destOrd="0" parTransId="{A66FEEA6-2112-4F03-8BC7-34BF21145099}" sibTransId="{6C9228FE-EEF8-4BB8-A613-CAE3B955822A}"/>
+    <dgm:cxn modelId="{FA6CBB25-0F8D-4161-998C-FDACFE788A41}" type="presOf" srcId="{C9E6DC6A-04C2-47F9-BE77-9BE5D66E8A02}" destId="{6D1E759F-CCE8-414F-A971-9C3D1DB27397}" srcOrd="0" destOrd="0" presId="urn:microsoft.com/office/officeart/2009/3/layout/PhasedProcess"/>
+    <dgm:cxn modelId="{0D152643-63C6-40F9-A2FB-2D19852C64D6}" srcId="{399DB417-B40D-4F90-B275-A838C798508D}" destId="{86E16261-0F04-4737-B6EE-1956DB1A599C}" srcOrd="1" destOrd="0" parTransId="{20868712-E825-40D2-8FBB-98A00425785A}" sibTransId="{EE6ED1A7-3EC4-4D4E-8892-DB34BACD25B9}"/>
+    <dgm:cxn modelId="{0F1BDECE-2141-4583-8652-AE151BF3CF36}" type="presOf" srcId="{9A630943-E447-4EE1-9465-A6F86DF0FF87}" destId="{9C95A5F1-052C-434F-AB59-CABEB66F2A8C}" srcOrd="0" destOrd="0" presId="urn:microsoft.com/office/officeart/2009/3/layout/PhasedProcess"/>
+    <dgm:cxn modelId="{A3379E92-EAC3-419B-A277-476737999E73}" srcId="{399DB417-B40D-4F90-B275-A838C798508D}" destId="{E2433F02-7DDF-4E91-BA46-5511C7AB8D54}" srcOrd="2" destOrd="0" parTransId="{20EB686D-DA7C-4C09-B54E-0AA9A260CE8A}" sibTransId="{344AD4C5-A3E7-4E35-9843-4B339D82DC5E}"/>
+    <dgm:cxn modelId="{2DAAC60B-589B-47EC-8D9A-E02FB4D83E96}" type="presOf" srcId="{BF199EE9-A761-48AD-9419-E8EDE348FAE2}" destId="{B4185ECA-3C2D-4268-B871-67C0081ACB7E}" srcOrd="0" destOrd="0" presId="urn:microsoft.com/office/officeart/2009/3/layout/PhasedProcess"/>
+    <dgm:cxn modelId="{677EECBA-12B3-485C-9254-21AEB064402D}" type="presOf" srcId="{EB16144D-AE2C-4833-8B82-539A9E59CE07}" destId="{27AA64AE-C9B3-4734-BFF3-70526F8E5E9D}" srcOrd="0" destOrd="0" presId="urn:microsoft.com/office/officeart/2009/3/layout/PhasedProcess"/>
+    <dgm:cxn modelId="{B55AFA52-98FF-4A7B-8472-764670B748B4}" srcId="{9A630943-E447-4EE1-9465-A6F86DF0FF87}" destId="{399DB417-B40D-4F90-B275-A838C798508D}" srcOrd="0" destOrd="0" parTransId="{A5D2D90A-6342-442E-BFCC-C800B5FC8F2D}" sibTransId="{55BB6C30-D59E-4FF8-A235-F6FED2E2A310}"/>
+    <dgm:cxn modelId="{F7AFE92C-12AF-4FED-9F83-DBA20702E288}" srcId="{C2211C5A-DFE7-453C-981B-7FF3DAB1259A}" destId="{EF7C18B0-6B9D-4159-87F7-F8E597C1F53F}" srcOrd="2" destOrd="0" parTransId="{6B8B83E0-9130-4E0A-91EC-997C8FDD5F4A}" sibTransId="{B3BA5914-D735-47FE-9BE4-E9D1F4E694B4}"/>
+    <dgm:cxn modelId="{67D6A476-8BB6-4F3B-8BE4-A968E3628863}" srcId="{C2211C5A-DFE7-453C-981B-7FF3DAB1259A}" destId="{EB16144D-AE2C-4833-8B82-539A9E59CE07}" srcOrd="0" destOrd="0" parTransId="{AAE52505-BD6F-4B45-AF00-01EF5D01C50E}" sibTransId="{CAFBF387-0E49-4F7B-84F4-112F88E22F37}"/>
+    <dgm:cxn modelId="{BD8D623B-7DC9-4DC7-B281-EB1939AD4A34}" type="presOf" srcId="{CF046E1E-E455-4CE3-9858-2C87232CA9D0}" destId="{B4185ECA-3C2D-4268-B871-67C0081ACB7E}" srcOrd="0" destOrd="3" presId="urn:microsoft.com/office/officeart/2009/3/layout/PhasedProcess"/>
+    <dgm:cxn modelId="{AA0A3958-FEEE-4273-89CB-97C9D933A98D}" type="presOf" srcId="{399DB417-B40D-4F90-B275-A838C798508D}" destId="{968F9FD3-3F3B-485C-8F34-633671DDD733}" srcOrd="0" destOrd="0" presId="urn:microsoft.com/office/officeart/2009/3/layout/PhasedProcess"/>
     <dgm:cxn modelId="{E42454EE-682D-4C4F-B143-91115ED62B96}" srcId="{399DB417-B40D-4F90-B275-A838C798508D}" destId="{C9E6DC6A-04C2-47F9-BE77-9BE5D66E8A02}" srcOrd="3" destOrd="0" parTransId="{DD521FF2-6A69-4A61-9374-C341D8919207}" sibTransId="{81444FB1-5C04-4145-B9E4-6D9F2EC6756B}"/>
+    <dgm:cxn modelId="{C9CFBC40-3178-40B6-87E6-AA6CF4F315FC}" srcId="{C2211C5A-DFE7-453C-981B-7FF3DAB1259A}" destId="{02AFD568-0603-47E7-9CC1-146E62A9B3B6}" srcOrd="1" destOrd="0" parTransId="{7296B33A-F1A6-49F7-9CF4-9C4FF241DD2B}" sibTransId="{60E3AA78-B134-4ABA-9964-3DE02FC58B83}"/>
+    <dgm:cxn modelId="{E1E5D7C1-A40B-4C9F-931F-B5EB8AA969C4}" type="presOf" srcId="{EF7C18B0-6B9D-4159-87F7-F8E597C1F53F}" destId="{7C2CF0DE-080A-4305-AD45-70D4293C2E36}" srcOrd="1" destOrd="0" presId="urn:microsoft.com/office/officeart/2009/3/layout/PhasedProcess"/>
+    <dgm:cxn modelId="{A7E3C829-8841-4FBA-8272-F8CE58E115DF}" type="presOf" srcId="{EF7C18B0-6B9D-4159-87F7-F8E597C1F53F}" destId="{4B0382BE-1C81-4988-AD62-79ECE17A9B43}" srcOrd="0" destOrd="0" presId="urn:microsoft.com/office/officeart/2009/3/layout/PhasedProcess"/>
+    <dgm:cxn modelId="{C8CF8BAE-534D-4441-871B-489887E1CDE1}" srcId="{BF199EE9-A761-48AD-9419-E8EDE348FAE2}" destId="{CC5920CB-C71D-4AA2-BC6D-CFFD2C7CEE46}" srcOrd="1" destOrd="0" parTransId="{5578A162-4585-449A-8B4C-2681E9FCDA39}" sibTransId="{C747616D-ADDE-427E-A752-9636E9DFE1AA}"/>
+    <dgm:cxn modelId="{59909FC3-4E20-472B-BB2A-6676C41BFF36}" srcId="{BF199EE9-A761-48AD-9419-E8EDE348FAE2}" destId="{126F9EDE-5562-4CD5-A2B7-5EC93C4C43EF}" srcOrd="3" destOrd="0" parTransId="{2CBE6DE2-7A05-4B81-92F2-3A5B090019C9}" sibTransId="{5D2CAC80-61A9-4E0C-81CB-0B08C065329E}"/>
+    <dgm:cxn modelId="{99758A31-4C8B-49C6-ADE0-FDC7413148F4}" type="presOf" srcId="{57E3EFF3-DD6B-4065-A413-33A852871777}" destId="{B4185ECA-3C2D-4268-B871-67C0081ACB7E}" srcOrd="0" destOrd="1" presId="urn:microsoft.com/office/officeart/2009/3/layout/PhasedProcess"/>
+    <dgm:cxn modelId="{36304474-0ECC-44D3-A0C3-6CDD3801B6BA}" srcId="{BF199EE9-A761-48AD-9419-E8EDE348FAE2}" destId="{57E3EFF3-DD6B-4065-A413-33A852871777}" srcOrd="0" destOrd="0" parTransId="{C1158863-E185-4F9D-9224-CFCFDBFFBF14}" sibTransId="{B8912349-1096-4084-8AE2-A635CDC27E6C}"/>
+    <dgm:cxn modelId="{53E83373-7AD8-4D9E-82A5-C42F2AD5E9BD}" srcId="{377F1FC9-9B57-4D28-9B1A-9B156AEE9F46}" destId="{BF199EE9-A761-48AD-9419-E8EDE348FAE2}" srcOrd="0" destOrd="0" parTransId="{6D71E92E-F7A5-4D67-8FDF-378D18E92C9F}" sibTransId="{C5A773C7-C717-4D3E-8DBC-934936A88740}"/>
     <dgm:cxn modelId="{EC55E6EC-F030-40EE-BF9B-CC883AF033B6}" srcId="{BF199EE9-A761-48AD-9419-E8EDE348FAE2}" destId="{CF046E1E-E455-4CE3-9858-2C87232CA9D0}" srcOrd="2" destOrd="0" parTransId="{9D8B2105-16CD-49F3-B99A-1F06730CF2B3}" sibTransId="{7F97AC8F-8648-45BB-8EC2-DF4565596005}"/>
-    <dgm:cxn modelId="{4AF42EA9-21C8-4F99-BEA8-F05E2F0F5B37}" type="presOf" srcId="{EF7C18B0-6B9D-4159-87F7-F8E597C1F53F}" destId="{4B0382BE-1C81-4988-AD62-79ECE17A9B43}" srcOrd="0" destOrd="0" presId="urn:microsoft.com/office/officeart/2009/3/layout/PhasedProcess"/>
     <dgm:cxn modelId="{226FF365-F6F3-47A3-A023-6C93DACC8DA8}" type="presOf" srcId="{86E16261-0F04-4737-B6EE-1956DB1A599C}" destId="{91C87F30-47A6-4AFF-A3CC-3D031A58E372}" srcOrd="0" destOrd="0" presId="urn:microsoft.com/office/officeart/2009/3/layout/PhasedProcess"/>
-    <dgm:cxn modelId="{AA0A3958-FEEE-4273-89CB-97C9D933A98D}" type="presOf" srcId="{399DB417-B40D-4F90-B275-A838C798508D}" destId="{968F9FD3-3F3B-485C-8F34-633671DDD733}" srcOrd="0" destOrd="0" presId="urn:microsoft.com/office/officeart/2009/3/layout/PhasedProcess"/>
-    <dgm:cxn modelId="{EF789DBE-E574-4253-901B-774A8247E293}" type="presOf" srcId="{E2433F02-7DDF-4E91-BA46-5511C7AB8D54}" destId="{75FCB88B-79EC-4689-B6D8-8EECE1B9E93C}" srcOrd="0" destOrd="0" presId="urn:microsoft.com/office/officeart/2009/3/layout/PhasedProcess"/>
-    <dgm:cxn modelId="{305C73A7-7737-460C-95F1-04C3014515C4}" type="presOf" srcId="{BF199EE9-A761-48AD-9419-E8EDE348FAE2}" destId="{B4185ECA-3C2D-4268-B871-67C0081ACB7E}" srcOrd="0" destOrd="0" presId="urn:microsoft.com/office/officeart/2009/3/layout/PhasedProcess"/>
-    <dgm:cxn modelId="{53E83373-7AD8-4D9E-82A5-C42F2AD5E9BD}" srcId="{377F1FC9-9B57-4D28-9B1A-9B156AEE9F46}" destId="{BF199EE9-A761-48AD-9419-E8EDE348FAE2}" srcOrd="0" destOrd="0" parTransId="{6D71E92E-F7A5-4D67-8FDF-378D18E92C9F}" sibTransId="{C5A773C7-C717-4D3E-8DBC-934936A88740}"/>
-    <dgm:cxn modelId="{6C11DCD3-389D-454F-83A0-628B150514CC}" type="presOf" srcId="{EB16144D-AE2C-4833-8B82-539A9E59CE07}" destId="{27AA64AE-C9B3-4734-BFF3-70526F8E5E9D}" srcOrd="0" destOrd="0" presId="urn:microsoft.com/office/officeart/2009/3/layout/PhasedProcess"/>
-    <dgm:cxn modelId="{90EABEFE-D490-4E14-B361-082E37F3563D}" type="presOf" srcId="{CC5920CB-C71D-4AA2-BC6D-CFFD2C7CEE46}" destId="{B4185ECA-3C2D-4268-B871-67C0081ACB7E}" srcOrd="0" destOrd="2" presId="urn:microsoft.com/office/officeart/2009/3/layout/PhasedProcess"/>
-    <dgm:cxn modelId="{67D6A476-8BB6-4F3B-8BE4-A968E3628863}" srcId="{C2211C5A-DFE7-453C-981B-7FF3DAB1259A}" destId="{EB16144D-AE2C-4833-8B82-539A9E59CE07}" srcOrd="0" destOrd="0" parTransId="{AAE52505-BD6F-4B45-AF00-01EF5D01C50E}" sibTransId="{CAFBF387-0E49-4F7B-84F4-112F88E22F37}"/>
-    <dgm:cxn modelId="{7C7F1DD5-FD99-41A9-BB80-F218B7375063}" type="presOf" srcId="{CF046E1E-E455-4CE3-9858-2C87232CA9D0}" destId="{B4185ECA-3C2D-4268-B871-67C0081ACB7E}" srcOrd="0" destOrd="3" presId="urn:microsoft.com/office/officeart/2009/3/layout/PhasedProcess"/>
-    <dgm:cxn modelId="{B55AFA52-98FF-4A7B-8472-764670B748B4}" srcId="{9A630943-E447-4EE1-9465-A6F86DF0FF87}" destId="{399DB417-B40D-4F90-B275-A838C798508D}" srcOrd="0" destOrd="0" parTransId="{A5D2D90A-6342-442E-BFCC-C800B5FC8F2D}" sibTransId="{55BB6C30-D59E-4FF8-A235-F6FED2E2A310}"/>
-    <dgm:cxn modelId="{A3379E92-EAC3-419B-A277-476737999E73}" srcId="{399DB417-B40D-4F90-B275-A838C798508D}" destId="{E2433F02-7DDF-4E91-BA46-5511C7AB8D54}" srcOrd="2" destOrd="0" parTransId="{20EB686D-DA7C-4C09-B54E-0AA9A260CE8A}" sibTransId="{344AD4C5-A3E7-4E35-9843-4B339D82DC5E}"/>
-    <dgm:cxn modelId="{3E9F789D-EDCD-4651-B018-6D9DEFBA7802}" srcId="{9A630943-E447-4EE1-9465-A6F86DF0FF87}" destId="{C2211C5A-DFE7-453C-981B-7FF3DAB1259A}" srcOrd="1" destOrd="0" parTransId="{A66FEEA6-2112-4F03-8BC7-34BF21145099}" sibTransId="{6C9228FE-EEF8-4BB8-A613-CAE3B955822A}"/>
-    <dgm:cxn modelId="{7300017F-A856-4334-9DCB-DC510BD435BB}" type="presOf" srcId="{C2211C5A-DFE7-453C-981B-7FF3DAB1259A}" destId="{2C01EC55-4304-450B-8E30-F710C0690228}" srcOrd="0" destOrd="0" presId="urn:microsoft.com/office/officeart/2009/3/layout/PhasedProcess"/>
-    <dgm:cxn modelId="{09078369-0C69-402F-B158-5C7732B44108}" type="presOf" srcId="{377F1FC9-9B57-4D28-9B1A-9B156AEE9F46}" destId="{73B75FC2-7ADD-40E1-89CD-79257D2CD296}" srcOrd="0" destOrd="0" presId="urn:microsoft.com/office/officeart/2009/3/layout/PhasedProcess"/>
-    <dgm:cxn modelId="{0D152643-63C6-40F9-A2FB-2D19852C64D6}" srcId="{399DB417-B40D-4F90-B275-A838C798508D}" destId="{86E16261-0F04-4737-B6EE-1956DB1A599C}" srcOrd="1" destOrd="0" parTransId="{20868712-E825-40D2-8FBB-98A00425785A}" sibTransId="{EE6ED1A7-3EC4-4D4E-8892-DB34BACD25B9}"/>
-    <dgm:cxn modelId="{E239CF09-A32D-47ED-ACDB-E8B48B3C9EC8}" type="presOf" srcId="{EB16144D-AE2C-4833-8B82-539A9E59CE07}" destId="{3B4FDB10-9EE3-4810-B65D-74395470B532}" srcOrd="1" destOrd="0" presId="urn:microsoft.com/office/officeart/2009/3/layout/PhasedProcess"/>
-    <dgm:cxn modelId="{FA6CBB25-0F8D-4161-998C-FDACFE788A41}" type="presOf" srcId="{C9E6DC6A-04C2-47F9-BE77-9BE5D66E8A02}" destId="{6D1E759F-CCE8-414F-A971-9C3D1DB27397}" srcOrd="0" destOrd="0" presId="urn:microsoft.com/office/officeart/2009/3/layout/PhasedProcess"/>
-    <dgm:cxn modelId="{D28EB1CB-DDDF-441C-835A-816762411FF5}" type="presOf" srcId="{02AFD568-0603-47E7-9CC1-146E62A9B3B6}" destId="{79BF506B-1FB4-4C2C-816C-82A65D3F529A}" srcOrd="1" destOrd="0" presId="urn:microsoft.com/office/officeart/2009/3/layout/PhasedProcess"/>
-    <dgm:cxn modelId="{A0895EE4-FCFB-4902-966A-B8B6A0C43D51}" type="presOf" srcId="{57E3EFF3-DD6B-4065-A413-33A852871777}" destId="{B4185ECA-3C2D-4268-B871-67C0081ACB7E}" srcOrd="0" destOrd="1" presId="urn:microsoft.com/office/officeart/2009/3/layout/PhasedProcess"/>
-    <dgm:cxn modelId="{C9CFBC40-3178-40B6-87E6-AA6CF4F315FC}" srcId="{C2211C5A-DFE7-453C-981B-7FF3DAB1259A}" destId="{02AFD568-0603-47E7-9CC1-146E62A9B3B6}" srcOrd="1" destOrd="0" parTransId="{7296B33A-F1A6-49F7-9CF4-9C4FF241DD2B}" sibTransId="{60E3AA78-B134-4ABA-9964-3DE02FC58B83}"/>
+    <dgm:cxn modelId="{672812FA-10EC-4C0D-B15D-E1E8AA465567}" type="presOf" srcId="{C2211C5A-DFE7-453C-981B-7FF3DAB1259A}" destId="{2C01EC55-4304-450B-8E30-F710C0690228}" srcOrd="0" destOrd="0" presId="urn:microsoft.com/office/officeart/2009/3/layout/PhasedProcess"/>
+    <dgm:cxn modelId="{C1E73B4A-DD8E-49FC-9443-0825C63B4149}" type="presOf" srcId="{02AFD568-0603-47E7-9CC1-146E62A9B3B6}" destId="{79BF506B-1FB4-4C2C-816C-82A65D3F529A}" srcOrd="1" destOrd="0" presId="urn:microsoft.com/office/officeart/2009/3/layout/PhasedProcess"/>
+    <dgm:cxn modelId="{80188A58-E6B7-4D84-959C-2F3E5D173DFD}" type="presOf" srcId="{02AFD568-0603-47E7-9CC1-146E62A9B3B6}" destId="{14D67D8C-FF9F-4F15-9029-F0D40526E090}" srcOrd="0" destOrd="0" presId="urn:microsoft.com/office/officeart/2009/3/layout/PhasedProcess"/>
+    <dgm:cxn modelId="{0788DFEE-593D-4212-9106-227DC97328EA}" type="presOf" srcId="{EB16144D-AE2C-4833-8B82-539A9E59CE07}" destId="{3B4FDB10-9EE3-4810-B65D-74395470B532}" srcOrd="1" destOrd="0" presId="urn:microsoft.com/office/officeart/2009/3/layout/PhasedProcess"/>
+    <dgm:cxn modelId="{83CAE9DA-B688-45AB-9C2E-60A5B36D86CA}" type="presOf" srcId="{126F9EDE-5562-4CD5-A2B7-5EC93C4C43EF}" destId="{B4185ECA-3C2D-4268-B871-67C0081ACB7E}" srcOrd="0" destOrd="4" presId="urn:microsoft.com/office/officeart/2009/3/layout/PhasedProcess"/>
+    <dgm:cxn modelId="{AB9012E1-5939-4C44-8EBF-7CC99BDFA64D}" type="presOf" srcId="{F25ADDF8-1B0C-49C3-9549-15930628DFC7}" destId="{45BFEF11-570E-446E-A8D7-5D07F27D08B7}" srcOrd="0" destOrd="0" presId="urn:microsoft.com/office/officeart/2009/3/layout/PhasedProcess"/>
     <dgm:cxn modelId="{2AE28442-40E1-466A-A376-D26876E50D3D}" srcId="{399DB417-B40D-4F90-B275-A838C798508D}" destId="{F25ADDF8-1B0C-49C3-9549-15930628DFC7}" srcOrd="0" destOrd="0" parTransId="{F0E633F6-5025-4B82-860D-905BBF1C7DF0}" sibTransId="{E00E23A4-4816-429C-85CB-D04ED30D079D}"/>
-    <dgm:cxn modelId="{0F1BDECE-2141-4583-8652-AE151BF3CF36}" type="presOf" srcId="{9A630943-E447-4EE1-9465-A6F86DF0FF87}" destId="{9C95A5F1-052C-434F-AB59-CABEB66F2A8C}" srcOrd="0" destOrd="0" presId="urn:microsoft.com/office/officeart/2009/3/layout/PhasedProcess"/>
-    <dgm:cxn modelId="{D36A46B3-2117-472B-98BC-B2651092B063}" type="presOf" srcId="{126F9EDE-5562-4CD5-A2B7-5EC93C4C43EF}" destId="{B4185ECA-3C2D-4268-B871-67C0081ACB7E}" srcOrd="0" destOrd="4" presId="urn:microsoft.com/office/officeart/2009/3/layout/PhasedProcess"/>
-    <dgm:cxn modelId="{C8CF8BAE-534D-4441-871B-489887E1CDE1}" srcId="{BF199EE9-A761-48AD-9419-E8EDE348FAE2}" destId="{CC5920CB-C71D-4AA2-BC6D-CFFD2C7CEE46}" srcOrd="1" destOrd="0" parTransId="{5578A162-4585-449A-8B4C-2681E9FCDA39}" sibTransId="{C747616D-ADDE-427E-A752-9636E9DFE1AA}"/>
-    <dgm:cxn modelId="{4D68808D-8F61-48FE-9422-86FE896C54A6}" srcId="{9A630943-E447-4EE1-9465-A6F86DF0FF87}" destId="{377F1FC9-9B57-4D28-9B1A-9B156AEE9F46}" srcOrd="2" destOrd="0" parTransId="{444C27C1-B30E-4038-95BA-6C83914A73D9}" sibTransId="{F9855687-937A-484C-9A25-17C0B2AA7237}"/>
-    <dgm:cxn modelId="{59909FC3-4E20-472B-BB2A-6676C41BFF36}" srcId="{BF199EE9-A761-48AD-9419-E8EDE348FAE2}" destId="{126F9EDE-5562-4CD5-A2B7-5EC93C4C43EF}" srcOrd="3" destOrd="0" parTransId="{2CBE6DE2-7A05-4B81-92F2-3A5B090019C9}" sibTransId="{5D2CAC80-61A9-4E0C-81CB-0B08C065329E}"/>
-    <dgm:cxn modelId="{1755C31A-1D73-42AD-AD98-08EE7248F4B1}" type="presOf" srcId="{02AFD568-0603-47E7-9CC1-146E62A9B3B6}" destId="{14D67D8C-FF9F-4F15-9029-F0D40526E090}" srcOrd="0" destOrd="0" presId="urn:microsoft.com/office/officeart/2009/3/layout/PhasedProcess"/>
-    <dgm:cxn modelId="{AB9012E1-5939-4C44-8EBF-7CC99BDFA64D}" type="presOf" srcId="{F25ADDF8-1B0C-49C3-9549-15930628DFC7}" destId="{45BFEF11-570E-446E-A8D7-5D07F27D08B7}" srcOrd="0" destOrd="0" presId="urn:microsoft.com/office/officeart/2009/3/layout/PhasedProcess"/>
-    <dgm:cxn modelId="{F7AFE92C-12AF-4FED-9F83-DBA20702E288}" srcId="{C2211C5A-DFE7-453C-981B-7FF3DAB1259A}" destId="{EF7C18B0-6B9D-4159-87F7-F8E597C1F53F}" srcOrd="2" destOrd="0" parTransId="{6B8B83E0-9130-4E0A-91EC-997C8FDD5F4A}" sibTransId="{B3BA5914-D735-47FE-9BE4-E9D1F4E694B4}"/>
-    <dgm:cxn modelId="{1F8380B6-2608-40B4-B667-87E6D1D442F4}" type="presOf" srcId="{EF7C18B0-6B9D-4159-87F7-F8E597C1F53F}" destId="{7C2CF0DE-080A-4305-AD45-70D4293C2E36}" srcOrd="1" destOrd="0" presId="urn:microsoft.com/office/officeart/2009/3/layout/PhasedProcess"/>
-    <dgm:cxn modelId="{36304474-0ECC-44D3-A0C3-6CDD3801B6BA}" srcId="{BF199EE9-A761-48AD-9419-E8EDE348FAE2}" destId="{57E3EFF3-DD6B-4065-A413-33A852871777}" srcOrd="0" destOrd="0" parTransId="{C1158863-E185-4F9D-9224-CFCFDBFFBF14}" sibTransId="{B8912349-1096-4084-8AE2-A635CDC27E6C}"/>
+    <dgm:cxn modelId="{C0645803-0CD1-4388-A160-E17F1A2AD973}" type="presOf" srcId="{CC5920CB-C71D-4AA2-BC6D-CFFD2C7CEE46}" destId="{B4185ECA-3C2D-4268-B871-67C0081ACB7E}" srcOrd="0" destOrd="2" presId="urn:microsoft.com/office/officeart/2009/3/layout/PhasedProcess"/>
     <dgm:cxn modelId="{22C54429-F329-421F-9BFD-39EC88EB87E3}" type="presParOf" srcId="{9C95A5F1-052C-434F-AB59-CABEB66F2A8C}" destId="{C13BE302-36CF-4713-8AD1-278ECD58417C}" srcOrd="0" destOrd="0" presId="urn:microsoft.com/office/officeart/2009/3/layout/PhasedProcess"/>
     <dgm:cxn modelId="{42D60227-EF77-4930-A125-077D83A35C2D}" type="presParOf" srcId="{9C95A5F1-052C-434F-AB59-CABEB66F2A8C}" destId="{16196BC5-64A0-4A08-BE75-95DAD8136072}" srcOrd="1" destOrd="0" presId="urn:microsoft.com/office/officeart/2009/3/layout/PhasedProcess"/>
     <dgm:cxn modelId="{1056EFA0-F74E-4457-A4A8-16A5998BF454}" type="presParOf" srcId="{9C95A5F1-052C-434F-AB59-CABEB66F2A8C}" destId="{2C01EC55-4304-450B-8E30-F710C0690228}" srcOrd="2" destOrd="0" presId="urn:microsoft.com/office/officeart/2009/3/layout/PhasedProcess"/>
@@ -5059,12 +5060,12 @@
     <dgm:cxn modelId="{AEB7AEB7-E320-4F0E-A29B-341B6728D0AC}" type="presParOf" srcId="{9C95A5F1-052C-434F-AB59-CABEB66F2A8C}" destId="{12E46D00-9701-4AAF-A3F8-3D2761A1C84B}" srcOrd="4" destOrd="0" presId="urn:microsoft.com/office/officeart/2009/3/layout/PhasedProcess"/>
     <dgm:cxn modelId="{54CD2D36-9FAA-4DEB-8DAC-FB18F87137FE}" type="presParOf" srcId="{9C95A5F1-052C-434F-AB59-CABEB66F2A8C}" destId="{73B75FC2-7ADD-40E1-89CD-79257D2CD296}" srcOrd="5" destOrd="0" presId="urn:microsoft.com/office/officeart/2009/3/layout/PhasedProcess"/>
     <dgm:cxn modelId="{46A721EF-F07F-419E-B359-27A091F3A753}" type="presParOf" srcId="{9C95A5F1-052C-434F-AB59-CABEB66F2A8C}" destId="{3670AFF8-D4A1-414A-9E41-3AC5BA02682C}" srcOrd="6" destOrd="0" presId="urn:microsoft.com/office/officeart/2009/3/layout/PhasedProcess"/>
-    <dgm:cxn modelId="{1C44134F-3C89-4771-8126-E662E021455B}" type="presParOf" srcId="{3670AFF8-D4A1-414A-9E41-3AC5BA02682C}" destId="{27AA64AE-C9B3-4734-BFF3-70526F8E5E9D}" srcOrd="0" destOrd="0" presId="urn:microsoft.com/office/officeart/2009/3/layout/PhasedProcess"/>
-    <dgm:cxn modelId="{E965F7CF-269B-4C3B-8755-74E41A94F9FC}" type="presParOf" srcId="{3670AFF8-D4A1-414A-9E41-3AC5BA02682C}" destId="{3B4FDB10-9EE3-4810-B65D-74395470B532}" srcOrd="1" destOrd="0" presId="urn:microsoft.com/office/officeart/2009/3/layout/PhasedProcess"/>
-    <dgm:cxn modelId="{ECC224B8-086B-491B-A879-282B9CB195BC}" type="presParOf" srcId="{3670AFF8-D4A1-414A-9E41-3AC5BA02682C}" destId="{14D67D8C-FF9F-4F15-9029-F0D40526E090}" srcOrd="2" destOrd="0" presId="urn:microsoft.com/office/officeart/2009/3/layout/PhasedProcess"/>
-    <dgm:cxn modelId="{8FEB04EE-59F6-4A10-8FC7-714CF75B139F}" type="presParOf" srcId="{3670AFF8-D4A1-414A-9E41-3AC5BA02682C}" destId="{79BF506B-1FB4-4C2C-816C-82A65D3F529A}" srcOrd="3" destOrd="0" presId="urn:microsoft.com/office/officeart/2009/3/layout/PhasedProcess"/>
-    <dgm:cxn modelId="{469BECFA-0414-48AF-99FF-91C7099DF001}" type="presParOf" srcId="{3670AFF8-D4A1-414A-9E41-3AC5BA02682C}" destId="{4B0382BE-1C81-4988-AD62-79ECE17A9B43}" srcOrd="4" destOrd="0" presId="urn:microsoft.com/office/officeart/2009/3/layout/PhasedProcess"/>
-    <dgm:cxn modelId="{BBD8CB58-AE5D-4AE0-91A8-6244551E3D50}" type="presParOf" srcId="{3670AFF8-D4A1-414A-9E41-3AC5BA02682C}" destId="{7C2CF0DE-080A-4305-AD45-70D4293C2E36}" srcOrd="5" destOrd="0" presId="urn:microsoft.com/office/officeart/2009/3/layout/PhasedProcess"/>
+    <dgm:cxn modelId="{C478A8A4-7354-497A-922C-280530ED7FAB}" type="presParOf" srcId="{3670AFF8-D4A1-414A-9E41-3AC5BA02682C}" destId="{27AA64AE-C9B3-4734-BFF3-70526F8E5E9D}" srcOrd="0" destOrd="0" presId="urn:microsoft.com/office/officeart/2009/3/layout/PhasedProcess"/>
+    <dgm:cxn modelId="{E3086889-5D19-4BB9-A116-A3503C38E1B6}" type="presParOf" srcId="{3670AFF8-D4A1-414A-9E41-3AC5BA02682C}" destId="{3B4FDB10-9EE3-4810-B65D-74395470B532}" srcOrd="1" destOrd="0" presId="urn:microsoft.com/office/officeart/2009/3/layout/PhasedProcess"/>
+    <dgm:cxn modelId="{CEE73B7C-A280-4AFD-A2F9-86041411528F}" type="presParOf" srcId="{3670AFF8-D4A1-414A-9E41-3AC5BA02682C}" destId="{14D67D8C-FF9F-4F15-9029-F0D40526E090}" srcOrd="2" destOrd="0" presId="urn:microsoft.com/office/officeart/2009/3/layout/PhasedProcess"/>
+    <dgm:cxn modelId="{1E859978-65F4-4974-98B9-EF30132D4991}" type="presParOf" srcId="{3670AFF8-D4A1-414A-9E41-3AC5BA02682C}" destId="{79BF506B-1FB4-4C2C-816C-82A65D3F529A}" srcOrd="3" destOrd="0" presId="urn:microsoft.com/office/officeart/2009/3/layout/PhasedProcess"/>
+    <dgm:cxn modelId="{383327AE-190F-4FD0-8CD0-3A404BE8660D}" type="presParOf" srcId="{3670AFF8-D4A1-414A-9E41-3AC5BA02682C}" destId="{4B0382BE-1C81-4988-AD62-79ECE17A9B43}" srcOrd="4" destOrd="0" presId="urn:microsoft.com/office/officeart/2009/3/layout/PhasedProcess"/>
+    <dgm:cxn modelId="{A785D6E3-390C-404A-A68A-E13EF570B418}" type="presParOf" srcId="{3670AFF8-D4A1-414A-9E41-3AC5BA02682C}" destId="{7C2CF0DE-080A-4305-AD45-70D4293C2E36}" srcOrd="5" destOrd="0" presId="urn:microsoft.com/office/officeart/2009/3/layout/PhasedProcess"/>
     <dgm:cxn modelId="{5719484A-918C-4045-A230-FBF3D4D4F220}" type="presParOf" srcId="{9C95A5F1-052C-434F-AB59-CABEB66F2A8C}" destId="{2230A353-CA15-4D16-A7AD-13D827B90450}" srcOrd="7" destOrd="0" presId="urn:microsoft.com/office/officeart/2009/3/layout/PhasedProcess"/>
     <dgm:cxn modelId="{F8E753B7-8EBA-4060-B4FD-4186A64BF9C9}" type="presParOf" srcId="{2230A353-CA15-4D16-A7AD-13D827B90450}" destId="{45BFEF11-570E-446E-A8D7-5D07F27D08B7}" srcOrd="0" destOrd="0" presId="urn:microsoft.com/office/officeart/2009/3/layout/PhasedProcess"/>
     <dgm:cxn modelId="{25FDD680-6051-4FA3-8A96-C99E41D22E5A}" type="presParOf" srcId="{2230A353-CA15-4D16-A7AD-13D827B90450}" destId="{1F87DBE4-4C11-4C14-AD84-9DD8C29B527D}" srcOrd="1" destOrd="0" presId="urn:microsoft.com/office/officeart/2009/3/layout/PhasedProcess"/>
@@ -7323,8 +7324,9 @@
           </a:pPr>
           <a:r>
             <a:rPr lang="en-US" sz="2000" kern="1200" dirty="0" smtClean="0"/>
-            <a:t>Object</a:t>
+            <a:t>Object’s</a:t>
           </a:r>
+          <a:endParaRPr lang="en-US" sz="2000" kern="1200" dirty="0" smtClean="0"/>
         </a:p>
         <a:p>
           <a:pPr lvl="0" algn="ctr" defTabSz="889000">
@@ -7800,12 +7802,12 @@
         </a:fontRef>
       </dsp:style>
       <dsp:txBody>
-        <a:bodyPr spcFirstLastPara="0" vert="horz" wrap="square" lIns="45720" tIns="45720" rIns="45720" bIns="45720" numCol="1" spcCol="1270" anchor="ctr" anchorCtr="0">
+        <a:bodyPr spcFirstLastPara="0" vert="horz" wrap="square" lIns="38100" tIns="38100" rIns="38100" bIns="38100" numCol="1" spcCol="1270" anchor="ctr" anchorCtr="0">
           <a:noAutofit/>
         </a:bodyPr>
         <a:lstStyle/>
         <a:p>
-          <a:pPr lvl="0" algn="ctr" defTabSz="533400">
+          <a:pPr lvl="0" algn="ctr" defTabSz="444500">
             <a:lnSpc>
               <a:spcPct val="90000"/>
             </a:lnSpc>
@@ -7817,10 +7819,10 @@
             </a:spcAft>
           </a:pPr>
           <a:r>
-            <a:rPr lang="en-US" sz="1200" kern="1200" dirty="0" smtClean="0"/>
+            <a:rPr lang="en-US" sz="1000" kern="1200" dirty="0" smtClean="0"/>
             <a:t>Remove background</a:t>
           </a:r>
-          <a:endParaRPr lang="en-US" sz="1200" kern="1200" dirty="0"/>
+          <a:endParaRPr lang="en-US" sz="1000" kern="1200" dirty="0"/>
         </a:p>
       </dsp:txBody>
       <dsp:txXfrm>
@@ -7978,12 +7980,12 @@
         </a:fontRef>
       </dsp:style>
       <dsp:txBody>
-        <a:bodyPr spcFirstLastPara="0" vert="horz" wrap="square" lIns="45720" tIns="45720" rIns="45720" bIns="45720" numCol="1" spcCol="1270" anchor="ctr" anchorCtr="0">
+        <a:bodyPr spcFirstLastPara="0" vert="horz" wrap="square" lIns="38100" tIns="38100" rIns="38100" bIns="38100" numCol="1" spcCol="1270" anchor="ctr" anchorCtr="0">
           <a:noAutofit/>
         </a:bodyPr>
         <a:lstStyle/>
         <a:p>
-          <a:pPr lvl="0" algn="ctr" defTabSz="533400">
+          <a:pPr lvl="0" algn="ctr" defTabSz="444500">
             <a:lnSpc>
               <a:spcPct val="90000"/>
             </a:lnSpc>
@@ -7995,10 +7997,10 @@
             </a:spcAft>
           </a:pPr>
           <a:r>
-            <a:rPr lang="en-US" sz="1200" kern="1200" dirty="0" smtClean="0"/>
-            <a:t>Threshold image</a:t>
+            <a:rPr lang="en-US" sz="1000" kern="1200" dirty="0" smtClean="0"/>
+            <a:t>Morphological operations</a:t>
           </a:r>
-          <a:endParaRPr lang="en-US" sz="1200" kern="1200" dirty="0"/>
+          <a:endParaRPr lang="en-US" sz="1000" kern="1200" dirty="0"/>
         </a:p>
       </dsp:txBody>
       <dsp:txXfrm>
@@ -8106,12 +8108,12 @@
         </a:fontRef>
       </dsp:style>
       <dsp:txBody>
-        <a:bodyPr spcFirstLastPara="0" vert="horz" wrap="square" lIns="45720" tIns="45720" rIns="45720" bIns="45720" numCol="1" spcCol="1270" anchor="ctr" anchorCtr="0">
+        <a:bodyPr spcFirstLastPara="0" vert="horz" wrap="square" lIns="38100" tIns="38100" rIns="38100" bIns="38100" numCol="1" spcCol="1270" anchor="ctr" anchorCtr="0">
           <a:noAutofit/>
         </a:bodyPr>
         <a:lstStyle/>
         <a:p>
-          <a:pPr lvl="0" algn="ctr" defTabSz="533400">
+          <a:pPr lvl="0" algn="ctr" defTabSz="444500">
             <a:lnSpc>
               <a:spcPct val="90000"/>
             </a:lnSpc>
@@ -8123,10 +8125,10 @@
             </a:spcAft>
           </a:pPr>
           <a:r>
-            <a:rPr lang="en-US" sz="1200" kern="1200" dirty="0" smtClean="0"/>
+            <a:rPr lang="en-US" sz="1000" kern="1200" dirty="0" smtClean="0"/>
             <a:t>Surround object with bounding box</a:t>
           </a:r>
-          <a:endParaRPr lang="en-US" sz="1200" kern="1200" dirty="0"/>
+          <a:endParaRPr lang="en-US" sz="1000" kern="1200" dirty="0"/>
         </a:p>
       </dsp:txBody>
       <dsp:txXfrm>
@@ -8184,12 +8186,12 @@
         </a:fontRef>
       </dsp:style>
       <dsp:txBody>
-        <a:bodyPr spcFirstLastPara="0" vert="horz" wrap="square" lIns="45720" tIns="45720" rIns="45720" bIns="45720" numCol="1" spcCol="1270" anchor="ctr" anchorCtr="0">
+        <a:bodyPr spcFirstLastPara="0" vert="horz" wrap="square" lIns="38100" tIns="38100" rIns="38100" bIns="38100" numCol="1" spcCol="1270" anchor="ctr" anchorCtr="0">
           <a:noAutofit/>
         </a:bodyPr>
         <a:lstStyle/>
         <a:p>
-          <a:pPr lvl="0" algn="ctr" defTabSz="533400">
+          <a:pPr lvl="0" algn="ctr" defTabSz="444500">
             <a:lnSpc>
               <a:spcPct val="90000"/>
             </a:lnSpc>
@@ -8201,10 +8203,10 @@
             </a:spcAft>
           </a:pPr>
           <a:r>
-            <a:rPr lang="en-US" sz="1200" kern="1200" dirty="0" smtClean="0"/>
+            <a:rPr lang="en-US" sz="1000" kern="1200" dirty="0" smtClean="0"/>
             <a:t>Calculate centroid</a:t>
           </a:r>
-          <a:endParaRPr lang="en-US" sz="1200" kern="1200" dirty="0"/>
+          <a:endParaRPr lang="en-US" sz="1000" kern="1200" dirty="0"/>
         </a:p>
       </dsp:txBody>
       <dsp:txXfrm>
@@ -17456,7 +17458,15 @@
           <a:bodyPr/>
           <a:lstStyle/>
           <a:p>
-            <a:endParaRPr lang="en-US"/>
+            <a:r>
+              <a:rPr lang="en-US" dirty="0" smtClean="0"/>
+              <a:t>Motion</a:t>
+            </a:r>
+            <a:r>
+              <a:rPr lang="en-US" baseline="0" dirty="0" smtClean="0"/>
+              <a:t> based detection algorithm</a:t>
+            </a:r>
+            <a:endParaRPr lang="en-US" dirty="0"/>
           </a:p>
         </p:txBody>
       </p:sp>
@@ -17540,7 +17550,27 @@
           <a:bodyPr/>
           <a:lstStyle/>
           <a:p>
-            <a:endParaRPr lang="en-US"/>
+            <a:r>
+              <a:rPr lang="en-US" dirty="0" err="1" smtClean="0"/>
+              <a:t>Treshold</a:t>
+            </a:r>
+            <a:r>
+              <a:rPr lang="en-US" baseline="0" dirty="0" smtClean="0"/>
+              <a:t> – </a:t>
+            </a:r>
+            <a:r>
+              <a:rPr lang="en-US" baseline="0" dirty="0" err="1" smtClean="0"/>
+              <a:t>binarização</a:t>
+            </a:r>
+            <a:r>
+              <a:rPr lang="en-US" baseline="0" dirty="0" smtClean="0"/>
+              <a:t> da </a:t>
+            </a:r>
+            <a:r>
+              <a:rPr lang="en-US" baseline="0" dirty="0" err="1" smtClean="0"/>
+              <a:t>imagem</a:t>
+            </a:r>
+            <a:endParaRPr lang="en-US" dirty="0"/>
           </a:p>
         </p:txBody>
       </p:sp>
@@ -22468,11 +22498,7 @@
             </a:r>
             <a:r>
               <a:rPr lang="en-US" sz="2400" dirty="0" smtClean="0"/>
-              <a:t>sideways, or a combination of </a:t>
-            </a:r>
-            <a:r>
-              <a:rPr lang="en-US" sz="2400" dirty="0" smtClean="0"/>
-              <a:t>these.</a:t>
+              <a:t>sideways, or a combination of these.</a:t>
             </a:r>
           </a:p>
           <a:p>
@@ -22489,11 +22515,7 @@
             </a:r>
             <a:r>
               <a:rPr lang="en-US" sz="2400" dirty="0" smtClean="0"/>
-              <a:t>So </a:t>
-            </a:r>
-            <a:r>
-              <a:rPr lang="en-US" sz="2400" dirty="0" smtClean="0"/>
-              <a:t>in our case, a collision means that a object is very close to the camera;</a:t>
+              <a:t>So in our case, a collision means that a object is very close to the camera;</a:t>
             </a:r>
           </a:p>
           <a:p>
@@ -22732,8 +22754,30 @@
             </a:pPr>
             <a:r>
               <a:rPr lang="en-US" sz="2400" dirty="0" smtClean="0"/>
-              <a:t> From what we will see, in some situations is hard to figure if there was, or not, a collision;</a:t>
+              <a:t> From what we will see, in some situations is hard to figure if there was, or not, a collision</a:t>
             </a:r>
+            <a:r>
+              <a:rPr lang="en-US" sz="2400" dirty="0" smtClean="0"/>
+              <a:t>;</a:t>
+            </a:r>
+          </a:p>
+          <a:p>
+            <a:pPr>
+              <a:lnSpc>
+                <a:spcPct val="150000"/>
+              </a:lnSpc>
+              <a:buFont typeface="Wingdings" panose="05000000000000000000" pitchFamily="2" charset="2"/>
+              <a:buChar char="§"/>
+            </a:pPr>
+            <a:r>
+              <a:rPr lang="en-US" sz="2400" dirty="0"/>
+              <a:t> </a:t>
+            </a:r>
+            <a:r>
+              <a:rPr lang="en-US" sz="2400" dirty="0" smtClean="0"/>
+              <a:t>We developed this project using MATLAB.</a:t>
+            </a:r>
+            <a:endParaRPr lang="en-US" sz="2400" dirty="0" smtClean="0"/>
           </a:p>
           <a:p>
             <a:pPr>
@@ -23270,7 +23314,7 @@
           <p:nvPr>
             <p:extLst>
               <p:ext uri="{D42A27DB-BD31-4B8C-83A1-F6EECF244321}">
-                <p14:modId xmlns:p14="http://schemas.microsoft.com/office/powerpoint/2010/main" val="2090737618"/>
+                <p14:modId xmlns:p14="http://schemas.microsoft.com/office/powerpoint/2010/main" val="1282965123"/>
               </p:ext>
             </p:extLst>
           </p:nvPr>
